--- a/Identifying fake news in facebook.pptx
+++ b/Identifying fake news in facebook.pptx
@@ -21,14 +21,22 @@
     <p:sldId id="269" r:id="rId15"/>
     <p:sldId id="270" r:id="rId16"/>
     <p:sldId id="271" r:id="rId17"/>
-    <p:sldId id="272" r:id="rId18"/>
-    <p:sldId id="273" r:id="rId19"/>
-    <p:sldId id="274" r:id="rId20"/>
-    <p:sldId id="275" r:id="rId21"/>
-    <p:sldId id="276" r:id="rId22"/>
-    <p:sldId id="277" r:id="rId23"/>
-    <p:sldId id="278" r:id="rId24"/>
-    <p:sldId id="279" r:id="rId25"/>
+    <p:sldId id="273" r:id="rId18"/>
+    <p:sldId id="280" r:id="rId19"/>
+    <p:sldId id="278" r:id="rId20"/>
+    <p:sldId id="274" r:id="rId21"/>
+    <p:sldId id="275" r:id="rId22"/>
+    <p:sldId id="276" r:id="rId23"/>
+    <p:sldId id="277" r:id="rId24"/>
+    <p:sldId id="281" r:id="rId25"/>
+    <p:sldId id="282" r:id="rId26"/>
+    <p:sldId id="283" r:id="rId27"/>
+    <p:sldId id="284" r:id="rId28"/>
+    <p:sldId id="285" r:id="rId29"/>
+    <p:sldId id="286" r:id="rId30"/>
+    <p:sldId id="287" r:id="rId31"/>
+    <p:sldId id="288" r:id="rId32"/>
+    <p:sldId id="279" r:id="rId33"/>
   </p:sldIdLst>
   <p:sldSz cx="12192000" cy="6858000"/>
   <p:notesSz cx="6858000" cy="9144000"/>
@@ -127,6 +135,11 @@
       </a:defRPr>
     </a:lvl9pPr>
   </p:defaultTextStyle>
+  <p:extLst>
+    <p:ext uri="{EFAFB233-063F-42B5-8137-9DF3F51BA10A}">
+      <p15:sldGuideLst xmlns:p15="http://schemas.microsoft.com/office/powerpoint/2012/main"/>
+    </p:ext>
+  </p:extLst>
 </p:presentation>
 </file>
 
@@ -186,7 +199,7 @@
           </a:lstStyle>
           <a:p>
             <a:r>
-              <a:rPr lang="en-US" smtClean="0"/>
+              <a:rPr lang="en-US"/>
               <a:t>Click to edit Master title style</a:t>
             </a:r>
             <a:endParaRPr lang="en-US" dirty="0"/>
@@ -262,7 +275,7 @@
           </a:lstStyle>
           <a:p>
             <a:r>
-              <a:rPr lang="en-US" smtClean="0"/>
+              <a:rPr lang="en-US"/>
               <a:t>Click to edit Master subtitle style</a:t>
             </a:r>
             <a:endParaRPr lang="en-US" dirty="0"/>
@@ -299,7 +312,7 @@
           <a:p>
             <a:fld id="{59E96F55-476F-4FBF-A88F-42E87486F748}" type="datetimeFigureOut">
               <a:rPr lang="en-US" smtClean="0"/>
-              <a:t>8/14/2017</a:t>
+              <a:t>8/16/2017</a:t>
             </a:fld>
             <a:endParaRPr lang="en-US"/>
           </a:p>
@@ -548,7 +561,7 @@
           <a:lstStyle/>
           <a:p>
             <a:r>
-              <a:rPr lang="en-US" smtClean="0"/>
+              <a:rPr lang="en-US"/>
               <a:t>Click to edit Master title style</a:t>
             </a:r>
             <a:endParaRPr lang="en-US" dirty="0"/>
@@ -577,35 +590,35 @@
           <a:p>
             <a:pPr lvl="0"/>
             <a:r>
-              <a:rPr lang="en-US" smtClean="0"/>
+              <a:rPr lang="en-US"/>
               <a:t>Edit Master text styles</a:t>
             </a:r>
           </a:p>
           <a:p>
             <a:pPr lvl="1"/>
             <a:r>
-              <a:rPr lang="en-US" smtClean="0"/>
+              <a:rPr lang="en-US"/>
               <a:t>Second level</a:t>
             </a:r>
           </a:p>
           <a:p>
             <a:pPr lvl="2"/>
             <a:r>
-              <a:rPr lang="en-US" smtClean="0"/>
+              <a:rPr lang="en-US"/>
               <a:t>Third level</a:t>
             </a:r>
           </a:p>
           <a:p>
             <a:pPr lvl="3"/>
             <a:r>
-              <a:rPr lang="en-US" smtClean="0"/>
+              <a:rPr lang="en-US"/>
               <a:t>Fourth level</a:t>
             </a:r>
           </a:p>
           <a:p>
             <a:pPr lvl="4"/>
             <a:r>
-              <a:rPr lang="en-US" smtClean="0"/>
+              <a:rPr lang="en-US"/>
               <a:t>Fifth level</a:t>
             </a:r>
             <a:endParaRPr lang="en-US" dirty="0"/>
@@ -629,7 +642,7 @@
           <a:p>
             <a:fld id="{59E96F55-476F-4FBF-A88F-42E87486F748}" type="datetimeFigureOut">
               <a:rPr lang="en-US" smtClean="0"/>
-              <a:t>8/14/2017</a:t>
+              <a:t>8/16/2017</a:t>
             </a:fld>
             <a:endParaRPr lang="en-US"/>
           </a:p>
@@ -728,7 +741,7 @@
           <a:lstStyle/>
           <a:p>
             <a:r>
-              <a:rPr lang="en-US" smtClean="0"/>
+              <a:rPr lang="en-US"/>
               <a:t>Click to edit Master title style</a:t>
             </a:r>
             <a:endParaRPr lang="en-US" dirty="0"/>
@@ -757,35 +770,35 @@
           <a:p>
             <a:pPr lvl="0"/>
             <a:r>
-              <a:rPr lang="en-US" smtClean="0"/>
+              <a:rPr lang="en-US"/>
               <a:t>Edit Master text styles</a:t>
             </a:r>
           </a:p>
           <a:p>
             <a:pPr lvl="1"/>
             <a:r>
-              <a:rPr lang="en-US" smtClean="0"/>
+              <a:rPr lang="en-US"/>
               <a:t>Second level</a:t>
             </a:r>
           </a:p>
           <a:p>
             <a:pPr lvl="2"/>
             <a:r>
-              <a:rPr lang="en-US" smtClean="0"/>
+              <a:rPr lang="en-US"/>
               <a:t>Third level</a:t>
             </a:r>
           </a:p>
           <a:p>
             <a:pPr lvl="3"/>
             <a:r>
-              <a:rPr lang="en-US" smtClean="0"/>
+              <a:rPr lang="en-US"/>
               <a:t>Fourth level</a:t>
             </a:r>
           </a:p>
           <a:p>
             <a:pPr lvl="4"/>
             <a:r>
-              <a:rPr lang="en-US" smtClean="0"/>
+              <a:rPr lang="en-US"/>
               <a:t>Fifth level</a:t>
             </a:r>
             <a:endParaRPr lang="en-US" dirty="0"/>
@@ -809,7 +822,7 @@
           <a:p>
             <a:fld id="{59E96F55-476F-4FBF-A88F-42E87486F748}" type="datetimeFigureOut">
               <a:rPr lang="en-US" smtClean="0"/>
-              <a:t>8/14/2017</a:t>
+              <a:t>8/16/2017</a:t>
             </a:fld>
             <a:endParaRPr lang="en-US"/>
           </a:p>
@@ -903,7 +916,7 @@
           <a:lstStyle/>
           <a:p>
             <a:r>
-              <a:rPr lang="en-US" smtClean="0"/>
+              <a:rPr lang="en-US"/>
               <a:t>Click to edit Master title style</a:t>
             </a:r>
             <a:endParaRPr lang="en-US" dirty="0"/>
@@ -927,35 +940,35 @@
           <a:p>
             <a:pPr lvl="0"/>
             <a:r>
-              <a:rPr lang="en-US" smtClean="0"/>
+              <a:rPr lang="en-US"/>
               <a:t>Edit Master text styles</a:t>
             </a:r>
           </a:p>
           <a:p>
             <a:pPr lvl="1"/>
             <a:r>
-              <a:rPr lang="en-US" smtClean="0"/>
+              <a:rPr lang="en-US"/>
               <a:t>Second level</a:t>
             </a:r>
           </a:p>
           <a:p>
             <a:pPr lvl="2"/>
             <a:r>
-              <a:rPr lang="en-US" smtClean="0"/>
+              <a:rPr lang="en-US"/>
               <a:t>Third level</a:t>
             </a:r>
           </a:p>
           <a:p>
             <a:pPr lvl="3"/>
             <a:r>
-              <a:rPr lang="en-US" smtClean="0"/>
+              <a:rPr lang="en-US"/>
               <a:t>Fourth level</a:t>
             </a:r>
           </a:p>
           <a:p>
             <a:pPr lvl="4"/>
             <a:r>
-              <a:rPr lang="en-US" smtClean="0"/>
+              <a:rPr lang="en-US"/>
               <a:t>Fifth level</a:t>
             </a:r>
             <a:endParaRPr lang="en-US" dirty="0"/>
@@ -979,7 +992,7 @@
           <a:p>
             <a:fld id="{59E96F55-476F-4FBF-A88F-42E87486F748}" type="datetimeFigureOut">
               <a:rPr lang="en-US" smtClean="0"/>
-              <a:t>8/14/2017</a:t>
+              <a:t>8/16/2017</a:t>
             </a:fld>
             <a:endParaRPr lang="en-US"/>
           </a:p>
@@ -1093,7 +1106,7 @@
           </a:lstStyle>
           <a:p>
             <a:r>
-              <a:rPr lang="en-US" smtClean="0"/>
+              <a:rPr lang="en-US"/>
               <a:t>Click to edit Master title style</a:t>
             </a:r>
             <a:endParaRPr lang="en-US" dirty="0"/>
@@ -1220,7 +1233,7 @@
           <a:p>
             <a:pPr lvl="0"/>
             <a:r>
-              <a:rPr lang="en-US" smtClean="0"/>
+              <a:rPr lang="en-US"/>
               <a:t>Edit Master text styles</a:t>
             </a:r>
           </a:p>
@@ -1256,7 +1269,7 @@
           <a:p>
             <a:fld id="{59E96F55-476F-4FBF-A88F-42E87486F748}" type="datetimeFigureOut">
               <a:rPr lang="en-US" smtClean="0"/>
-              <a:t>8/14/2017</a:t>
+              <a:t>8/16/2017</a:t>
             </a:fld>
             <a:endParaRPr lang="en-US"/>
           </a:p>
@@ -1440,7 +1453,7 @@
           </a:lstStyle>
           <a:p>
             <a:r>
-              <a:rPr lang="en-US" smtClean="0"/>
+              <a:rPr lang="en-US"/>
               <a:t>Click to edit Master title style</a:t>
             </a:r>
             <a:endParaRPr lang="en-US" dirty="0"/>
@@ -1505,35 +1518,35 @@
           <a:p>
             <a:pPr lvl="0"/>
             <a:r>
-              <a:rPr lang="en-US" smtClean="0"/>
+              <a:rPr lang="en-US"/>
               <a:t>Edit Master text styles</a:t>
             </a:r>
           </a:p>
           <a:p>
             <a:pPr lvl="1"/>
             <a:r>
-              <a:rPr lang="en-US" smtClean="0"/>
+              <a:rPr lang="en-US"/>
               <a:t>Second level</a:t>
             </a:r>
           </a:p>
           <a:p>
             <a:pPr lvl="2"/>
             <a:r>
-              <a:rPr lang="en-US" smtClean="0"/>
+              <a:rPr lang="en-US"/>
               <a:t>Third level</a:t>
             </a:r>
           </a:p>
           <a:p>
             <a:pPr lvl="3"/>
             <a:r>
-              <a:rPr lang="en-US" smtClean="0"/>
+              <a:rPr lang="en-US"/>
               <a:t>Fourth level</a:t>
             </a:r>
           </a:p>
           <a:p>
             <a:pPr lvl="4"/>
             <a:r>
-              <a:rPr lang="en-US" smtClean="0"/>
+              <a:rPr lang="en-US"/>
               <a:t>Fifth level</a:t>
             </a:r>
             <a:endParaRPr lang="en-US" dirty="0"/>
@@ -1598,35 +1611,35 @@
           <a:p>
             <a:pPr lvl="0"/>
             <a:r>
-              <a:rPr lang="en-US" smtClean="0"/>
+              <a:rPr lang="en-US"/>
               <a:t>Edit Master text styles</a:t>
             </a:r>
           </a:p>
           <a:p>
             <a:pPr lvl="1"/>
             <a:r>
-              <a:rPr lang="en-US" smtClean="0"/>
+              <a:rPr lang="en-US"/>
               <a:t>Second level</a:t>
             </a:r>
           </a:p>
           <a:p>
             <a:pPr lvl="2"/>
             <a:r>
-              <a:rPr lang="en-US" smtClean="0"/>
+              <a:rPr lang="en-US"/>
               <a:t>Third level</a:t>
             </a:r>
           </a:p>
           <a:p>
             <a:pPr lvl="3"/>
             <a:r>
-              <a:rPr lang="en-US" smtClean="0"/>
+              <a:rPr lang="en-US"/>
               <a:t>Fourth level</a:t>
             </a:r>
           </a:p>
           <a:p>
             <a:pPr lvl="4"/>
             <a:r>
-              <a:rPr lang="en-US" smtClean="0"/>
+              <a:rPr lang="en-US"/>
               <a:t>Fifth level</a:t>
             </a:r>
             <a:endParaRPr lang="en-US" dirty="0"/>
@@ -1650,7 +1663,7 @@
           <a:p>
             <a:fld id="{59E96F55-476F-4FBF-A88F-42E87486F748}" type="datetimeFigureOut">
               <a:rPr lang="en-US" smtClean="0"/>
-              <a:t>8/14/2017</a:t>
+              <a:t>8/16/2017</a:t>
             </a:fld>
             <a:endParaRPr lang="en-US"/>
           </a:p>
@@ -1757,7 +1770,7 @@
           </a:lstStyle>
           <a:p>
             <a:r>
-              <a:rPr lang="en-US" smtClean="0"/>
+              <a:rPr lang="en-US"/>
               <a:t>Click to edit Master title style</a:t>
             </a:r>
             <a:endParaRPr lang="en-US" dirty="0"/>
@@ -1838,7 +1851,7 @@
           <a:p>
             <a:pPr lvl="0"/>
             <a:r>
-              <a:rPr lang="en-US" smtClean="0"/>
+              <a:rPr lang="en-US"/>
               <a:t>Edit Master text styles</a:t>
             </a:r>
           </a:p>
@@ -1902,35 +1915,35 @@
           <a:p>
             <a:pPr lvl="0"/>
             <a:r>
-              <a:rPr lang="en-US" smtClean="0"/>
+              <a:rPr lang="en-US"/>
               <a:t>Edit Master text styles</a:t>
             </a:r>
           </a:p>
           <a:p>
             <a:pPr lvl="1"/>
             <a:r>
-              <a:rPr lang="en-US" smtClean="0"/>
+              <a:rPr lang="en-US"/>
               <a:t>Second level</a:t>
             </a:r>
           </a:p>
           <a:p>
             <a:pPr lvl="2"/>
             <a:r>
-              <a:rPr lang="en-US" smtClean="0"/>
+              <a:rPr lang="en-US"/>
               <a:t>Third level</a:t>
             </a:r>
           </a:p>
           <a:p>
             <a:pPr lvl="3"/>
             <a:r>
-              <a:rPr lang="en-US" smtClean="0"/>
+              <a:rPr lang="en-US"/>
               <a:t>Fourth level</a:t>
             </a:r>
           </a:p>
           <a:p>
             <a:pPr lvl="4"/>
             <a:r>
-              <a:rPr lang="en-US" smtClean="0"/>
+              <a:rPr lang="en-US"/>
               <a:t>Fifth level</a:t>
             </a:r>
             <a:endParaRPr lang="en-US" dirty="0"/>
@@ -2011,7 +2024,7 @@
           <a:p>
             <a:pPr lvl="0"/>
             <a:r>
-              <a:rPr lang="en-US" smtClean="0"/>
+              <a:rPr lang="en-US"/>
               <a:t>Edit Master text styles</a:t>
             </a:r>
           </a:p>
@@ -2075,35 +2088,35 @@
           <a:p>
             <a:pPr lvl="0"/>
             <a:r>
-              <a:rPr lang="en-US" smtClean="0"/>
+              <a:rPr lang="en-US"/>
               <a:t>Edit Master text styles</a:t>
             </a:r>
           </a:p>
           <a:p>
             <a:pPr lvl="1"/>
             <a:r>
-              <a:rPr lang="en-US" smtClean="0"/>
+              <a:rPr lang="en-US"/>
               <a:t>Second level</a:t>
             </a:r>
           </a:p>
           <a:p>
             <a:pPr lvl="2"/>
             <a:r>
-              <a:rPr lang="en-US" smtClean="0"/>
+              <a:rPr lang="en-US"/>
               <a:t>Third level</a:t>
             </a:r>
           </a:p>
           <a:p>
             <a:pPr lvl="3"/>
             <a:r>
-              <a:rPr lang="en-US" smtClean="0"/>
+              <a:rPr lang="en-US"/>
               <a:t>Fourth level</a:t>
             </a:r>
           </a:p>
           <a:p>
             <a:pPr lvl="4"/>
             <a:r>
-              <a:rPr lang="en-US" smtClean="0"/>
+              <a:rPr lang="en-US"/>
               <a:t>Fifth level</a:t>
             </a:r>
             <a:endParaRPr lang="en-US" dirty="0"/>
@@ -2127,7 +2140,7 @@
           <a:p>
             <a:fld id="{59E96F55-476F-4FBF-A88F-42E87486F748}" type="datetimeFigureOut">
               <a:rPr lang="en-US" smtClean="0"/>
-              <a:t>8/14/2017</a:t>
+              <a:t>8/16/2017</a:t>
             </a:fld>
             <a:endParaRPr lang="en-US"/>
           </a:p>
@@ -2221,7 +2234,7 @@
           <a:lstStyle/>
           <a:p>
             <a:r>
-              <a:rPr lang="en-US" smtClean="0"/>
+              <a:rPr lang="en-US"/>
               <a:t>Click to edit Master title style</a:t>
             </a:r>
             <a:endParaRPr lang="en-US" dirty="0"/>
@@ -2245,7 +2258,7 @@
           <a:p>
             <a:fld id="{59E96F55-476F-4FBF-A88F-42E87486F748}" type="datetimeFigureOut">
               <a:rPr lang="en-US" smtClean="0"/>
-              <a:t>8/14/2017</a:t>
+              <a:t>8/16/2017</a:t>
             </a:fld>
             <a:endParaRPr lang="en-US"/>
           </a:p>
@@ -2340,7 +2353,7 @@
           <a:p>
             <a:fld id="{59E96F55-476F-4FBF-A88F-42E87486F748}" type="datetimeFigureOut">
               <a:rPr lang="en-US" smtClean="0"/>
-              <a:t>8/14/2017</a:t>
+              <a:t>8/16/2017</a:t>
             </a:fld>
             <a:endParaRPr lang="en-US"/>
           </a:p>
@@ -2490,7 +2503,7 @@
           </a:lstStyle>
           <a:p>
             <a:r>
-              <a:rPr lang="en-US" smtClean="0"/>
+              <a:rPr lang="en-US"/>
               <a:t>Click to edit Master title style</a:t>
             </a:r>
             <a:endParaRPr lang="en-US" dirty="0"/>
@@ -2547,35 +2560,35 @@
           <a:p>
             <a:pPr lvl="0"/>
             <a:r>
-              <a:rPr lang="en-US" smtClean="0"/>
+              <a:rPr lang="en-US"/>
               <a:t>Edit Master text styles</a:t>
             </a:r>
           </a:p>
           <a:p>
             <a:pPr lvl="1"/>
             <a:r>
-              <a:rPr lang="en-US" smtClean="0"/>
+              <a:rPr lang="en-US"/>
               <a:t>Second level</a:t>
             </a:r>
           </a:p>
           <a:p>
             <a:pPr lvl="2"/>
             <a:r>
-              <a:rPr lang="en-US" smtClean="0"/>
+              <a:rPr lang="en-US"/>
               <a:t>Third level</a:t>
             </a:r>
           </a:p>
           <a:p>
             <a:pPr lvl="3"/>
             <a:r>
-              <a:rPr lang="en-US" smtClean="0"/>
+              <a:rPr lang="en-US"/>
               <a:t>Fourth level</a:t>
             </a:r>
           </a:p>
           <a:p>
             <a:pPr lvl="4"/>
             <a:r>
-              <a:rPr lang="en-US" smtClean="0"/>
+              <a:rPr lang="en-US"/>
               <a:t>Fifth level</a:t>
             </a:r>
             <a:endParaRPr lang="en-US" dirty="0"/>
@@ -2650,7 +2663,7 @@
           <a:p>
             <a:pPr lvl="0"/>
             <a:r>
-              <a:rPr lang="en-US" smtClean="0"/>
+              <a:rPr lang="en-US"/>
               <a:t>Edit Master text styles</a:t>
             </a:r>
           </a:p>
@@ -2686,7 +2699,7 @@
           <a:p>
             <a:fld id="{59E96F55-476F-4FBF-A88F-42E87486F748}" type="datetimeFigureOut">
               <a:rPr lang="en-US" smtClean="0"/>
-              <a:t>8/14/2017</a:t>
+              <a:t>8/16/2017</a:t>
             </a:fld>
             <a:endParaRPr lang="en-US"/>
           </a:p>
@@ -2896,7 +2909,7 @@
           </a:lstStyle>
           <a:p>
             <a:r>
-              <a:rPr lang="en-US" smtClean="0"/>
+              <a:rPr lang="en-US"/>
               <a:t>Click to edit Master title style</a:t>
             </a:r>
             <a:endParaRPr lang="en-US" dirty="0"/>
@@ -2963,7 +2976,7 @@
           </a:lstStyle>
           <a:p>
             <a:r>
-              <a:rPr lang="en-US" smtClean="0"/>
+              <a:rPr lang="en-US"/>
               <a:t>Click icon to add picture</a:t>
             </a:r>
             <a:endParaRPr lang="en-US" dirty="0"/>
@@ -3038,7 +3051,7 @@
           <a:p>
             <a:pPr lvl="0"/>
             <a:r>
-              <a:rPr lang="en-US" smtClean="0"/>
+              <a:rPr lang="en-US"/>
               <a:t>Edit Master text styles</a:t>
             </a:r>
           </a:p>
@@ -3074,7 +3087,7 @@
           <a:p>
             <a:fld id="{59E96F55-476F-4FBF-A88F-42E87486F748}" type="datetimeFigureOut">
               <a:rPr lang="en-US" smtClean="0"/>
-              <a:t>8/14/2017</a:t>
+              <a:t>8/16/2017</a:t>
             </a:fld>
             <a:endParaRPr lang="en-US"/>
           </a:p>
@@ -3250,7 +3263,7 @@
           <a:lstStyle/>
           <a:p>
             <a:r>
-              <a:rPr lang="en-US" smtClean="0"/>
+              <a:rPr lang="en-US"/>
               <a:t>Click to edit Master title style</a:t>
             </a:r>
             <a:endParaRPr lang="en-US" dirty="0"/>
@@ -3284,35 +3297,35 @@
           <a:p>
             <a:pPr lvl="0"/>
             <a:r>
-              <a:rPr lang="en-US" smtClean="0"/>
+              <a:rPr lang="en-US"/>
               <a:t>Edit Master text styles</a:t>
             </a:r>
           </a:p>
           <a:p>
             <a:pPr lvl="1"/>
             <a:r>
-              <a:rPr lang="en-US" smtClean="0"/>
+              <a:rPr lang="en-US"/>
               <a:t>Second level</a:t>
             </a:r>
           </a:p>
           <a:p>
             <a:pPr lvl="2"/>
             <a:r>
-              <a:rPr lang="en-US" smtClean="0"/>
+              <a:rPr lang="en-US"/>
               <a:t>Third level</a:t>
             </a:r>
           </a:p>
           <a:p>
             <a:pPr lvl="3"/>
             <a:r>
-              <a:rPr lang="en-US" smtClean="0"/>
+              <a:rPr lang="en-US"/>
               <a:t>Fourth level</a:t>
             </a:r>
           </a:p>
           <a:p>
             <a:pPr lvl="4"/>
             <a:r>
-              <a:rPr lang="en-US" smtClean="0"/>
+              <a:rPr lang="en-US"/>
               <a:t>Fifth level</a:t>
             </a:r>
             <a:endParaRPr lang="en-US" dirty="0"/>
@@ -3352,7 +3365,7 @@
           <a:p>
             <a:fld id="{59E96F55-476F-4FBF-A88F-42E87486F748}" type="datetimeFigureOut">
               <a:rPr lang="en-US" smtClean="0"/>
-              <a:t>8/14/2017</a:t>
+              <a:t>8/16/2017</a:t>
             </a:fld>
             <a:endParaRPr lang="en-US"/>
           </a:p>
@@ -3880,11 +3893,11 @@
           <a:lstStyle/>
           <a:p>
             <a:r>
-              <a:rPr lang="en-US" dirty="0" smtClean="0"/>
+              <a:rPr lang="en-US" dirty="0"/>
               <a:t>Identifying fake news in </a:t>
             </a:r>
             <a:r>
-              <a:rPr lang="en-US" dirty="0" err="1" smtClean="0"/>
+              <a:rPr lang="en-US" dirty="0" err="1"/>
               <a:t>facebook</a:t>
             </a:r>
             <a:endParaRPr lang="en-US" dirty="0"/>
@@ -3909,45 +3922,36 @@
           <a:lstStyle/>
           <a:p>
             <a:r>
-              <a:rPr lang="en-US" dirty="0" smtClean="0"/>
+              <a:rPr lang="en-US" dirty="0"/>
               <a:t>Marc Nares</a:t>
             </a:r>
           </a:p>
           <a:p>
             <a:r>
-              <a:rPr lang="en-US" dirty="0" err="1" smtClean="0"/>
+              <a:rPr lang="en-US" dirty="0" err="1"/>
               <a:t>Aleo</a:t>
             </a:r>
             <a:r>
-              <a:rPr lang="en-US" dirty="0" smtClean="0"/>
-              <a:t> De </a:t>
-            </a:r>
-            <a:r>
               <a:rPr lang="en-US" dirty="0"/>
-              <a:t>L</a:t>
-            </a:r>
-            <a:r>
-              <a:rPr lang="en-US" dirty="0" smtClean="0"/>
-              <a:t>eon</a:t>
-            </a:r>
-          </a:p>
-          <a:p>
-            <a:r>
-              <a:rPr lang="en-US" dirty="0" smtClean="0"/>
+              <a:t> De Leon</a:t>
+            </a:r>
+          </a:p>
+          <a:p>
+            <a:r>
+              <a:rPr lang="en-US" dirty="0"/>
               <a:t>Wyatt </a:t>
             </a:r>
             <a:r>
-              <a:rPr lang="en-US" dirty="0" err="1" smtClean="0"/>
+              <a:rPr lang="en-US" dirty="0" err="1"/>
               <a:t>Holgado</a:t>
             </a:r>
-            <a:endParaRPr lang="en-US" dirty="0" smtClean="0"/>
-          </a:p>
-          <a:p>
-            <a:r>
-              <a:rPr lang="en-US" dirty="0" smtClean="0"/>
+            <a:endParaRPr lang="en-US" dirty="0"/>
+          </a:p>
+          <a:p>
+            <a:r>
+              <a:rPr lang="en-US" dirty="0"/>
               <a:t>Joshua Cruz</a:t>
             </a:r>
-            <a:endParaRPr lang="en-US" dirty="0"/>
           </a:p>
         </p:txBody>
       </p:sp>
@@ -3998,15 +4002,7 @@
           <a:p>
             <a:r>
               <a:rPr lang="en-US" b="1" dirty="0"/>
-              <a:t>How do we find the right </a:t>
-            </a:r>
-            <a:r>
-              <a:rPr lang="en-US" b="1" dirty="0" smtClean="0"/>
-              <a:t>hyperplane</a:t>
-            </a:r>
-            <a:r>
-              <a:rPr lang="en-US" b="1" dirty="0"/>
-              <a:t/>
+              <a:t>How do we find the right hyperplane</a:t>
             </a:r>
             <a:br>
               <a:rPr lang="en-US" b="1" dirty="0"/>
@@ -4034,18 +4030,12 @@
               <a:rPr lang="en-US" dirty="0"/>
               <a:t>The distance between the hyperplane and the nearest data point from either set is known as the margin. </a:t>
             </a:r>
-            <a:endParaRPr lang="en-US" dirty="0" smtClean="0"/>
-          </a:p>
-          <a:p>
-            <a:r>
-              <a:rPr lang="en-US" dirty="0" smtClean="0"/>
-              <a:t>The </a:t>
-            </a:r>
+          </a:p>
+          <a:p>
             <a:r>
               <a:rPr lang="en-US" dirty="0"/>
-              <a:t>goal is to choose a hyperplane with the greatest possible margin between the hyperplane and any point within the training set, giving a greater chance of new data being classified correctly.</a:t>
-            </a:r>
-            <a:endParaRPr lang="en-US" dirty="0"/>
+              <a:t>The goal is to choose a hyperplane with the greatest possible margin between the hyperplane and any point within the training set, giving a greater chance of new data being classified correctly.</a:t>
+            </a:r>
           </a:p>
         </p:txBody>
       </p:sp>
@@ -4130,10 +4120,9 @@
           <a:lstStyle/>
           <a:p>
             <a:r>
-              <a:rPr lang="en-US" dirty="0" smtClean="0"/>
+              <a:rPr lang="en-US" dirty="0"/>
               <a:t>Design of the project</a:t>
             </a:r>
-            <a:endParaRPr lang="en-US" dirty="0"/>
           </a:p>
         </p:txBody>
       </p:sp>
@@ -4161,31 +4150,19 @@
           <a:p>
             <a:r>
               <a:rPr lang="en-US" sz="4500" dirty="0"/>
-              <a:t>The researchers will create a web extension that can identify fake news and will only run if the link is clicked in </a:t>
-            </a:r>
-            <a:r>
-              <a:rPr lang="en-US" sz="4500" dirty="0" smtClean="0"/>
-              <a:t>Facebook</a:t>
+              <a:t>The researchers will create a web extension that can identify fake news and will only run if the link is clicked in Facebook</a:t>
             </a:r>
           </a:p>
           <a:p>
             <a:r>
               <a:rPr lang="en-US" sz="4500" dirty="0"/>
-              <a:t> The extension will be developed using HTML, CSS, PHP and JavaScript and it will be compatible to Google Chrome</a:t>
-            </a:r>
-            <a:r>
-              <a:rPr lang="en-US" sz="4500" dirty="0" smtClean="0"/>
-              <a:t>.</a:t>
+              <a:t> The extension will be developed using HTML, CSS, PHP and JavaScript and it will be compatible to Google Chrome.</a:t>
             </a:r>
           </a:p>
           <a:p>
             <a:r>
               <a:rPr lang="en-US" sz="4500" dirty="0"/>
-              <a:t>When the link is clicked, the system will compare the news link article from the list of fake news links and from the list of authentic news gathered by the team</a:t>
-            </a:r>
-            <a:r>
-              <a:rPr lang="en-US" sz="4500" dirty="0" smtClean="0"/>
-              <a:t>.</a:t>
+              <a:t>When the link is clicked, the system will compare the news link article from the list of fake news links and from the list of authentic news gathered by the team.</a:t>
             </a:r>
           </a:p>
           <a:p>
@@ -4317,10 +4294,9 @@
           <a:lstStyle/>
           <a:p>
             <a:r>
-              <a:rPr lang="en-US" dirty="0" smtClean="0"/>
+              <a:rPr lang="en-US" dirty="0"/>
               <a:t>Design of the project</a:t>
             </a:r>
-            <a:endParaRPr lang="en-US" dirty="0"/>
           </a:p>
         </p:txBody>
       </p:sp>
@@ -4399,10 +4375,9 @@
           <a:lstStyle/>
           <a:p>
             <a:r>
-              <a:rPr lang="en-US" dirty="0" smtClean="0"/>
+              <a:rPr lang="en-US" dirty="0"/>
               <a:t>Design of the project</a:t>
             </a:r>
-            <a:endParaRPr lang="en-US" dirty="0"/>
           </a:p>
         </p:txBody>
       </p:sp>
@@ -4424,22 +4399,14 @@
             <a:pPr algn="just"/>
             <a:r>
               <a:rPr lang="en-US" dirty="0"/>
-              <a:t>After comparing the link and confirming it the data will be saved to database for future </a:t>
-            </a:r>
-            <a:r>
-              <a:rPr lang="en-US" dirty="0" smtClean="0"/>
-              <a:t>preference.</a:t>
+              <a:t>After comparing the link and confirming it the data will be saved to database for future preference.</a:t>
             </a:r>
           </a:p>
           <a:p>
             <a:pPr algn="just"/>
             <a:r>
               <a:rPr lang="en-US" dirty="0"/>
-              <a:t>If the author is unknown the system will automatically flagged it as </a:t>
-            </a:r>
-            <a:r>
-              <a:rPr lang="en-US" dirty="0" smtClean="0"/>
-              <a:t>fake.</a:t>
+              <a:t>If the author is unknown the system will automatically flagged it as fake.</a:t>
             </a:r>
           </a:p>
           <a:p>
@@ -4495,13 +4462,18 @@
             <p:ph type="title"/>
           </p:nvPr>
         </p:nvSpPr>
-        <p:spPr/>
+        <p:spPr>
+          <a:xfrm>
+            <a:off x="1371600" y="685800"/>
+            <a:ext cx="9601200" cy="1485900"/>
+          </a:xfrm>
+        </p:spPr>
         <p:txBody>
           <a:bodyPr/>
           <a:lstStyle/>
           <a:p>
             <a:r>
-              <a:rPr lang="en-US" dirty="0" smtClean="0"/>
+              <a:rPr lang="en-US"/>
               <a:t>Use Case Diagram</a:t>
             </a:r>
             <a:endParaRPr lang="en-US" dirty="0"/>
@@ -4510,7 +4482,7 @@
       </p:sp>
       <p:pic>
         <p:nvPicPr>
-          <p:cNvPr id="4" name="Content Placeholder 3"/>
+          <p:cNvPr id="8" name="Content Placeholder 7"/>
           <p:cNvPicPr>
             <a:picLocks noGrp="1" noChangeAspect="1"/>
           </p:cNvPicPr>
@@ -4532,8 +4504,8 @@
         </p:blipFill>
         <p:spPr>
           <a:xfrm>
-            <a:off x="3409406" y="2283916"/>
-            <a:ext cx="5034403" cy="4262752"/>
+            <a:off x="3173157" y="1428750"/>
+            <a:ext cx="5998086" cy="5353313"/>
           </a:xfrm>
         </p:spPr>
       </p:pic>
@@ -4583,16 +4555,15 @@
           <a:lstStyle/>
           <a:p>
             <a:r>
-              <a:rPr lang="en-US" dirty="0" smtClean="0"/>
+              <a:rPr lang="en-US" dirty="0"/>
               <a:t>Use Case Full Description</a:t>
             </a:r>
-            <a:endParaRPr lang="en-US" dirty="0"/>
           </a:p>
         </p:txBody>
       </p:sp>
       <p:graphicFrame>
         <p:nvGraphicFramePr>
-          <p:cNvPr id="9" name="Content Placeholder 8"/>
+          <p:cNvPr id="4" name="Content Placeholder 3"/>
           <p:cNvGraphicFramePr>
             <a:graphicFrameLocks noGrp="1"/>
           </p:cNvGraphicFramePr>
@@ -4600,14 +4571,14 @@
             <p:ph idx="1"/>
             <p:extLst>
               <p:ext uri="{D42A27DB-BD31-4B8C-83A1-F6EECF244321}">
-                <p14:modId xmlns:p14="http://schemas.microsoft.com/office/powerpoint/2010/main" val="378506199"/>
+                <p14:modId xmlns:p14="http://schemas.microsoft.com/office/powerpoint/2010/main" val="3660133533"/>
               </p:ext>
             </p:extLst>
           </p:nvPr>
         </p:nvGraphicFramePr>
         <p:xfrm>
-          <a:off x="1371600" y="2171700"/>
-          <a:ext cx="9601200" cy="3523708"/>
+          <a:off x="1371600" y="2266121"/>
+          <a:ext cx="9601200" cy="3763617"/>
         </p:xfrm>
         <a:graphic>
           <a:graphicData uri="http://schemas.openxmlformats.org/drawingml/2006/table">
@@ -4616,51 +4587,45 @@
                 <a:tableStyleId>{5C22544A-7EE6-4342-B048-85BDC9FD1C3A}</a:tableStyleId>
               </a:tblPr>
               <a:tblGrid>
-                <a:gridCol w="2026110">
+                <a:gridCol w="1741566">
                   <a:extLst>
                     <a:ext uri="{9D8B030D-6E8A-4147-A177-3AD203B41FA5}">
-                      <a16:colId xmlns:a16="http://schemas.microsoft.com/office/drawing/2014/main" val="3006297158"/>
+                      <a16:colId xmlns:a16="http://schemas.microsoft.com/office/drawing/2014/main" val="1093664539"/>
                     </a:ext>
                   </a:extLst>
                 </a:gridCol>
-                <a:gridCol w="7575090">
+                <a:gridCol w="7859634">
                   <a:extLst>
                     <a:ext uri="{9D8B030D-6E8A-4147-A177-3AD203B41FA5}">
-                      <a16:colId xmlns:a16="http://schemas.microsoft.com/office/drawing/2014/main" val="1944657293"/>
+                      <a16:colId xmlns:a16="http://schemas.microsoft.com/office/drawing/2014/main" val="3442545688"/>
                     </a:ext>
                   </a:extLst>
                 </a:gridCol>
               </a:tblGrid>
-              <a:tr h="976039">
+              <a:tr h="531960">
                 <a:tc>
                   <a:txBody>
                     <a:bodyPr/>
                     <a:lstStyle/>
                     <a:p>
-                      <a:pPr marL="0" marR="0" algn="l">
+                      <a:pPr algn="l">
                         <a:lnSpc>
                           <a:spcPct val="107000"/>
                         </a:lnSpc>
-                        <a:spcBef>
-                          <a:spcPts val="0"/>
-                        </a:spcBef>
                         <a:spcAft>
                           <a:spcPts val="0"/>
                         </a:spcAft>
-                        <a:tabLst>
-                          <a:tab pos="1212215" algn="l"/>
-                        </a:tabLst>
                       </a:pPr>
                       <a:r>
-                        <a:rPr lang="en-US" sz="1200" dirty="0">
+                        <a:rPr lang="en-PH" sz="1100">
                           <a:effectLst/>
                         </a:rPr>
-                        <a:t>Use Case:	</a:t>
+                        <a:t>Use Case</a:t>
                       </a:r>
-                      <a:endParaRPr lang="en-US" sz="1100" dirty="0">
+                      <a:endParaRPr lang="en-PH" sz="1100">
                         <a:effectLst/>
-                        <a:latin typeface="Constantia" panose="02030602050306030303" pitchFamily="18" charset="0"/>
-                        <a:ea typeface="Constantia" panose="02030602050306030303" pitchFamily="18" charset="0"/>
+                        <a:latin typeface="Calibri" panose="020F0502020204030204" pitchFamily="34" charset="0"/>
+                        <a:ea typeface="Calibri" panose="020F0502020204030204" pitchFamily="34" charset="0"/>
                         <a:cs typeface="Times New Roman" panose="02020603050405020304" pitchFamily="18" charset="0"/>
                       </a:endParaRPr>
                     </a:p>
@@ -4672,27 +4637,24 @@
                     <a:bodyPr/>
                     <a:lstStyle/>
                     <a:p>
-                      <a:pPr marL="0" marR="0" algn="l">
+                      <a:pPr algn="l">
                         <a:lnSpc>
                           <a:spcPct val="107000"/>
                         </a:lnSpc>
-                        <a:spcBef>
-                          <a:spcPts val="0"/>
-                        </a:spcBef>
                         <a:spcAft>
                           <a:spcPts val="0"/>
                         </a:spcAft>
                       </a:pPr>
                       <a:r>
-                        <a:rPr lang="en-US" sz="1100" dirty="0">
+                        <a:rPr lang="en-PH" sz="1100">
                           <a:effectLst/>
                         </a:rPr>
                         <a:t>Clicks the link</a:t>
                       </a:r>
-                      <a:endParaRPr lang="en-US" sz="1100" dirty="0">
+                      <a:endParaRPr lang="en-PH" sz="1100">
                         <a:effectLst/>
-                        <a:latin typeface="Constantia" panose="02030602050306030303" pitchFamily="18" charset="0"/>
-                        <a:ea typeface="Constantia" panose="02030602050306030303" pitchFamily="18" charset="0"/>
+                        <a:latin typeface="Calibri" panose="020F0502020204030204" pitchFamily="34" charset="0"/>
+                        <a:ea typeface="Calibri" panose="020F0502020204030204" pitchFamily="34" charset="0"/>
                         <a:cs typeface="Times New Roman" panose="02020603050405020304" pitchFamily="18" charset="0"/>
                       </a:endParaRPr>
                     </a:p>
@@ -4701,37 +4663,37 @@
                 </a:tc>
                 <a:extLst>
                   <a:ext uri="{0D108BD9-81ED-4DB2-BD59-A6C34878D82A}">
-                    <a16:rowId xmlns:a16="http://schemas.microsoft.com/office/drawing/2014/main" val="1022872324"/>
+                    <a16:rowId xmlns:a16="http://schemas.microsoft.com/office/drawing/2014/main" val="1426252162"/>
                   </a:ext>
                 </a:extLst>
               </a:tr>
-              <a:tr h="314326">
+              <a:tr h="539632">
                 <a:tc>
                   <a:txBody>
                     <a:bodyPr/>
                     <a:lstStyle/>
                     <a:p>
-                      <a:pPr marL="0" marR="0" algn="l">
+                      <a:pPr algn="l">
                         <a:lnSpc>
                           <a:spcPct val="107000"/>
                         </a:lnSpc>
-                        <a:spcBef>
-                          <a:spcPts val="0"/>
-                        </a:spcBef>
                         <a:spcAft>
                           <a:spcPts val="0"/>
                         </a:spcAft>
+                        <a:tabLst>
+                          <a:tab pos="691515" algn="l"/>
+                        </a:tabLst>
                       </a:pPr>
                       <a:r>
-                        <a:rPr lang="en-US" sz="1200">
+                        <a:rPr lang="en-PH" sz="1100">
                           <a:effectLst/>
                         </a:rPr>
                         <a:t>Actor:</a:t>
                       </a:r>
-                      <a:endParaRPr lang="en-US" sz="1100">
+                      <a:endParaRPr lang="en-PH" sz="1100">
                         <a:effectLst/>
-                        <a:latin typeface="Constantia" panose="02030602050306030303" pitchFamily="18" charset="0"/>
-                        <a:ea typeface="Constantia" panose="02030602050306030303" pitchFamily="18" charset="0"/>
+                        <a:latin typeface="Calibri" panose="020F0502020204030204" pitchFamily="34" charset="0"/>
+                        <a:ea typeface="Calibri" panose="020F0502020204030204" pitchFamily="34" charset="0"/>
                         <a:cs typeface="Times New Roman" panose="02020603050405020304" pitchFamily="18" charset="0"/>
                       </a:endParaRPr>
                     </a:p>
@@ -4743,27 +4705,24 @@
                     <a:bodyPr/>
                     <a:lstStyle/>
                     <a:p>
-                      <a:pPr marL="0" marR="0" algn="l">
+                      <a:pPr algn="l">
                         <a:lnSpc>
                           <a:spcPct val="107000"/>
                         </a:lnSpc>
-                        <a:spcBef>
-                          <a:spcPts val="0"/>
-                        </a:spcBef>
                         <a:spcAft>
                           <a:spcPts val="0"/>
                         </a:spcAft>
                       </a:pPr>
                       <a:r>
-                        <a:rPr lang="en-US" sz="1200">
+                        <a:rPr lang="en-PH" sz="1100">
                           <a:effectLst/>
                         </a:rPr>
                         <a:t>User</a:t>
                       </a:r>
-                      <a:endParaRPr lang="en-US" sz="1100">
+                      <a:endParaRPr lang="en-PH" sz="1100">
                         <a:effectLst/>
-                        <a:latin typeface="Constantia" panose="02030602050306030303" pitchFamily="18" charset="0"/>
-                        <a:ea typeface="Constantia" panose="02030602050306030303" pitchFamily="18" charset="0"/>
+                        <a:latin typeface="Calibri" panose="020F0502020204030204" pitchFamily="34" charset="0"/>
+                        <a:ea typeface="Calibri" panose="020F0502020204030204" pitchFamily="34" charset="0"/>
                         <a:cs typeface="Times New Roman" panose="02020603050405020304" pitchFamily="18" charset="0"/>
                       </a:endParaRPr>
                     </a:p>
@@ -4772,37 +4731,34 @@
                 </a:tc>
                 <a:extLst>
                   <a:ext uri="{0D108BD9-81ED-4DB2-BD59-A6C34878D82A}">
-                    <a16:rowId xmlns:a16="http://schemas.microsoft.com/office/drawing/2014/main" val="3069534232"/>
+                    <a16:rowId xmlns:a16="http://schemas.microsoft.com/office/drawing/2014/main" val="1138387757"/>
                   </a:ext>
                 </a:extLst>
               </a:tr>
-              <a:tr h="314326">
+              <a:tr h="510222">
                 <a:tc>
                   <a:txBody>
                     <a:bodyPr/>
                     <a:lstStyle/>
                     <a:p>
-                      <a:pPr marL="0" marR="0" algn="l">
+                      <a:pPr algn="l">
                         <a:lnSpc>
                           <a:spcPct val="107000"/>
                         </a:lnSpc>
-                        <a:spcBef>
-                          <a:spcPts val="0"/>
-                        </a:spcBef>
                         <a:spcAft>
                           <a:spcPts val="0"/>
                         </a:spcAft>
                       </a:pPr>
                       <a:r>
-                        <a:rPr lang="en-US" sz="1200">
+                        <a:rPr lang="en-PH" sz="1100">
                           <a:effectLst/>
                         </a:rPr>
-                        <a:t>Description:</a:t>
+                        <a:t>Description</a:t>
                       </a:r>
-                      <a:endParaRPr lang="en-US" sz="1100">
+                      <a:endParaRPr lang="en-PH" sz="1100">
                         <a:effectLst/>
-                        <a:latin typeface="Constantia" panose="02030602050306030303" pitchFamily="18" charset="0"/>
-                        <a:ea typeface="Constantia" panose="02030602050306030303" pitchFamily="18" charset="0"/>
+                        <a:latin typeface="Calibri" panose="020F0502020204030204" pitchFamily="34" charset="0"/>
+                        <a:ea typeface="Calibri" panose="020F0502020204030204" pitchFamily="34" charset="0"/>
                         <a:cs typeface="Times New Roman" panose="02020603050405020304" pitchFamily="18" charset="0"/>
                       </a:endParaRPr>
                     </a:p>
@@ -4814,27 +4770,24 @@
                     <a:bodyPr/>
                     <a:lstStyle/>
                     <a:p>
-                      <a:pPr marL="0" marR="0" algn="l">
+                      <a:pPr algn="l">
                         <a:lnSpc>
                           <a:spcPct val="107000"/>
                         </a:lnSpc>
-                        <a:spcBef>
-                          <a:spcPts val="0"/>
-                        </a:spcBef>
                         <a:spcAft>
                           <a:spcPts val="0"/>
                         </a:spcAft>
                       </a:pPr>
                       <a:r>
-                        <a:rPr lang="en-US" sz="1200">
+                        <a:rPr lang="en-PH" sz="1200">
                           <a:effectLst/>
                         </a:rPr>
                         <a:t>The user clicks the link in his/her Facebook newsfeed.</a:t>
                       </a:r>
-                      <a:endParaRPr lang="en-US" sz="1100">
+                      <a:endParaRPr lang="en-PH" sz="1100">
                         <a:effectLst/>
-                        <a:latin typeface="Constantia" panose="02030602050306030303" pitchFamily="18" charset="0"/>
-                        <a:ea typeface="Constantia" panose="02030602050306030303" pitchFamily="18" charset="0"/>
+                        <a:latin typeface="Calibri" panose="020F0502020204030204" pitchFamily="34" charset="0"/>
+                        <a:ea typeface="Calibri" panose="020F0502020204030204" pitchFamily="34" charset="0"/>
                         <a:cs typeface="Times New Roman" panose="02020603050405020304" pitchFamily="18" charset="0"/>
                       </a:endParaRPr>
                     </a:p>
@@ -4843,37 +4796,34 @@
                 </a:tc>
                 <a:extLst>
                   <a:ext uri="{0D108BD9-81ED-4DB2-BD59-A6C34878D82A}">
-                    <a16:rowId xmlns:a16="http://schemas.microsoft.com/office/drawing/2014/main" val="2095052287"/>
+                    <a16:rowId xmlns:a16="http://schemas.microsoft.com/office/drawing/2014/main" val="2427559332"/>
                   </a:ext>
                 </a:extLst>
               </a:tr>
-              <a:tr h="976039">
+              <a:tr h="1162639">
                 <a:tc>
                   <a:txBody>
                     <a:bodyPr/>
                     <a:lstStyle/>
                     <a:p>
-                      <a:pPr marL="0" marR="0" algn="l">
+                      <a:pPr algn="l">
                         <a:lnSpc>
                           <a:spcPct val="107000"/>
                         </a:lnSpc>
-                        <a:spcBef>
-                          <a:spcPts val="0"/>
-                        </a:spcBef>
                         <a:spcAft>
                           <a:spcPts val="0"/>
                         </a:spcAft>
                       </a:pPr>
                       <a:r>
-                        <a:rPr lang="en-US" sz="1200">
+                        <a:rPr lang="en-PH" sz="1100">
                           <a:effectLst/>
                         </a:rPr>
-                        <a:t>Flow of Events:</a:t>
+                        <a:t>Flow of Events</a:t>
                       </a:r>
-                      <a:endParaRPr lang="en-US" sz="1100">
+                      <a:endParaRPr lang="en-PH" sz="1100">
                         <a:effectLst/>
-                        <a:latin typeface="Constantia" panose="02030602050306030303" pitchFamily="18" charset="0"/>
-                        <a:ea typeface="Constantia" panose="02030602050306030303" pitchFamily="18" charset="0"/>
+                        <a:latin typeface="Calibri" panose="020F0502020204030204" pitchFamily="34" charset="0"/>
+                        <a:ea typeface="Calibri" panose="020F0502020204030204" pitchFamily="34" charset="0"/>
                         <a:cs typeface="Times New Roman" panose="02020603050405020304" pitchFamily="18" charset="0"/>
                       </a:endParaRPr>
                     </a:p>
@@ -4885,13 +4835,10 @@
                     <a:bodyPr/>
                     <a:lstStyle/>
                     <a:p>
-                      <a:pPr marL="342900" marR="0" lvl="0" indent="-342900" algn="l">
+                      <a:pPr marL="342900" lvl="0" indent="-342900" algn="l">
                         <a:lnSpc>
                           <a:spcPct val="107000"/>
                         </a:lnSpc>
-                        <a:spcBef>
-                          <a:spcPts val="0"/>
-                        </a:spcBef>
                         <a:spcAft>
                           <a:spcPts val="0"/>
                         </a:spcAft>
@@ -4904,18 +4851,15 @@
                         </a:rPr>
                         <a:t>User clicks the link.</a:t>
                       </a:r>
-                      <a:endParaRPr lang="en-US" sz="1100">
+                      <a:endParaRPr lang="en-PH" sz="1100">
                         <a:effectLst/>
                       </a:endParaRPr>
                     </a:p>
                     <a:p>
-                      <a:pPr marL="342900" marR="0" lvl="0" indent="-342900" algn="l">
+                      <a:pPr marL="342900" lvl="0" indent="-342900" algn="l">
                         <a:lnSpc>
                           <a:spcPct val="107000"/>
                         </a:lnSpc>
-                        <a:spcBef>
-                          <a:spcPts val="0"/>
-                        </a:spcBef>
                         <a:spcAft>
                           <a:spcPts val="0"/>
                         </a:spcAft>
@@ -4928,18 +4872,15 @@
                         </a:rPr>
                         <a:t>The system runs.</a:t>
                       </a:r>
-                      <a:endParaRPr lang="en-US" sz="1100">
+                      <a:endParaRPr lang="en-PH" sz="1100">
                         <a:effectLst/>
                       </a:endParaRPr>
                     </a:p>
                     <a:p>
-                      <a:pPr marL="342900" marR="0" lvl="0" indent="-342900" algn="l">
+                      <a:pPr marL="342900" lvl="0" indent="-342900" algn="l">
                         <a:lnSpc>
                           <a:spcPct val="107000"/>
                         </a:lnSpc>
-                        <a:spcBef>
-                          <a:spcPts val="0"/>
-                        </a:spcBef>
                         <a:spcAft>
                           <a:spcPts val="0"/>
                         </a:spcAft>
@@ -4952,10 +4893,10 @@
                         </a:rPr>
                         <a:t>Use case ends.</a:t>
                       </a:r>
-                      <a:endParaRPr lang="en-US" sz="1100">
+                      <a:endParaRPr lang="en-PH" sz="1100">
                         <a:effectLst/>
-                        <a:latin typeface="Constantia" panose="02030602050306030303" pitchFamily="18" charset="0"/>
-                        <a:ea typeface="Constantia" panose="02030602050306030303" pitchFamily="18" charset="0"/>
+                        <a:latin typeface="Calibri" panose="020F0502020204030204" pitchFamily="34" charset="0"/>
+                        <a:ea typeface="Calibri" panose="020F0502020204030204" pitchFamily="34" charset="0"/>
                         <a:cs typeface="Times New Roman" panose="02020603050405020304" pitchFamily="18" charset="0"/>
                       </a:endParaRPr>
                     </a:p>
@@ -4964,37 +4905,34 @@
                 </a:tc>
                 <a:extLst>
                   <a:ext uri="{0D108BD9-81ED-4DB2-BD59-A6C34878D82A}">
-                    <a16:rowId xmlns:a16="http://schemas.microsoft.com/office/drawing/2014/main" val="3745143615"/>
+                    <a16:rowId xmlns:a16="http://schemas.microsoft.com/office/drawing/2014/main" val="1575276980"/>
                   </a:ext>
                 </a:extLst>
               </a:tr>
-              <a:tr h="314326">
+              <a:tr h="497434">
                 <a:tc>
                   <a:txBody>
                     <a:bodyPr/>
                     <a:lstStyle/>
                     <a:p>
-                      <a:pPr marL="0" marR="0" algn="l">
+                      <a:pPr algn="l">
                         <a:lnSpc>
                           <a:spcPct val="107000"/>
                         </a:lnSpc>
-                        <a:spcBef>
-                          <a:spcPts val="0"/>
-                        </a:spcBef>
                         <a:spcAft>
                           <a:spcPts val="0"/>
                         </a:spcAft>
                       </a:pPr>
                       <a:r>
-                        <a:rPr lang="en-US" sz="1200">
+                        <a:rPr lang="en-PH" sz="1100">
                           <a:effectLst/>
                         </a:rPr>
-                        <a:t>Pre-Condition:</a:t>
+                        <a:t>Pre-condition</a:t>
                       </a:r>
-                      <a:endParaRPr lang="en-US" sz="1100">
+                      <a:endParaRPr lang="en-PH" sz="1100">
                         <a:effectLst/>
-                        <a:latin typeface="Constantia" panose="02030602050306030303" pitchFamily="18" charset="0"/>
-                        <a:ea typeface="Constantia" panose="02030602050306030303" pitchFamily="18" charset="0"/>
+                        <a:latin typeface="Calibri" panose="020F0502020204030204" pitchFamily="34" charset="0"/>
+                        <a:ea typeface="Calibri" panose="020F0502020204030204" pitchFamily="34" charset="0"/>
                         <a:cs typeface="Times New Roman" panose="02020603050405020304" pitchFamily="18" charset="0"/>
                       </a:endParaRPr>
                     </a:p>
@@ -5006,27 +4944,24 @@
                     <a:bodyPr/>
                     <a:lstStyle/>
                     <a:p>
-                      <a:pPr marL="0" marR="0" algn="l">
+                      <a:pPr algn="l">
                         <a:lnSpc>
                           <a:spcPct val="107000"/>
                         </a:lnSpc>
-                        <a:spcBef>
-                          <a:spcPts val="0"/>
-                        </a:spcBef>
                         <a:spcAft>
                           <a:spcPts val="0"/>
                         </a:spcAft>
                       </a:pPr>
                       <a:r>
-                        <a:rPr lang="en-US" sz="1200">
+                        <a:rPr lang="en-PH" sz="1200">
                           <a:effectLst/>
                         </a:rPr>
                         <a:t>The user should click the link.</a:t>
                       </a:r>
-                      <a:endParaRPr lang="en-US" sz="1100">
+                      <a:endParaRPr lang="en-PH" sz="1100">
                         <a:effectLst/>
-                        <a:latin typeface="Constantia" panose="02030602050306030303" pitchFamily="18" charset="0"/>
-                        <a:ea typeface="Constantia" panose="02030602050306030303" pitchFamily="18" charset="0"/>
+                        <a:latin typeface="Calibri" panose="020F0502020204030204" pitchFamily="34" charset="0"/>
+                        <a:ea typeface="Calibri" panose="020F0502020204030204" pitchFamily="34" charset="0"/>
                         <a:cs typeface="Times New Roman" panose="02020603050405020304" pitchFamily="18" charset="0"/>
                       </a:endParaRPr>
                     </a:p>
@@ -5035,37 +4970,34 @@
                 </a:tc>
                 <a:extLst>
                   <a:ext uri="{0D108BD9-81ED-4DB2-BD59-A6C34878D82A}">
-                    <a16:rowId xmlns:a16="http://schemas.microsoft.com/office/drawing/2014/main" val="1273469804"/>
+                    <a16:rowId xmlns:a16="http://schemas.microsoft.com/office/drawing/2014/main" val="579228413"/>
                   </a:ext>
                 </a:extLst>
               </a:tr>
-              <a:tr h="314326">
+              <a:tr h="521730">
                 <a:tc>
                   <a:txBody>
                     <a:bodyPr/>
                     <a:lstStyle/>
                     <a:p>
-                      <a:pPr marL="0" marR="0" algn="l">
+                      <a:pPr algn="l">
                         <a:lnSpc>
                           <a:spcPct val="107000"/>
                         </a:lnSpc>
-                        <a:spcBef>
-                          <a:spcPts val="0"/>
-                        </a:spcBef>
                         <a:spcAft>
                           <a:spcPts val="0"/>
                         </a:spcAft>
                       </a:pPr>
                       <a:r>
-                        <a:rPr lang="en-US" sz="1200">
+                        <a:rPr lang="en-PH" sz="1100">
                           <a:effectLst/>
                         </a:rPr>
-                        <a:t>Post-Condition:</a:t>
+                        <a:t>Post-condition</a:t>
                       </a:r>
-                      <a:endParaRPr lang="en-US" sz="1100">
+                      <a:endParaRPr lang="en-PH" sz="1100">
                         <a:effectLst/>
-                        <a:latin typeface="Constantia" panose="02030602050306030303" pitchFamily="18" charset="0"/>
-                        <a:ea typeface="Constantia" panose="02030602050306030303" pitchFamily="18" charset="0"/>
+                        <a:latin typeface="Calibri" panose="020F0502020204030204" pitchFamily="34" charset="0"/>
+                        <a:ea typeface="Calibri" panose="020F0502020204030204" pitchFamily="34" charset="0"/>
                         <a:cs typeface="Times New Roman" panose="02020603050405020304" pitchFamily="18" charset="0"/>
                       </a:endParaRPr>
                     </a:p>
@@ -5077,27 +5009,24 @@
                     <a:bodyPr/>
                     <a:lstStyle/>
                     <a:p>
-                      <a:pPr marL="0" marR="0" algn="l">
+                      <a:pPr algn="l">
                         <a:lnSpc>
                           <a:spcPct val="107000"/>
                         </a:lnSpc>
-                        <a:spcBef>
-                          <a:spcPts val="0"/>
-                        </a:spcBef>
                         <a:spcAft>
                           <a:spcPts val="0"/>
                         </a:spcAft>
                       </a:pPr>
                       <a:r>
-                        <a:rPr lang="en-US" sz="1200">
+                        <a:rPr lang="en-PH" sz="1200" dirty="0">
                           <a:effectLst/>
                         </a:rPr>
-                        <a:t>The system will run </a:t>
+                        <a:t>The system will run</a:t>
                       </a:r>
-                      <a:endParaRPr lang="en-US" sz="1100">
+                      <a:endParaRPr lang="en-PH" sz="1100" dirty="0">
                         <a:effectLst/>
-                        <a:latin typeface="Constantia" panose="02030602050306030303" pitchFamily="18" charset="0"/>
-                        <a:ea typeface="Constantia" panose="02030602050306030303" pitchFamily="18" charset="0"/>
+                        <a:latin typeface="Calibri" panose="020F0502020204030204" pitchFamily="34" charset="0"/>
+                        <a:ea typeface="Calibri" panose="020F0502020204030204" pitchFamily="34" charset="0"/>
                         <a:cs typeface="Times New Roman" panose="02020603050405020304" pitchFamily="18" charset="0"/>
                       </a:endParaRPr>
                     </a:p>
@@ -5106,78 +5035,7 @@
                 </a:tc>
                 <a:extLst>
                   <a:ext uri="{0D108BD9-81ED-4DB2-BD59-A6C34878D82A}">
-                    <a16:rowId xmlns:a16="http://schemas.microsoft.com/office/drawing/2014/main" val="2405472400"/>
-                  </a:ext>
-                </a:extLst>
-              </a:tr>
-              <a:tr h="314326">
-                <a:tc>
-                  <a:txBody>
-                    <a:bodyPr/>
-                    <a:lstStyle/>
-                    <a:p>
-                      <a:pPr marL="0" marR="0" algn="l">
-                        <a:lnSpc>
-                          <a:spcPct val="107000"/>
-                        </a:lnSpc>
-                        <a:spcBef>
-                          <a:spcPts val="0"/>
-                        </a:spcBef>
-                        <a:spcAft>
-                          <a:spcPts val="0"/>
-                        </a:spcAft>
-                      </a:pPr>
-                      <a:r>
-                        <a:rPr lang="en-US" sz="1200">
-                          <a:effectLst/>
-                        </a:rPr>
-                        <a:t> </a:t>
-                      </a:r>
-                      <a:endParaRPr lang="en-US" sz="1100">
-                        <a:effectLst/>
-                        <a:latin typeface="Constantia" panose="02030602050306030303" pitchFamily="18" charset="0"/>
-                        <a:ea typeface="Constantia" panose="02030602050306030303" pitchFamily="18" charset="0"/>
-                        <a:cs typeface="Times New Roman" panose="02020603050405020304" pitchFamily="18" charset="0"/>
-                      </a:endParaRPr>
-                    </a:p>
-                  </a:txBody>
-                  <a:tcPr marL="68580" marR="68580" marT="0" marB="0"/>
-                </a:tc>
-                <a:tc>
-                  <a:txBody>
-                    <a:bodyPr/>
-                    <a:lstStyle/>
-                    <a:p>
-                      <a:pPr marL="0" marR="0" algn="l">
-                        <a:lnSpc>
-                          <a:spcPct val="107000"/>
-                        </a:lnSpc>
-                        <a:spcBef>
-                          <a:spcPts val="0"/>
-                        </a:spcBef>
-                        <a:spcAft>
-                          <a:spcPts val="0"/>
-                        </a:spcAft>
-                      </a:pPr>
-                      <a:r>
-                        <a:rPr lang="en-US" sz="1200" dirty="0">
-                          <a:effectLst/>
-                        </a:rPr>
-                        <a:t> </a:t>
-                      </a:r>
-                      <a:endParaRPr lang="en-US" sz="1100" dirty="0">
-                        <a:effectLst/>
-                        <a:latin typeface="Constantia" panose="02030602050306030303" pitchFamily="18" charset="0"/>
-                        <a:ea typeface="Constantia" panose="02030602050306030303" pitchFamily="18" charset="0"/>
-                        <a:cs typeface="Times New Roman" panose="02020603050405020304" pitchFamily="18" charset="0"/>
-                      </a:endParaRPr>
-                    </a:p>
-                  </a:txBody>
-                  <a:tcPr marL="68580" marR="68580" marT="0" marB="0"/>
-                </a:tc>
-                <a:extLst>
-                  <a:ext uri="{0D108BD9-81ED-4DB2-BD59-A6C34878D82A}">
-                    <a16:rowId xmlns:a16="http://schemas.microsoft.com/office/drawing/2014/main" val="616403475"/>
+                    <a16:rowId xmlns:a16="http://schemas.microsoft.com/office/drawing/2014/main" val="1867113230"/>
                   </a:ext>
                 </a:extLst>
               </a:tr>
@@ -5230,13 +5088,17 @@
           <a:bodyPr/>
           <a:lstStyle/>
           <a:p>
-            <a:endParaRPr lang="en-US"/>
+            <a:r>
+              <a:rPr lang="en-US" dirty="0"/>
+              <a:t>Use Case Full Description</a:t>
+            </a:r>
+            <a:endParaRPr lang="en-US" dirty="0"/>
           </a:p>
         </p:txBody>
       </p:sp>
       <p:graphicFrame>
         <p:nvGraphicFramePr>
-          <p:cNvPr id="4" name="Content Placeholder 3"/>
+          <p:cNvPr id="5" name="Content Placeholder 4"/>
           <p:cNvGraphicFramePr>
             <a:graphicFrameLocks noGrp="1"/>
           </p:cNvGraphicFramePr>
@@ -5244,14 +5106,14 @@
             <p:ph idx="1"/>
             <p:extLst>
               <p:ext uri="{D42A27DB-BD31-4B8C-83A1-F6EECF244321}">
-                <p14:modId xmlns:p14="http://schemas.microsoft.com/office/powerpoint/2010/main" val="1569398010"/>
+                <p14:modId xmlns:p14="http://schemas.microsoft.com/office/powerpoint/2010/main" val="2457806640"/>
               </p:ext>
             </p:extLst>
           </p:nvPr>
         </p:nvGraphicFramePr>
         <p:xfrm>
-          <a:off x="1371600" y="1841863"/>
-          <a:ext cx="9810206" cy="4180117"/>
+          <a:off x="1371600" y="2171699"/>
+          <a:ext cx="9601200" cy="4295363"/>
         </p:xfrm>
         <a:graphic>
           <a:graphicData uri="http://schemas.openxmlformats.org/drawingml/2006/table">
@@ -5260,34 +5122,31 @@
                 <a:tableStyleId>{5C22544A-7EE6-4342-B048-85BDC9FD1C3A}</a:tableStyleId>
               </a:tblPr>
               <a:tblGrid>
-                <a:gridCol w="2070214">
+                <a:gridCol w="1741566">
                   <a:extLst>
                     <a:ext uri="{9D8B030D-6E8A-4147-A177-3AD203B41FA5}">
-                      <a16:colId xmlns:a16="http://schemas.microsoft.com/office/drawing/2014/main" val="3579566152"/>
+                      <a16:colId xmlns:a16="http://schemas.microsoft.com/office/drawing/2014/main" val="152681131"/>
                     </a:ext>
                   </a:extLst>
                 </a:gridCol>
-                <a:gridCol w="7739992">
+                <a:gridCol w="7859634">
                   <a:extLst>
                     <a:ext uri="{9D8B030D-6E8A-4147-A177-3AD203B41FA5}">
-                      <a16:colId xmlns:a16="http://schemas.microsoft.com/office/drawing/2014/main" val="2812005342"/>
+                      <a16:colId xmlns:a16="http://schemas.microsoft.com/office/drawing/2014/main" val="2903498266"/>
                     </a:ext>
                   </a:extLst>
                 </a:gridCol>
               </a:tblGrid>
-              <a:tr h="974803">
+              <a:tr h="898276">
                 <a:tc>
                   <a:txBody>
                     <a:bodyPr/>
                     <a:lstStyle/>
                     <a:p>
-                      <a:pPr marL="0" marR="0" algn="l">
+                      <a:pPr>
                         <a:lnSpc>
                           <a:spcPct val="107000"/>
                         </a:lnSpc>
-                        <a:spcBef>
-                          <a:spcPts val="0"/>
-                        </a:spcBef>
                         <a:spcAft>
                           <a:spcPts val="0"/>
                         </a:spcAft>
@@ -5296,15 +5155,15 @@
                         </a:tabLst>
                       </a:pPr>
                       <a:r>
-                        <a:rPr lang="en-US" sz="1200">
+                        <a:rPr lang="en-PH" sz="1200">
                           <a:effectLst/>
                         </a:rPr>
                         <a:t>Use Case:	</a:t>
                       </a:r>
-                      <a:endParaRPr lang="en-US" sz="1100">
+                      <a:endParaRPr lang="en-PH" sz="1100">
                         <a:effectLst/>
-                        <a:latin typeface="Constantia" panose="02030602050306030303" pitchFamily="18" charset="0"/>
-                        <a:ea typeface="Constantia" panose="02030602050306030303" pitchFamily="18" charset="0"/>
+                        <a:latin typeface="Calibri" panose="020F0502020204030204" pitchFamily="34" charset="0"/>
+                        <a:ea typeface="Calibri" panose="020F0502020204030204" pitchFamily="34" charset="0"/>
                         <a:cs typeface="Times New Roman" panose="02020603050405020304" pitchFamily="18" charset="0"/>
                       </a:endParaRPr>
                     </a:p>
@@ -5316,27 +5175,24 @@
                     <a:bodyPr/>
                     <a:lstStyle/>
                     <a:p>
-                      <a:pPr marL="0" marR="0" algn="l">
+                      <a:pPr>
                         <a:lnSpc>
                           <a:spcPct val="107000"/>
                         </a:lnSpc>
-                        <a:spcBef>
-                          <a:spcPts val="0"/>
-                        </a:spcBef>
                         <a:spcAft>
                           <a:spcPts val="0"/>
                         </a:spcAft>
                       </a:pPr>
                       <a:r>
-                        <a:rPr lang="en-US" sz="1100">
+                        <a:rPr lang="en-PH" sz="1100">
                           <a:effectLst/>
                         </a:rPr>
                         <a:t>Comparing detected link</a:t>
                       </a:r>
-                      <a:endParaRPr lang="en-US" sz="1100">
+                      <a:endParaRPr lang="en-PH" sz="1100">
                         <a:effectLst/>
-                        <a:latin typeface="Constantia" panose="02030602050306030303" pitchFamily="18" charset="0"/>
-                        <a:ea typeface="Constantia" panose="02030602050306030303" pitchFamily="18" charset="0"/>
+                        <a:latin typeface="Calibri" panose="020F0502020204030204" pitchFamily="34" charset="0"/>
+                        <a:ea typeface="Calibri" panose="020F0502020204030204" pitchFamily="34" charset="0"/>
                         <a:cs typeface="Times New Roman" panose="02020603050405020304" pitchFamily="18" charset="0"/>
                       </a:endParaRPr>
                     </a:p>
@@ -5345,37 +5201,34 @@
                 </a:tc>
                 <a:extLst>
                   <a:ext uri="{0D108BD9-81ED-4DB2-BD59-A6C34878D82A}">
-                    <a16:rowId xmlns:a16="http://schemas.microsoft.com/office/drawing/2014/main" val="832335636"/>
+                    <a16:rowId xmlns:a16="http://schemas.microsoft.com/office/drawing/2014/main" val="3233584834"/>
                   </a:ext>
                 </a:extLst>
               </a:tr>
-              <a:tr h="313927">
+              <a:tr h="416930">
                 <a:tc>
                   <a:txBody>
                     <a:bodyPr/>
                     <a:lstStyle/>
                     <a:p>
-                      <a:pPr marL="0" marR="0" algn="l">
+                      <a:pPr>
                         <a:lnSpc>
                           <a:spcPct val="107000"/>
                         </a:lnSpc>
-                        <a:spcBef>
-                          <a:spcPts val="0"/>
-                        </a:spcBef>
                         <a:spcAft>
                           <a:spcPts val="0"/>
                         </a:spcAft>
                       </a:pPr>
                       <a:r>
-                        <a:rPr lang="en-US" sz="1200">
+                        <a:rPr lang="en-PH" sz="1200">
                           <a:effectLst/>
                         </a:rPr>
                         <a:t>Actor:</a:t>
                       </a:r>
-                      <a:endParaRPr lang="en-US" sz="1100">
+                      <a:endParaRPr lang="en-PH" sz="1100">
                         <a:effectLst/>
-                        <a:latin typeface="Constantia" panose="02030602050306030303" pitchFamily="18" charset="0"/>
-                        <a:ea typeface="Constantia" panose="02030602050306030303" pitchFamily="18" charset="0"/>
+                        <a:latin typeface="Calibri" panose="020F0502020204030204" pitchFamily="34" charset="0"/>
+                        <a:ea typeface="Calibri" panose="020F0502020204030204" pitchFamily="34" charset="0"/>
                         <a:cs typeface="Times New Roman" panose="02020603050405020304" pitchFamily="18" charset="0"/>
                       </a:endParaRPr>
                     </a:p>
@@ -5387,27 +5240,24 @@
                     <a:bodyPr/>
                     <a:lstStyle/>
                     <a:p>
-                      <a:pPr marL="0" marR="0" algn="l">
+                      <a:pPr>
                         <a:lnSpc>
                           <a:spcPct val="107000"/>
                         </a:lnSpc>
-                        <a:spcBef>
-                          <a:spcPts val="0"/>
-                        </a:spcBef>
                         <a:spcAft>
                           <a:spcPts val="0"/>
                         </a:spcAft>
                       </a:pPr>
                       <a:r>
-                        <a:rPr lang="en-US" sz="1200">
+                        <a:rPr lang="en-PH" sz="1200">
                           <a:effectLst/>
                         </a:rPr>
                         <a:t>System</a:t>
                       </a:r>
-                      <a:endParaRPr lang="en-US" sz="1100">
+                      <a:endParaRPr lang="en-PH" sz="1100">
                         <a:effectLst/>
-                        <a:latin typeface="Constantia" panose="02030602050306030303" pitchFamily="18" charset="0"/>
-                        <a:ea typeface="Constantia" panose="02030602050306030303" pitchFamily="18" charset="0"/>
+                        <a:latin typeface="Calibri" panose="020F0502020204030204" pitchFamily="34" charset="0"/>
+                        <a:ea typeface="Calibri" panose="020F0502020204030204" pitchFamily="34" charset="0"/>
                         <a:cs typeface="Times New Roman" panose="02020603050405020304" pitchFamily="18" charset="0"/>
                       </a:endParaRPr>
                     </a:p>
@@ -5416,37 +5266,34 @@
                 </a:tc>
                 <a:extLst>
                   <a:ext uri="{0D108BD9-81ED-4DB2-BD59-A6C34878D82A}">
-                    <a16:rowId xmlns:a16="http://schemas.microsoft.com/office/drawing/2014/main" val="3363866902"/>
+                    <a16:rowId xmlns:a16="http://schemas.microsoft.com/office/drawing/2014/main" val="2607875236"/>
                   </a:ext>
                 </a:extLst>
               </a:tr>
-              <a:tr h="313927">
+              <a:tr h="394206">
                 <a:tc>
                   <a:txBody>
                     <a:bodyPr/>
                     <a:lstStyle/>
                     <a:p>
-                      <a:pPr marL="0" marR="0" algn="l">
+                      <a:pPr>
                         <a:lnSpc>
                           <a:spcPct val="107000"/>
                         </a:lnSpc>
-                        <a:spcBef>
-                          <a:spcPts val="0"/>
-                        </a:spcBef>
                         <a:spcAft>
                           <a:spcPts val="0"/>
                         </a:spcAft>
                       </a:pPr>
                       <a:r>
-                        <a:rPr lang="en-US" sz="1200">
+                        <a:rPr lang="en-PH" sz="1200">
                           <a:effectLst/>
                         </a:rPr>
                         <a:t>Description:</a:t>
                       </a:r>
-                      <a:endParaRPr lang="en-US" sz="1100">
+                      <a:endParaRPr lang="en-PH" sz="1100">
                         <a:effectLst/>
-                        <a:latin typeface="Constantia" panose="02030602050306030303" pitchFamily="18" charset="0"/>
-                        <a:ea typeface="Constantia" panose="02030602050306030303" pitchFamily="18" charset="0"/>
+                        <a:latin typeface="Calibri" panose="020F0502020204030204" pitchFamily="34" charset="0"/>
+                        <a:ea typeface="Calibri" panose="020F0502020204030204" pitchFamily="34" charset="0"/>
                         <a:cs typeface="Times New Roman" panose="02020603050405020304" pitchFamily="18" charset="0"/>
                       </a:endParaRPr>
                     </a:p>
@@ -5458,27 +5305,24 @@
                     <a:bodyPr/>
                     <a:lstStyle/>
                     <a:p>
-                      <a:pPr marL="0" marR="0" algn="l">
+                      <a:pPr>
                         <a:lnSpc>
                           <a:spcPct val="107000"/>
                         </a:lnSpc>
-                        <a:spcBef>
-                          <a:spcPts val="0"/>
-                        </a:spcBef>
                         <a:spcAft>
                           <a:spcPts val="0"/>
                         </a:spcAft>
                       </a:pPr>
                       <a:r>
-                        <a:rPr lang="en-US" sz="1200">
+                        <a:rPr lang="en-PH" sz="1200">
                           <a:effectLst/>
                         </a:rPr>
                         <a:t>The system will compare the detected links.</a:t>
                       </a:r>
-                      <a:endParaRPr lang="en-US" sz="1100">
+                      <a:endParaRPr lang="en-PH" sz="1100">
                         <a:effectLst/>
-                        <a:latin typeface="Constantia" panose="02030602050306030303" pitchFamily="18" charset="0"/>
-                        <a:ea typeface="Constantia" panose="02030602050306030303" pitchFamily="18" charset="0"/>
+                        <a:latin typeface="Calibri" panose="020F0502020204030204" pitchFamily="34" charset="0"/>
+                        <a:ea typeface="Calibri" panose="020F0502020204030204" pitchFamily="34" charset="0"/>
                         <a:cs typeface="Times New Roman" panose="02020603050405020304" pitchFamily="18" charset="0"/>
                       </a:endParaRPr>
                     </a:p>
@@ -5487,37 +5331,34 @@
                 </a:tc>
                 <a:extLst>
                   <a:ext uri="{0D108BD9-81ED-4DB2-BD59-A6C34878D82A}">
-                    <a16:rowId xmlns:a16="http://schemas.microsoft.com/office/drawing/2014/main" val="2338765360"/>
+                    <a16:rowId xmlns:a16="http://schemas.microsoft.com/office/drawing/2014/main" val="3408404792"/>
                   </a:ext>
                 </a:extLst>
               </a:tr>
-              <a:tr h="1635679">
+              <a:tr h="1202772">
                 <a:tc>
                   <a:txBody>
                     <a:bodyPr/>
                     <a:lstStyle/>
                     <a:p>
-                      <a:pPr marL="0" marR="0" algn="l">
+                      <a:pPr>
                         <a:lnSpc>
                           <a:spcPct val="107000"/>
                         </a:lnSpc>
-                        <a:spcBef>
-                          <a:spcPts val="0"/>
-                        </a:spcBef>
                         <a:spcAft>
                           <a:spcPts val="0"/>
                         </a:spcAft>
                       </a:pPr>
                       <a:r>
-                        <a:rPr lang="en-US" sz="1200">
+                        <a:rPr lang="en-PH" sz="1200">
                           <a:effectLst/>
                         </a:rPr>
                         <a:t>Flow of Events:</a:t>
                       </a:r>
-                      <a:endParaRPr lang="en-US" sz="1100">
+                      <a:endParaRPr lang="en-PH" sz="1100">
                         <a:effectLst/>
-                        <a:latin typeface="Constantia" panose="02030602050306030303" pitchFamily="18" charset="0"/>
-                        <a:ea typeface="Constantia" panose="02030602050306030303" pitchFamily="18" charset="0"/>
+                        <a:latin typeface="Calibri" panose="020F0502020204030204" pitchFamily="34" charset="0"/>
+                        <a:ea typeface="Calibri" panose="020F0502020204030204" pitchFamily="34" charset="0"/>
                         <a:cs typeface="Times New Roman" panose="02020603050405020304" pitchFamily="18" charset="0"/>
                       </a:endParaRPr>
                     </a:p>
@@ -5529,13 +5370,10 @@
                     <a:bodyPr/>
                     <a:lstStyle/>
                     <a:p>
-                      <a:pPr marL="342900" marR="0" lvl="0" indent="-342900" algn="l">
+                      <a:pPr marL="342900" lvl="0" indent="-342900">
                         <a:lnSpc>
                           <a:spcPct val="107000"/>
                         </a:lnSpc>
-                        <a:spcBef>
-                          <a:spcPts val="0"/>
-                        </a:spcBef>
                         <a:spcAft>
                           <a:spcPts val="0"/>
                         </a:spcAft>
@@ -5546,20 +5384,17 @@
                         <a:rPr lang="en-US" sz="1200">
                           <a:effectLst/>
                         </a:rPr>
-                        <a:t>User clicks the link</a:t>
+                        <a:t>The system request data from database</a:t>
                       </a:r>
-                      <a:endParaRPr lang="en-US" sz="1100">
+                      <a:endParaRPr lang="en-PH" sz="1100">
                         <a:effectLst/>
                       </a:endParaRPr>
                     </a:p>
                     <a:p>
-                      <a:pPr marL="342900" marR="0" lvl="0" indent="-342900" algn="l">
+                      <a:pPr marL="342900" lvl="0" indent="-342900">
                         <a:lnSpc>
                           <a:spcPct val="107000"/>
                         </a:lnSpc>
-                        <a:spcBef>
-                          <a:spcPts val="0"/>
-                        </a:spcBef>
                         <a:spcAft>
                           <a:spcPts val="0"/>
                         </a:spcAft>
@@ -5570,44 +5405,17 @@
                         <a:rPr lang="en-US" sz="1200">
                           <a:effectLst/>
                         </a:rPr>
-                        <a:t>The system detected the links. </a:t>
+                        <a:t>The system compares the detected link to the list of fake/authentic news in database.</a:t>
                       </a:r>
-                      <a:endParaRPr lang="en-US" sz="1100">
+                      <a:endParaRPr lang="en-PH" sz="1100">
                         <a:effectLst/>
                       </a:endParaRPr>
                     </a:p>
                     <a:p>
-                      <a:pPr marL="342900" marR="0" lvl="0" indent="-342900" algn="l">
+                      <a:pPr marL="342900" lvl="0" indent="-342900">
                         <a:lnSpc>
                           <a:spcPct val="107000"/>
                         </a:lnSpc>
-                        <a:spcBef>
-                          <a:spcPts val="0"/>
-                        </a:spcBef>
-                        <a:spcAft>
-                          <a:spcPts val="0"/>
-                        </a:spcAft>
-                        <a:buFont typeface="+mj-lt"/>
-                        <a:buAutoNum type="arabicPeriod"/>
-                      </a:pPr>
-                      <a:r>
-                        <a:rPr lang="en-US" sz="1200">
-                          <a:effectLst/>
-                        </a:rPr>
-                        <a:t>The system will now compare the detected links to the list of fake and authentic news in database.</a:t>
-                      </a:r>
-                      <a:endParaRPr lang="en-US" sz="1100">
-                        <a:effectLst/>
-                      </a:endParaRPr>
-                    </a:p>
-                    <a:p>
-                      <a:pPr marL="342900" marR="0" lvl="0" indent="-342900" algn="l">
-                        <a:lnSpc>
-                          <a:spcPct val="107000"/>
-                        </a:lnSpc>
-                        <a:spcBef>
-                          <a:spcPts val="0"/>
-                        </a:spcBef>
                         <a:spcAft>
                           <a:spcPts val="0"/>
                         </a:spcAft>
@@ -5620,10 +5428,10 @@
                         </a:rPr>
                         <a:t>Use case ends.</a:t>
                       </a:r>
-                      <a:endParaRPr lang="en-US" sz="1100">
+                      <a:endParaRPr lang="en-PH" sz="1100">
                         <a:effectLst/>
-                        <a:latin typeface="Constantia" panose="02030602050306030303" pitchFamily="18" charset="0"/>
-                        <a:ea typeface="Constantia" panose="02030602050306030303" pitchFamily="18" charset="0"/>
+                        <a:latin typeface="Calibri" panose="020F0502020204030204" pitchFamily="34" charset="0"/>
+                        <a:ea typeface="Calibri" panose="020F0502020204030204" pitchFamily="34" charset="0"/>
                         <a:cs typeface="Times New Roman" panose="02020603050405020304" pitchFamily="18" charset="0"/>
                       </a:endParaRPr>
                     </a:p>
@@ -5632,37 +5440,34 @@
                 </a:tc>
                 <a:extLst>
                   <a:ext uri="{0D108BD9-81ED-4DB2-BD59-A6C34878D82A}">
-                    <a16:rowId xmlns:a16="http://schemas.microsoft.com/office/drawing/2014/main" val="995825505"/>
+                    <a16:rowId xmlns:a16="http://schemas.microsoft.com/office/drawing/2014/main" val="2357050682"/>
                   </a:ext>
                 </a:extLst>
               </a:tr>
-              <a:tr h="313927">
+              <a:tr h="561176">
                 <a:tc>
                   <a:txBody>
                     <a:bodyPr/>
                     <a:lstStyle/>
                     <a:p>
-                      <a:pPr marL="0" marR="0" algn="l">
+                      <a:pPr>
                         <a:lnSpc>
                           <a:spcPct val="107000"/>
                         </a:lnSpc>
-                        <a:spcBef>
-                          <a:spcPts val="0"/>
-                        </a:spcBef>
                         <a:spcAft>
                           <a:spcPts val="0"/>
                         </a:spcAft>
                       </a:pPr>
                       <a:r>
-                        <a:rPr lang="en-US" sz="1200">
+                        <a:rPr lang="en-PH" sz="1200">
                           <a:effectLst/>
                         </a:rPr>
                         <a:t>Pre-Condition:</a:t>
                       </a:r>
-                      <a:endParaRPr lang="en-US" sz="1100">
+                      <a:endParaRPr lang="en-PH" sz="1100">
                         <a:effectLst/>
-                        <a:latin typeface="Constantia" panose="02030602050306030303" pitchFamily="18" charset="0"/>
-                        <a:ea typeface="Constantia" panose="02030602050306030303" pitchFamily="18" charset="0"/>
+                        <a:latin typeface="Calibri" panose="020F0502020204030204" pitchFamily="34" charset="0"/>
+                        <a:ea typeface="Calibri" panose="020F0502020204030204" pitchFamily="34" charset="0"/>
                         <a:cs typeface="Times New Roman" panose="02020603050405020304" pitchFamily="18" charset="0"/>
                       </a:endParaRPr>
                     </a:p>
@@ -5674,27 +5479,24 @@
                     <a:bodyPr/>
                     <a:lstStyle/>
                     <a:p>
-                      <a:pPr marL="0" marR="0" algn="l">
+                      <a:pPr>
                         <a:lnSpc>
                           <a:spcPct val="107000"/>
                         </a:lnSpc>
-                        <a:spcBef>
-                          <a:spcPts val="0"/>
-                        </a:spcBef>
                         <a:spcAft>
                           <a:spcPts val="0"/>
                         </a:spcAft>
                       </a:pPr>
                       <a:r>
-                        <a:rPr lang="en-US" sz="1200">
+                        <a:rPr lang="en-PH" sz="1200">
                           <a:effectLst/>
                         </a:rPr>
                         <a:t>The user should click the link.</a:t>
                       </a:r>
-                      <a:endParaRPr lang="en-US" sz="1100">
+                      <a:endParaRPr lang="en-PH" sz="1100">
                         <a:effectLst/>
-                        <a:latin typeface="Constantia" panose="02030602050306030303" pitchFamily="18" charset="0"/>
-                        <a:ea typeface="Constantia" panose="02030602050306030303" pitchFamily="18" charset="0"/>
+                        <a:latin typeface="Calibri" panose="020F0502020204030204" pitchFamily="34" charset="0"/>
+                        <a:ea typeface="Calibri" panose="020F0502020204030204" pitchFamily="34" charset="0"/>
                         <a:cs typeface="Times New Roman" panose="02020603050405020304" pitchFamily="18" charset="0"/>
                       </a:endParaRPr>
                     </a:p>
@@ -5703,37 +5505,34 @@
                 </a:tc>
                 <a:extLst>
                   <a:ext uri="{0D108BD9-81ED-4DB2-BD59-A6C34878D82A}">
-                    <a16:rowId xmlns:a16="http://schemas.microsoft.com/office/drawing/2014/main" val="1774782881"/>
+                    <a16:rowId xmlns:a16="http://schemas.microsoft.com/office/drawing/2014/main" val="2677756217"/>
                   </a:ext>
                 </a:extLst>
               </a:tr>
-              <a:tr h="313927">
+              <a:tr h="822003">
                 <a:tc>
                   <a:txBody>
                     <a:bodyPr/>
                     <a:lstStyle/>
                     <a:p>
-                      <a:pPr marL="0" marR="0" algn="l">
+                      <a:pPr>
                         <a:lnSpc>
                           <a:spcPct val="107000"/>
                         </a:lnSpc>
-                        <a:spcBef>
-                          <a:spcPts val="0"/>
-                        </a:spcBef>
                         <a:spcAft>
                           <a:spcPts val="0"/>
                         </a:spcAft>
                       </a:pPr>
                       <a:r>
-                        <a:rPr lang="en-US" sz="1200">
+                        <a:rPr lang="en-PH" sz="1200">
                           <a:effectLst/>
                         </a:rPr>
                         <a:t>Post-Condition:</a:t>
                       </a:r>
-                      <a:endParaRPr lang="en-US" sz="1100">
+                      <a:endParaRPr lang="en-PH" sz="1100">
                         <a:effectLst/>
-                        <a:latin typeface="Constantia" panose="02030602050306030303" pitchFamily="18" charset="0"/>
-                        <a:ea typeface="Constantia" panose="02030602050306030303" pitchFamily="18" charset="0"/>
+                        <a:latin typeface="Calibri" panose="020F0502020204030204" pitchFamily="34" charset="0"/>
+                        <a:ea typeface="Calibri" panose="020F0502020204030204" pitchFamily="34" charset="0"/>
                         <a:cs typeface="Times New Roman" panose="02020603050405020304" pitchFamily="18" charset="0"/>
                       </a:endParaRPr>
                     </a:p>
@@ -5745,27 +5544,24 @@
                     <a:bodyPr/>
                     <a:lstStyle/>
                     <a:p>
-                      <a:pPr marL="0" marR="0" algn="l">
+                      <a:pPr>
                         <a:lnSpc>
                           <a:spcPct val="107000"/>
                         </a:lnSpc>
-                        <a:spcBef>
-                          <a:spcPts val="0"/>
-                        </a:spcBef>
                         <a:spcAft>
                           <a:spcPts val="0"/>
                         </a:spcAft>
                       </a:pPr>
                       <a:r>
-                        <a:rPr lang="en-US" sz="1200">
+                        <a:rPr lang="en-PH" sz="1200" dirty="0">
                           <a:effectLst/>
                         </a:rPr>
                         <a:t>The system compared the detected link.</a:t>
                       </a:r>
-                      <a:endParaRPr lang="en-US" sz="1100">
+                      <a:endParaRPr lang="en-PH" sz="1100" dirty="0">
                         <a:effectLst/>
-                        <a:latin typeface="Constantia" panose="02030602050306030303" pitchFamily="18" charset="0"/>
-                        <a:ea typeface="Constantia" panose="02030602050306030303" pitchFamily="18" charset="0"/>
+                        <a:latin typeface="Calibri" panose="020F0502020204030204" pitchFamily="34" charset="0"/>
+                        <a:ea typeface="Calibri" panose="020F0502020204030204" pitchFamily="34" charset="0"/>
                         <a:cs typeface="Times New Roman" panose="02020603050405020304" pitchFamily="18" charset="0"/>
                       </a:endParaRPr>
                     </a:p>
@@ -5774,78 +5570,7 @@
                 </a:tc>
                 <a:extLst>
                   <a:ext uri="{0D108BD9-81ED-4DB2-BD59-A6C34878D82A}">
-                    <a16:rowId xmlns:a16="http://schemas.microsoft.com/office/drawing/2014/main" val="4289443683"/>
-                  </a:ext>
-                </a:extLst>
-              </a:tr>
-              <a:tr h="313927">
-                <a:tc>
-                  <a:txBody>
-                    <a:bodyPr/>
-                    <a:lstStyle/>
-                    <a:p>
-                      <a:pPr marL="0" marR="0" algn="l">
-                        <a:lnSpc>
-                          <a:spcPct val="107000"/>
-                        </a:lnSpc>
-                        <a:spcBef>
-                          <a:spcPts val="0"/>
-                        </a:spcBef>
-                        <a:spcAft>
-                          <a:spcPts val="0"/>
-                        </a:spcAft>
-                      </a:pPr>
-                      <a:r>
-                        <a:rPr lang="en-US" sz="1200">
-                          <a:effectLst/>
-                        </a:rPr>
-                        <a:t> </a:t>
-                      </a:r>
-                      <a:endParaRPr lang="en-US" sz="1100">
-                        <a:effectLst/>
-                        <a:latin typeface="Constantia" panose="02030602050306030303" pitchFamily="18" charset="0"/>
-                        <a:ea typeface="Constantia" panose="02030602050306030303" pitchFamily="18" charset="0"/>
-                        <a:cs typeface="Times New Roman" panose="02020603050405020304" pitchFamily="18" charset="0"/>
-                      </a:endParaRPr>
-                    </a:p>
-                  </a:txBody>
-                  <a:tcPr marL="68580" marR="68580" marT="0" marB="0"/>
-                </a:tc>
-                <a:tc>
-                  <a:txBody>
-                    <a:bodyPr/>
-                    <a:lstStyle/>
-                    <a:p>
-                      <a:pPr marL="0" marR="0" algn="l">
-                        <a:lnSpc>
-                          <a:spcPct val="107000"/>
-                        </a:lnSpc>
-                        <a:spcBef>
-                          <a:spcPts val="0"/>
-                        </a:spcBef>
-                        <a:spcAft>
-                          <a:spcPts val="0"/>
-                        </a:spcAft>
-                      </a:pPr>
-                      <a:r>
-                        <a:rPr lang="en-US" sz="1200" dirty="0">
-                          <a:effectLst/>
-                        </a:rPr>
-                        <a:t> </a:t>
-                      </a:r>
-                      <a:endParaRPr lang="en-US" sz="1100" dirty="0">
-                        <a:effectLst/>
-                        <a:latin typeface="Constantia" panose="02030602050306030303" pitchFamily="18" charset="0"/>
-                        <a:ea typeface="Constantia" panose="02030602050306030303" pitchFamily="18" charset="0"/>
-                        <a:cs typeface="Times New Roman" panose="02020603050405020304" pitchFamily="18" charset="0"/>
-                      </a:endParaRPr>
-                    </a:p>
-                  </a:txBody>
-                  <a:tcPr marL="68580" marR="68580" marT="0" marB="0"/>
-                </a:tc>
-                <a:extLst>
-                  <a:ext uri="{0D108BD9-81ED-4DB2-BD59-A6C34878D82A}">
-                    <a16:rowId xmlns:a16="http://schemas.microsoft.com/office/drawing/2014/main" val="1551627387"/>
+                    <a16:rowId xmlns:a16="http://schemas.microsoft.com/office/drawing/2014/main" val="2270261864"/>
                   </a:ext>
                 </a:extLst>
               </a:tr>
@@ -5898,13 +5623,17 @@
           <a:bodyPr/>
           <a:lstStyle/>
           <a:p>
-            <a:endParaRPr lang="en-US"/>
+            <a:r>
+              <a:rPr lang="en-US" dirty="0"/>
+              <a:t>Use Case Full Description</a:t>
+            </a:r>
+            <a:endParaRPr lang="en-US" dirty="0"/>
           </a:p>
         </p:txBody>
       </p:sp>
       <p:graphicFrame>
         <p:nvGraphicFramePr>
-          <p:cNvPr id="4" name="Content Placeholder 3"/>
+          <p:cNvPr id="5" name="Content Placeholder 4"/>
           <p:cNvGraphicFramePr>
             <a:graphicFrameLocks noGrp="1"/>
           </p:cNvGraphicFramePr>
@@ -5912,14 +5641,14 @@
             <p:ph idx="1"/>
             <p:extLst>
               <p:ext uri="{D42A27DB-BD31-4B8C-83A1-F6EECF244321}">
-                <p14:modId xmlns:p14="http://schemas.microsoft.com/office/powerpoint/2010/main" val="261081153"/>
+                <p14:modId xmlns:p14="http://schemas.microsoft.com/office/powerpoint/2010/main" val="381408858"/>
               </p:ext>
             </p:extLst>
           </p:nvPr>
         </p:nvGraphicFramePr>
         <p:xfrm>
-          <a:off x="1280160" y="2171698"/>
-          <a:ext cx="9692640" cy="4229105"/>
+          <a:off x="1371600" y="2171700"/>
+          <a:ext cx="9601200" cy="4335117"/>
         </p:xfrm>
         <a:graphic>
           <a:graphicData uri="http://schemas.openxmlformats.org/drawingml/2006/table">
@@ -5928,34 +5657,31 @@
                 <a:tableStyleId>{5C22544A-7EE6-4342-B048-85BDC9FD1C3A}</a:tableStyleId>
               </a:tblPr>
               <a:tblGrid>
-                <a:gridCol w="2045405">
+                <a:gridCol w="1741566">
                   <a:extLst>
                     <a:ext uri="{9D8B030D-6E8A-4147-A177-3AD203B41FA5}">
-                      <a16:colId xmlns:a16="http://schemas.microsoft.com/office/drawing/2014/main" val="1613633232"/>
+                      <a16:colId xmlns:a16="http://schemas.microsoft.com/office/drawing/2014/main" val="3102181147"/>
                     </a:ext>
                   </a:extLst>
                 </a:gridCol>
-                <a:gridCol w="7647235">
+                <a:gridCol w="7859634">
                   <a:extLst>
                     <a:ext uri="{9D8B030D-6E8A-4147-A177-3AD203B41FA5}">
-                      <a16:colId xmlns:a16="http://schemas.microsoft.com/office/drawing/2014/main" val="1998876839"/>
+                      <a16:colId xmlns:a16="http://schemas.microsoft.com/office/drawing/2014/main" val="1573580668"/>
                     </a:ext>
                   </a:extLst>
                 </a:gridCol>
               </a:tblGrid>
-              <a:tr h="851590">
+              <a:tr h="975761">
                 <a:tc>
                   <a:txBody>
                     <a:bodyPr/>
                     <a:lstStyle/>
                     <a:p>
-                      <a:pPr marL="0" marR="0" algn="l">
+                      <a:pPr>
                         <a:lnSpc>
                           <a:spcPct val="107000"/>
                         </a:lnSpc>
-                        <a:spcBef>
-                          <a:spcPts val="0"/>
-                        </a:spcBef>
                         <a:spcAft>
                           <a:spcPts val="0"/>
                         </a:spcAft>
@@ -5964,15 +5690,15 @@
                         </a:tabLst>
                       </a:pPr>
                       <a:r>
-                        <a:rPr lang="en-US" sz="1200">
+                        <a:rPr lang="en-PH" sz="1200">
                           <a:effectLst/>
                         </a:rPr>
                         <a:t>Use Case:	</a:t>
                       </a:r>
-                      <a:endParaRPr lang="en-US" sz="1100">
+                      <a:endParaRPr lang="en-PH" sz="1100">
                         <a:effectLst/>
-                        <a:latin typeface="Constantia" panose="02030602050306030303" pitchFamily="18" charset="0"/>
-                        <a:ea typeface="Constantia" panose="02030602050306030303" pitchFamily="18" charset="0"/>
+                        <a:latin typeface="Calibri" panose="020F0502020204030204" pitchFamily="34" charset="0"/>
+                        <a:ea typeface="Calibri" panose="020F0502020204030204" pitchFamily="34" charset="0"/>
                         <a:cs typeface="Times New Roman" panose="02020603050405020304" pitchFamily="18" charset="0"/>
                       </a:endParaRPr>
                     </a:p>
@@ -5984,27 +5710,24 @@
                     <a:bodyPr/>
                     <a:lstStyle/>
                     <a:p>
-                      <a:pPr marL="0" marR="0" algn="l">
+                      <a:pPr>
                         <a:lnSpc>
                           <a:spcPct val="107000"/>
                         </a:lnSpc>
-                        <a:spcBef>
-                          <a:spcPts val="0"/>
-                        </a:spcBef>
                         <a:spcAft>
                           <a:spcPts val="0"/>
                         </a:spcAft>
                       </a:pPr>
                       <a:r>
-                        <a:rPr lang="en-US" sz="1100">
+                        <a:rPr lang="en-PH" sz="1100">
                           <a:effectLst/>
                         </a:rPr>
-                        <a:t>Confirming detected link</a:t>
+                        <a:t>Classifying detected link</a:t>
                       </a:r>
-                      <a:endParaRPr lang="en-US" sz="1100">
+                      <a:endParaRPr lang="en-PH" sz="1100">
                         <a:effectLst/>
-                        <a:latin typeface="Constantia" panose="02030602050306030303" pitchFamily="18" charset="0"/>
-                        <a:ea typeface="Constantia" panose="02030602050306030303" pitchFamily="18" charset="0"/>
+                        <a:latin typeface="Calibri" panose="020F0502020204030204" pitchFamily="34" charset="0"/>
+                        <a:ea typeface="Calibri" panose="020F0502020204030204" pitchFamily="34" charset="0"/>
                         <a:cs typeface="Times New Roman" panose="02020603050405020304" pitchFamily="18" charset="0"/>
                       </a:endParaRPr>
                     </a:p>
@@ -6013,37 +5736,34 @@
                 </a:tc>
                 <a:extLst>
                   <a:ext uri="{0D108BD9-81ED-4DB2-BD59-A6C34878D82A}">
-                    <a16:rowId xmlns:a16="http://schemas.microsoft.com/office/drawing/2014/main" val="4218868177"/>
+                    <a16:rowId xmlns:a16="http://schemas.microsoft.com/office/drawing/2014/main" val="1533757966"/>
                   </a:ext>
                 </a:extLst>
               </a:tr>
-              <a:tr h="274248">
+              <a:tr h="452894">
                 <a:tc>
                   <a:txBody>
                     <a:bodyPr/>
                     <a:lstStyle/>
                     <a:p>
-                      <a:pPr marL="0" marR="0" algn="l">
+                      <a:pPr>
                         <a:lnSpc>
                           <a:spcPct val="107000"/>
                         </a:lnSpc>
-                        <a:spcBef>
-                          <a:spcPts val="0"/>
-                        </a:spcBef>
                         <a:spcAft>
                           <a:spcPts val="0"/>
                         </a:spcAft>
                       </a:pPr>
                       <a:r>
-                        <a:rPr lang="en-US" sz="1200">
+                        <a:rPr lang="en-PH" sz="1200">
                           <a:effectLst/>
                         </a:rPr>
                         <a:t>Actor:</a:t>
                       </a:r>
-                      <a:endParaRPr lang="en-US" sz="1100">
+                      <a:endParaRPr lang="en-PH" sz="1100">
                         <a:effectLst/>
-                        <a:latin typeface="Constantia" panose="02030602050306030303" pitchFamily="18" charset="0"/>
-                        <a:ea typeface="Constantia" panose="02030602050306030303" pitchFamily="18" charset="0"/>
+                        <a:latin typeface="Calibri" panose="020F0502020204030204" pitchFamily="34" charset="0"/>
+                        <a:ea typeface="Calibri" panose="020F0502020204030204" pitchFamily="34" charset="0"/>
                         <a:cs typeface="Times New Roman" panose="02020603050405020304" pitchFamily="18" charset="0"/>
                       </a:endParaRPr>
                     </a:p>
@@ -6055,27 +5775,24 @@
                     <a:bodyPr/>
                     <a:lstStyle/>
                     <a:p>
-                      <a:pPr marL="0" marR="0" algn="l">
+                      <a:pPr>
                         <a:lnSpc>
                           <a:spcPct val="107000"/>
                         </a:lnSpc>
-                        <a:spcBef>
-                          <a:spcPts val="0"/>
-                        </a:spcBef>
                         <a:spcAft>
                           <a:spcPts val="0"/>
                         </a:spcAft>
                       </a:pPr>
                       <a:r>
-                        <a:rPr lang="en-US" sz="1200">
+                        <a:rPr lang="en-PH" sz="1200">
                           <a:effectLst/>
                         </a:rPr>
                         <a:t>System</a:t>
                       </a:r>
-                      <a:endParaRPr lang="en-US" sz="1100">
+                      <a:endParaRPr lang="en-PH" sz="1100">
                         <a:effectLst/>
-                        <a:latin typeface="Constantia" panose="02030602050306030303" pitchFamily="18" charset="0"/>
-                        <a:ea typeface="Constantia" panose="02030602050306030303" pitchFamily="18" charset="0"/>
+                        <a:latin typeface="Calibri" panose="020F0502020204030204" pitchFamily="34" charset="0"/>
+                        <a:ea typeface="Calibri" panose="020F0502020204030204" pitchFamily="34" charset="0"/>
                         <a:cs typeface="Times New Roman" panose="02020603050405020304" pitchFamily="18" charset="0"/>
                       </a:endParaRPr>
                     </a:p>
@@ -6084,37 +5801,34 @@
                 </a:tc>
                 <a:extLst>
                   <a:ext uri="{0D108BD9-81ED-4DB2-BD59-A6C34878D82A}">
-                    <a16:rowId xmlns:a16="http://schemas.microsoft.com/office/drawing/2014/main" val="305602839"/>
+                    <a16:rowId xmlns:a16="http://schemas.microsoft.com/office/drawing/2014/main" val="4160654094"/>
                   </a:ext>
                 </a:extLst>
               </a:tr>
-              <a:tr h="274248">
+              <a:tr h="428210">
                 <a:tc>
                   <a:txBody>
                     <a:bodyPr/>
                     <a:lstStyle/>
                     <a:p>
-                      <a:pPr marL="0" marR="0" algn="l">
+                      <a:pPr>
                         <a:lnSpc>
                           <a:spcPct val="107000"/>
                         </a:lnSpc>
-                        <a:spcBef>
-                          <a:spcPts val="0"/>
-                        </a:spcBef>
                         <a:spcAft>
                           <a:spcPts val="0"/>
                         </a:spcAft>
                       </a:pPr>
                       <a:r>
-                        <a:rPr lang="en-US" sz="1200">
+                        <a:rPr lang="en-PH" sz="1200">
                           <a:effectLst/>
                         </a:rPr>
                         <a:t>Description:</a:t>
                       </a:r>
-                      <a:endParaRPr lang="en-US" sz="1100">
+                      <a:endParaRPr lang="en-PH" sz="1100">
                         <a:effectLst/>
-                        <a:latin typeface="Constantia" panose="02030602050306030303" pitchFamily="18" charset="0"/>
-                        <a:ea typeface="Constantia" panose="02030602050306030303" pitchFamily="18" charset="0"/>
+                        <a:latin typeface="Calibri" panose="020F0502020204030204" pitchFamily="34" charset="0"/>
+                        <a:ea typeface="Calibri" panose="020F0502020204030204" pitchFamily="34" charset="0"/>
                         <a:cs typeface="Times New Roman" panose="02020603050405020304" pitchFamily="18" charset="0"/>
                       </a:endParaRPr>
                     </a:p>
@@ -6126,27 +5840,24 @@
                     <a:bodyPr/>
                     <a:lstStyle/>
                     <a:p>
-                      <a:pPr marL="0" marR="0" algn="l">
+                      <a:pPr>
                         <a:lnSpc>
                           <a:spcPct val="107000"/>
                         </a:lnSpc>
-                        <a:spcBef>
-                          <a:spcPts val="0"/>
-                        </a:spcBef>
                         <a:spcAft>
                           <a:spcPts val="0"/>
                         </a:spcAft>
                       </a:pPr>
                       <a:r>
-                        <a:rPr lang="en-US" sz="1200">
+                        <a:rPr lang="en-PH" sz="1200">
                           <a:effectLst/>
                         </a:rPr>
-                        <a:t>The system will confirm the detected links.</a:t>
+                        <a:t>The system will classify the detected links.</a:t>
                       </a:r>
-                      <a:endParaRPr lang="en-US" sz="1100">
+                      <a:endParaRPr lang="en-PH" sz="1100">
                         <a:effectLst/>
-                        <a:latin typeface="Constantia" panose="02030602050306030303" pitchFamily="18" charset="0"/>
-                        <a:ea typeface="Constantia" panose="02030602050306030303" pitchFamily="18" charset="0"/>
+                        <a:latin typeface="Calibri" panose="020F0502020204030204" pitchFamily="34" charset="0"/>
+                        <a:ea typeface="Calibri" panose="020F0502020204030204" pitchFamily="34" charset="0"/>
                         <a:cs typeface="Times New Roman" panose="02020603050405020304" pitchFamily="18" charset="0"/>
                       </a:endParaRPr>
                     </a:p>
@@ -6155,37 +5866,34 @@
                 </a:tc>
                 <a:extLst>
                   <a:ext uri="{0D108BD9-81ED-4DB2-BD59-A6C34878D82A}">
-                    <a16:rowId xmlns:a16="http://schemas.microsoft.com/office/drawing/2014/main" val="2901652549"/>
+                    <a16:rowId xmlns:a16="http://schemas.microsoft.com/office/drawing/2014/main" val="3677936057"/>
                   </a:ext>
                 </a:extLst>
               </a:tr>
-              <a:tr h="2006275">
+              <a:tr h="975761">
                 <a:tc>
                   <a:txBody>
                     <a:bodyPr/>
                     <a:lstStyle/>
                     <a:p>
-                      <a:pPr marL="0" marR="0" algn="l">
+                      <a:pPr>
                         <a:lnSpc>
                           <a:spcPct val="107000"/>
                         </a:lnSpc>
-                        <a:spcBef>
-                          <a:spcPts val="0"/>
-                        </a:spcBef>
                         <a:spcAft>
                           <a:spcPts val="0"/>
                         </a:spcAft>
                       </a:pPr>
                       <a:r>
-                        <a:rPr lang="en-US" sz="1200">
+                        <a:rPr lang="en-PH" sz="1200">
                           <a:effectLst/>
                         </a:rPr>
                         <a:t>Flow of Events:</a:t>
                       </a:r>
-                      <a:endParaRPr lang="en-US" sz="1100">
+                      <a:endParaRPr lang="en-PH" sz="1100">
                         <a:effectLst/>
-                        <a:latin typeface="Constantia" panose="02030602050306030303" pitchFamily="18" charset="0"/>
-                        <a:ea typeface="Constantia" panose="02030602050306030303" pitchFamily="18" charset="0"/>
+                        <a:latin typeface="Calibri" panose="020F0502020204030204" pitchFamily="34" charset="0"/>
+                        <a:ea typeface="Calibri" panose="020F0502020204030204" pitchFamily="34" charset="0"/>
                         <a:cs typeface="Times New Roman" panose="02020603050405020304" pitchFamily="18" charset="0"/>
                       </a:endParaRPr>
                     </a:p>
@@ -6197,35 +5905,29 @@
                     <a:bodyPr/>
                     <a:lstStyle/>
                     <a:p>
-                      <a:pPr marL="0" marR="0" algn="l">
+                      <a:pPr>
                         <a:lnSpc>
                           <a:spcPct val="107000"/>
                         </a:lnSpc>
-                        <a:spcBef>
-                          <a:spcPts val="0"/>
-                        </a:spcBef>
                         <a:spcAft>
                           <a:spcPts val="0"/>
                         </a:spcAft>
                       </a:pPr>
                       <a:r>
-                        <a:rPr lang="en-US" sz="1200">
+                        <a:rPr lang="en-PH" sz="1200">
                           <a:effectLst/>
                         </a:rPr>
                         <a:t>  User clicks the link</a:t>
                       </a:r>
-                      <a:endParaRPr lang="en-US" sz="1100">
+                      <a:endParaRPr lang="en-PH" sz="1100">
                         <a:effectLst/>
                       </a:endParaRPr>
                     </a:p>
                     <a:p>
-                      <a:pPr marL="342900" marR="0" lvl="0" indent="-342900" algn="l">
+                      <a:pPr marL="342900" lvl="0" indent="-342900">
                         <a:lnSpc>
                           <a:spcPct val="107000"/>
                         </a:lnSpc>
-                        <a:spcBef>
-                          <a:spcPts val="0"/>
-                        </a:spcBef>
                         <a:spcAft>
                           <a:spcPts val="0"/>
                         </a:spcAft>
@@ -6236,90 +5938,17 @@
                         <a:rPr lang="en-US" sz="1200">
                           <a:effectLst/>
                         </a:rPr>
-                        <a:t>The system detected the links. </a:t>
+                        <a:t>The system will classify whether the compared link is fake or not.</a:t>
                       </a:r>
-                      <a:endParaRPr lang="en-US" sz="1100">
+                      <a:endParaRPr lang="en-PH" sz="1100">
                         <a:effectLst/>
                       </a:endParaRPr>
                     </a:p>
                     <a:p>
-                      <a:pPr marL="342900" marR="0" lvl="0" indent="-342900" algn="l">
+                      <a:pPr marL="342900" lvl="0" indent="-342900">
                         <a:lnSpc>
                           <a:spcPct val="107000"/>
                         </a:lnSpc>
-                        <a:spcBef>
-                          <a:spcPts val="0"/>
-                        </a:spcBef>
-                        <a:spcAft>
-                          <a:spcPts val="0"/>
-                        </a:spcAft>
-                        <a:buFont typeface="+mj-lt"/>
-                        <a:buAutoNum type="arabicPeriod"/>
-                      </a:pPr>
-                      <a:r>
-                        <a:rPr lang="en-US" sz="1200">
-                          <a:effectLst/>
-                        </a:rPr>
-                        <a:t>The system will now compare the detected links to the list of fake news in database.</a:t>
-                      </a:r>
-                      <a:endParaRPr lang="en-US" sz="1100">
-                        <a:effectLst/>
-                      </a:endParaRPr>
-                    </a:p>
-                    <a:p>
-                      <a:pPr marL="342900" marR="0" lvl="0" indent="-342900" algn="l">
-                        <a:lnSpc>
-                          <a:spcPct val="107000"/>
-                        </a:lnSpc>
-                        <a:spcBef>
-                          <a:spcPts val="0"/>
-                        </a:spcBef>
-                        <a:spcAft>
-                          <a:spcPts val="0"/>
-                        </a:spcAft>
-                        <a:buFont typeface="+mj-lt"/>
-                        <a:buAutoNum type="arabicPeriod"/>
-                      </a:pPr>
-                      <a:r>
-                        <a:rPr lang="en-US" sz="1200">
-                          <a:effectLst/>
-                        </a:rPr>
-                        <a:t>The system confirms the detected links.</a:t>
-                      </a:r>
-                      <a:endParaRPr lang="en-US" sz="1100">
-                        <a:effectLst/>
-                      </a:endParaRPr>
-                    </a:p>
-                    <a:p>
-                      <a:pPr marL="0" marR="0" algn="l">
-                        <a:lnSpc>
-                          <a:spcPct val="107000"/>
-                        </a:lnSpc>
-                        <a:spcBef>
-                          <a:spcPts val="0"/>
-                        </a:spcBef>
-                        <a:spcAft>
-                          <a:spcPts val="0"/>
-                        </a:spcAft>
-                      </a:pPr>
-                      <a:r>
-                        <a:rPr lang="en-US" sz="1200">
-                          <a:effectLst/>
-                        </a:rPr>
-                        <a:t> </a:t>
-                      </a:r>
-                      <a:endParaRPr lang="en-US" sz="1100">
-                        <a:effectLst/>
-                      </a:endParaRPr>
-                    </a:p>
-                    <a:p>
-                      <a:pPr marL="342900" marR="0" lvl="0" indent="-342900" algn="l">
-                        <a:lnSpc>
-                          <a:spcPct val="107000"/>
-                        </a:lnSpc>
-                        <a:spcBef>
-                          <a:spcPts val="0"/>
-                        </a:spcBef>
                         <a:spcAft>
                           <a:spcPts val="0"/>
                         </a:spcAft>
@@ -6332,10 +5961,10 @@
                         </a:rPr>
                         <a:t>Use case ends.</a:t>
                       </a:r>
-                      <a:endParaRPr lang="en-US" sz="1100">
+                      <a:endParaRPr lang="en-PH" sz="1100">
                         <a:effectLst/>
-                        <a:latin typeface="Constantia" panose="02030602050306030303" pitchFamily="18" charset="0"/>
-                        <a:ea typeface="Constantia" panose="02030602050306030303" pitchFamily="18" charset="0"/>
+                        <a:latin typeface="Calibri" panose="020F0502020204030204" pitchFamily="34" charset="0"/>
+                        <a:ea typeface="Calibri" panose="020F0502020204030204" pitchFamily="34" charset="0"/>
                         <a:cs typeface="Times New Roman" panose="02020603050405020304" pitchFamily="18" charset="0"/>
                       </a:endParaRPr>
                     </a:p>
@@ -6344,37 +5973,34 @@
                 </a:tc>
                 <a:extLst>
                   <a:ext uri="{0D108BD9-81ED-4DB2-BD59-A6C34878D82A}">
-                    <a16:rowId xmlns:a16="http://schemas.microsoft.com/office/drawing/2014/main" val="4059577697"/>
+                    <a16:rowId xmlns:a16="http://schemas.microsoft.com/office/drawing/2014/main" val="3744447687"/>
                   </a:ext>
                 </a:extLst>
               </a:tr>
-              <a:tr h="274248">
+              <a:tr h="609582">
                 <a:tc>
                   <a:txBody>
                     <a:bodyPr/>
                     <a:lstStyle/>
                     <a:p>
-                      <a:pPr marL="0" marR="0" algn="l">
+                      <a:pPr>
                         <a:lnSpc>
                           <a:spcPct val="107000"/>
                         </a:lnSpc>
-                        <a:spcBef>
-                          <a:spcPts val="0"/>
-                        </a:spcBef>
                         <a:spcAft>
                           <a:spcPts val="0"/>
                         </a:spcAft>
                       </a:pPr>
                       <a:r>
-                        <a:rPr lang="en-US" sz="1200">
+                        <a:rPr lang="en-PH" sz="1200">
                           <a:effectLst/>
                         </a:rPr>
                         <a:t>Pre-Condition:</a:t>
                       </a:r>
-                      <a:endParaRPr lang="en-US" sz="1100">
+                      <a:endParaRPr lang="en-PH" sz="1100">
                         <a:effectLst/>
-                        <a:latin typeface="Constantia" panose="02030602050306030303" pitchFamily="18" charset="0"/>
-                        <a:ea typeface="Constantia" panose="02030602050306030303" pitchFamily="18" charset="0"/>
+                        <a:latin typeface="Calibri" panose="020F0502020204030204" pitchFamily="34" charset="0"/>
+                        <a:ea typeface="Calibri" panose="020F0502020204030204" pitchFamily="34" charset="0"/>
                         <a:cs typeface="Times New Roman" panose="02020603050405020304" pitchFamily="18" charset="0"/>
                       </a:endParaRPr>
                     </a:p>
@@ -6386,27 +6012,24 @@
                     <a:bodyPr/>
                     <a:lstStyle/>
                     <a:p>
-                      <a:pPr marL="0" marR="0" algn="l">
+                      <a:pPr>
                         <a:lnSpc>
                           <a:spcPct val="107000"/>
                         </a:lnSpc>
-                        <a:spcBef>
-                          <a:spcPts val="0"/>
-                        </a:spcBef>
                         <a:spcAft>
                           <a:spcPts val="0"/>
                         </a:spcAft>
                       </a:pPr>
                       <a:r>
-                        <a:rPr lang="en-US" sz="1200">
+                        <a:rPr lang="en-PH" sz="1200">
                           <a:effectLst/>
                         </a:rPr>
                         <a:t>The system should compare the link.</a:t>
                       </a:r>
-                      <a:endParaRPr lang="en-US" sz="1100">
+                      <a:endParaRPr lang="en-PH" sz="1100">
                         <a:effectLst/>
-                        <a:latin typeface="Constantia" panose="02030602050306030303" pitchFamily="18" charset="0"/>
-                        <a:ea typeface="Constantia" panose="02030602050306030303" pitchFamily="18" charset="0"/>
+                        <a:latin typeface="Calibri" panose="020F0502020204030204" pitchFamily="34" charset="0"/>
+                        <a:ea typeface="Calibri" panose="020F0502020204030204" pitchFamily="34" charset="0"/>
                         <a:cs typeface="Times New Roman" panose="02020603050405020304" pitchFamily="18" charset="0"/>
                       </a:endParaRPr>
                     </a:p>
@@ -6415,37 +6038,34 @@
                 </a:tc>
                 <a:extLst>
                   <a:ext uri="{0D108BD9-81ED-4DB2-BD59-A6C34878D82A}">
-                    <a16:rowId xmlns:a16="http://schemas.microsoft.com/office/drawing/2014/main" val="2414673968"/>
+                    <a16:rowId xmlns:a16="http://schemas.microsoft.com/office/drawing/2014/main" val="3471448302"/>
                   </a:ext>
                 </a:extLst>
               </a:tr>
-              <a:tr h="274248">
+              <a:tr h="892909">
                 <a:tc>
                   <a:txBody>
                     <a:bodyPr/>
                     <a:lstStyle/>
                     <a:p>
-                      <a:pPr marL="0" marR="0" algn="l">
+                      <a:pPr>
                         <a:lnSpc>
                           <a:spcPct val="107000"/>
                         </a:lnSpc>
-                        <a:spcBef>
-                          <a:spcPts val="0"/>
-                        </a:spcBef>
                         <a:spcAft>
                           <a:spcPts val="0"/>
                         </a:spcAft>
                       </a:pPr>
                       <a:r>
-                        <a:rPr lang="en-US" sz="1200">
+                        <a:rPr lang="en-PH" sz="1200">
                           <a:effectLst/>
                         </a:rPr>
                         <a:t>Post-Condition:</a:t>
                       </a:r>
-                      <a:endParaRPr lang="en-US" sz="1100">
+                      <a:endParaRPr lang="en-PH" sz="1100">
                         <a:effectLst/>
-                        <a:latin typeface="Constantia" panose="02030602050306030303" pitchFamily="18" charset="0"/>
-                        <a:ea typeface="Constantia" panose="02030602050306030303" pitchFamily="18" charset="0"/>
+                        <a:latin typeface="Calibri" panose="020F0502020204030204" pitchFamily="34" charset="0"/>
+                        <a:ea typeface="Calibri" panose="020F0502020204030204" pitchFamily="34" charset="0"/>
                         <a:cs typeface="Times New Roman" panose="02020603050405020304" pitchFamily="18" charset="0"/>
                       </a:endParaRPr>
                     </a:p>
@@ -6457,27 +6077,24 @@
                     <a:bodyPr/>
                     <a:lstStyle/>
                     <a:p>
-                      <a:pPr marL="0" marR="0" algn="l">
+                      <a:pPr>
                         <a:lnSpc>
                           <a:spcPct val="107000"/>
                         </a:lnSpc>
-                        <a:spcBef>
-                          <a:spcPts val="0"/>
-                        </a:spcBef>
                         <a:spcAft>
                           <a:spcPts val="0"/>
                         </a:spcAft>
                       </a:pPr>
                       <a:r>
-                        <a:rPr lang="en-US" sz="1200">
+                        <a:rPr lang="en-PH" sz="1200" dirty="0">
                           <a:effectLst/>
                         </a:rPr>
-                        <a:t>The system confirms the detected link.</a:t>
+                        <a:t>The system classified the detected link.</a:t>
                       </a:r>
-                      <a:endParaRPr lang="en-US" sz="1100">
+                      <a:endParaRPr lang="en-PH" sz="1100" dirty="0">
                         <a:effectLst/>
-                        <a:latin typeface="Constantia" panose="02030602050306030303" pitchFamily="18" charset="0"/>
-                        <a:ea typeface="Constantia" panose="02030602050306030303" pitchFamily="18" charset="0"/>
+                        <a:latin typeface="Calibri" panose="020F0502020204030204" pitchFamily="34" charset="0"/>
+                        <a:ea typeface="Calibri" panose="020F0502020204030204" pitchFamily="34" charset="0"/>
                         <a:cs typeface="Times New Roman" panose="02020603050405020304" pitchFamily="18" charset="0"/>
                       </a:endParaRPr>
                     </a:p>
@@ -6486,78 +6103,7 @@
                 </a:tc>
                 <a:extLst>
                   <a:ext uri="{0D108BD9-81ED-4DB2-BD59-A6C34878D82A}">
-                    <a16:rowId xmlns:a16="http://schemas.microsoft.com/office/drawing/2014/main" val="1182732156"/>
-                  </a:ext>
-                </a:extLst>
-              </a:tr>
-              <a:tr h="274248">
-                <a:tc>
-                  <a:txBody>
-                    <a:bodyPr/>
-                    <a:lstStyle/>
-                    <a:p>
-                      <a:pPr marL="0" marR="0" algn="l">
-                        <a:lnSpc>
-                          <a:spcPct val="107000"/>
-                        </a:lnSpc>
-                        <a:spcBef>
-                          <a:spcPts val="0"/>
-                        </a:spcBef>
-                        <a:spcAft>
-                          <a:spcPts val="0"/>
-                        </a:spcAft>
-                      </a:pPr>
-                      <a:r>
-                        <a:rPr lang="en-US" sz="1200">
-                          <a:effectLst/>
-                        </a:rPr>
-                        <a:t> </a:t>
-                      </a:r>
-                      <a:endParaRPr lang="en-US" sz="1100">
-                        <a:effectLst/>
-                        <a:latin typeface="Constantia" panose="02030602050306030303" pitchFamily="18" charset="0"/>
-                        <a:ea typeface="Constantia" panose="02030602050306030303" pitchFamily="18" charset="0"/>
-                        <a:cs typeface="Times New Roman" panose="02020603050405020304" pitchFamily="18" charset="0"/>
-                      </a:endParaRPr>
-                    </a:p>
-                  </a:txBody>
-                  <a:tcPr marL="68580" marR="68580" marT="0" marB="0"/>
-                </a:tc>
-                <a:tc>
-                  <a:txBody>
-                    <a:bodyPr/>
-                    <a:lstStyle/>
-                    <a:p>
-                      <a:pPr marL="0" marR="0" algn="l">
-                        <a:lnSpc>
-                          <a:spcPct val="107000"/>
-                        </a:lnSpc>
-                        <a:spcBef>
-                          <a:spcPts val="0"/>
-                        </a:spcBef>
-                        <a:spcAft>
-                          <a:spcPts val="0"/>
-                        </a:spcAft>
-                      </a:pPr>
-                      <a:r>
-                        <a:rPr lang="en-US" sz="1200" dirty="0">
-                          <a:effectLst/>
-                        </a:rPr>
-                        <a:t> </a:t>
-                      </a:r>
-                      <a:endParaRPr lang="en-US" sz="1100" dirty="0">
-                        <a:effectLst/>
-                        <a:latin typeface="Constantia" panose="02030602050306030303" pitchFamily="18" charset="0"/>
-                        <a:ea typeface="Constantia" panose="02030602050306030303" pitchFamily="18" charset="0"/>
-                        <a:cs typeface="Times New Roman" panose="02020603050405020304" pitchFamily="18" charset="0"/>
-                      </a:endParaRPr>
-                    </a:p>
-                  </a:txBody>
-                  <a:tcPr marL="68580" marR="68580" marT="0" marB="0"/>
-                </a:tc>
-                <a:extLst>
-                  <a:ext uri="{0D108BD9-81ED-4DB2-BD59-A6C34878D82A}">
-                    <a16:rowId xmlns:a16="http://schemas.microsoft.com/office/drawing/2014/main" val="2294123911"/>
+                    <a16:rowId xmlns:a16="http://schemas.microsoft.com/office/drawing/2014/main" val="647084801"/>
                   </a:ext>
                 </a:extLst>
               </a:tr>
@@ -6568,7 +6114,7 @@
     </p:spTree>
     <p:extLst>
       <p:ext uri="{BB962C8B-B14F-4D97-AF65-F5344CB8AC3E}">
-        <p14:creationId xmlns:p14="http://schemas.microsoft.com/office/powerpoint/2010/main" val="3267707592"/>
+        <p14:creationId xmlns:p14="http://schemas.microsoft.com/office/powerpoint/2010/main" val="3014582590"/>
       </p:ext>
     </p:extLst>
   </p:cSld>
@@ -6610,7 +6156,11 @@
           <a:bodyPr/>
           <a:lstStyle/>
           <a:p>
-            <a:endParaRPr lang="en-US"/>
+            <a:r>
+              <a:rPr lang="en-US" dirty="0"/>
+              <a:t>Use Case Full Description</a:t>
+            </a:r>
+            <a:endParaRPr lang="en-PH" dirty="0"/>
           </a:p>
         </p:txBody>
       </p:sp>
@@ -6624,14 +6174,14 @@
             <p:ph idx="1"/>
             <p:extLst>
               <p:ext uri="{D42A27DB-BD31-4B8C-83A1-F6EECF244321}">
-                <p14:modId xmlns:p14="http://schemas.microsoft.com/office/powerpoint/2010/main" val="44165955"/>
+                <p14:modId xmlns:p14="http://schemas.microsoft.com/office/powerpoint/2010/main" val="3352415335"/>
               </p:ext>
             </p:extLst>
           </p:nvPr>
         </p:nvGraphicFramePr>
         <p:xfrm>
-          <a:off x="1371600" y="2171698"/>
-          <a:ext cx="9601200" cy="3771901"/>
+          <a:off x="1371600" y="2171700"/>
+          <a:ext cx="9601200" cy="4308612"/>
         </p:xfrm>
         <a:graphic>
           <a:graphicData uri="http://schemas.openxmlformats.org/drawingml/2006/table">
@@ -6640,34 +6190,31 @@
                 <a:tableStyleId>{5C22544A-7EE6-4342-B048-85BDC9FD1C3A}</a:tableStyleId>
               </a:tblPr>
               <a:tblGrid>
-                <a:gridCol w="2026108">
+                <a:gridCol w="1741566">
                   <a:extLst>
                     <a:ext uri="{9D8B030D-6E8A-4147-A177-3AD203B41FA5}">
-                      <a16:colId xmlns:a16="http://schemas.microsoft.com/office/drawing/2014/main" val="2845162040"/>
+                      <a16:colId xmlns:a16="http://schemas.microsoft.com/office/drawing/2014/main" val="3599137875"/>
                     </a:ext>
                   </a:extLst>
                 </a:gridCol>
-                <a:gridCol w="7575092">
+                <a:gridCol w="7859634">
                   <a:extLst>
                     <a:ext uri="{9D8B030D-6E8A-4147-A177-3AD203B41FA5}">
-                      <a16:colId xmlns:a16="http://schemas.microsoft.com/office/drawing/2014/main" val="3070581129"/>
+                      <a16:colId xmlns:a16="http://schemas.microsoft.com/office/drawing/2014/main" val="871392378"/>
                     </a:ext>
                   </a:extLst>
                 </a:gridCol>
               </a:tblGrid>
-              <a:tr h="759526">
+              <a:tr h="1049901">
                 <a:tc>
                   <a:txBody>
                     <a:bodyPr/>
                     <a:lstStyle/>
                     <a:p>
-                      <a:pPr marL="0" marR="0" algn="l">
+                      <a:pPr>
                         <a:lnSpc>
                           <a:spcPct val="107000"/>
                         </a:lnSpc>
-                        <a:spcBef>
-                          <a:spcPts val="0"/>
-                        </a:spcBef>
                         <a:spcAft>
                           <a:spcPts val="0"/>
                         </a:spcAft>
@@ -6676,15 +6223,15 @@
                         </a:tabLst>
                       </a:pPr>
                       <a:r>
-                        <a:rPr lang="en-US" sz="1200">
+                        <a:rPr lang="en-PH" sz="1200">
                           <a:effectLst/>
                         </a:rPr>
                         <a:t>Use Case:	</a:t>
                       </a:r>
-                      <a:endParaRPr lang="en-US" sz="1100">
+                      <a:endParaRPr lang="en-PH" sz="1100">
                         <a:effectLst/>
-                        <a:latin typeface="Constantia" panose="02030602050306030303" pitchFamily="18" charset="0"/>
-                        <a:ea typeface="Constantia" panose="02030602050306030303" pitchFamily="18" charset="0"/>
+                        <a:latin typeface="Calibri" panose="020F0502020204030204" pitchFamily="34" charset="0"/>
+                        <a:ea typeface="Calibri" panose="020F0502020204030204" pitchFamily="34" charset="0"/>
                         <a:cs typeface="Times New Roman" panose="02020603050405020304" pitchFamily="18" charset="0"/>
                       </a:endParaRPr>
                     </a:p>
@@ -6696,27 +6243,24 @@
                     <a:bodyPr/>
                     <a:lstStyle/>
                     <a:p>
-                      <a:pPr marL="0" marR="0" algn="l">
+                      <a:pPr>
                         <a:lnSpc>
                           <a:spcPct val="107000"/>
                         </a:lnSpc>
-                        <a:spcBef>
-                          <a:spcPts val="0"/>
-                        </a:spcBef>
                         <a:spcAft>
                           <a:spcPts val="0"/>
                         </a:spcAft>
                       </a:pPr>
                       <a:r>
-                        <a:rPr lang="en-US" sz="1100">
+                        <a:rPr lang="en-PH" sz="1100">
                           <a:effectLst/>
                         </a:rPr>
                         <a:t>Save to database</a:t>
                       </a:r>
-                      <a:endParaRPr lang="en-US" sz="1100">
+                      <a:endParaRPr lang="en-PH" sz="1100">
                         <a:effectLst/>
-                        <a:latin typeface="Constantia" panose="02030602050306030303" pitchFamily="18" charset="0"/>
-                        <a:ea typeface="Constantia" panose="02030602050306030303" pitchFamily="18" charset="0"/>
+                        <a:latin typeface="Calibri" panose="020F0502020204030204" pitchFamily="34" charset="0"/>
+                        <a:ea typeface="Calibri" panose="020F0502020204030204" pitchFamily="34" charset="0"/>
                         <a:cs typeface="Times New Roman" panose="02020603050405020304" pitchFamily="18" charset="0"/>
                       </a:endParaRPr>
                     </a:p>
@@ -6725,37 +6269,34 @@
                 </a:tc>
                 <a:extLst>
                   <a:ext uri="{0D108BD9-81ED-4DB2-BD59-A6C34878D82A}">
-                    <a16:rowId xmlns:a16="http://schemas.microsoft.com/office/drawing/2014/main" val="2501128029"/>
+                    <a16:rowId xmlns:a16="http://schemas.microsoft.com/office/drawing/2014/main" val="3830125271"/>
                   </a:ext>
                 </a:extLst>
               </a:tr>
-              <a:tr h="244599">
+              <a:tr h="487305">
                 <a:tc>
                   <a:txBody>
                     <a:bodyPr/>
                     <a:lstStyle/>
                     <a:p>
-                      <a:pPr marL="0" marR="0" algn="l">
+                      <a:pPr>
                         <a:lnSpc>
                           <a:spcPct val="107000"/>
                         </a:lnSpc>
-                        <a:spcBef>
-                          <a:spcPts val="0"/>
-                        </a:spcBef>
                         <a:spcAft>
                           <a:spcPts val="0"/>
                         </a:spcAft>
                       </a:pPr>
                       <a:r>
-                        <a:rPr lang="en-US" sz="1200">
+                        <a:rPr lang="en-PH" sz="1200">
                           <a:effectLst/>
                         </a:rPr>
                         <a:t>Actor:</a:t>
                       </a:r>
-                      <a:endParaRPr lang="en-US" sz="1100">
+                      <a:endParaRPr lang="en-PH" sz="1100">
                         <a:effectLst/>
-                        <a:latin typeface="Constantia" panose="02030602050306030303" pitchFamily="18" charset="0"/>
-                        <a:ea typeface="Constantia" panose="02030602050306030303" pitchFamily="18" charset="0"/>
+                        <a:latin typeface="Calibri" panose="020F0502020204030204" pitchFamily="34" charset="0"/>
+                        <a:ea typeface="Calibri" panose="020F0502020204030204" pitchFamily="34" charset="0"/>
                         <a:cs typeface="Times New Roman" panose="02020603050405020304" pitchFamily="18" charset="0"/>
                       </a:endParaRPr>
                     </a:p>
@@ -6767,27 +6308,24 @@
                     <a:bodyPr/>
                     <a:lstStyle/>
                     <a:p>
-                      <a:pPr marL="0" marR="0" algn="l">
+                      <a:pPr>
                         <a:lnSpc>
                           <a:spcPct val="107000"/>
                         </a:lnSpc>
-                        <a:spcBef>
-                          <a:spcPts val="0"/>
-                        </a:spcBef>
                         <a:spcAft>
                           <a:spcPts val="0"/>
                         </a:spcAft>
                       </a:pPr>
                       <a:r>
-                        <a:rPr lang="en-US" sz="1200">
+                        <a:rPr lang="en-PH" sz="1200">
                           <a:effectLst/>
                         </a:rPr>
                         <a:t>System</a:t>
                       </a:r>
-                      <a:endParaRPr lang="en-US" sz="1100">
+                      <a:endParaRPr lang="en-PH" sz="1100">
                         <a:effectLst/>
-                        <a:latin typeface="Constantia" panose="02030602050306030303" pitchFamily="18" charset="0"/>
-                        <a:ea typeface="Constantia" panose="02030602050306030303" pitchFamily="18" charset="0"/>
+                        <a:latin typeface="Calibri" panose="020F0502020204030204" pitchFamily="34" charset="0"/>
+                        <a:ea typeface="Calibri" panose="020F0502020204030204" pitchFamily="34" charset="0"/>
                         <a:cs typeface="Times New Roman" panose="02020603050405020304" pitchFamily="18" charset="0"/>
                       </a:endParaRPr>
                     </a:p>
@@ -6796,37 +6334,34 @@
                 </a:tc>
                 <a:extLst>
                   <a:ext uri="{0D108BD9-81ED-4DB2-BD59-A6C34878D82A}">
-                    <a16:rowId xmlns:a16="http://schemas.microsoft.com/office/drawing/2014/main" val="2696048235"/>
+                    <a16:rowId xmlns:a16="http://schemas.microsoft.com/office/drawing/2014/main" val="2482886802"/>
                   </a:ext>
                 </a:extLst>
               </a:tr>
-              <a:tr h="244599">
+              <a:tr h="460746">
                 <a:tc>
                   <a:txBody>
                     <a:bodyPr/>
                     <a:lstStyle/>
                     <a:p>
-                      <a:pPr marL="0" marR="0" algn="l">
+                      <a:pPr>
                         <a:lnSpc>
                           <a:spcPct val="107000"/>
                         </a:lnSpc>
-                        <a:spcBef>
-                          <a:spcPts val="0"/>
-                        </a:spcBef>
                         <a:spcAft>
                           <a:spcPts val="0"/>
                         </a:spcAft>
                       </a:pPr>
                       <a:r>
-                        <a:rPr lang="en-US" sz="1200">
+                        <a:rPr lang="en-PH" sz="1200">
                           <a:effectLst/>
                         </a:rPr>
                         <a:t>Description:</a:t>
                       </a:r>
-                      <a:endParaRPr lang="en-US" sz="1100">
+                      <a:endParaRPr lang="en-PH" sz="1100">
                         <a:effectLst/>
-                        <a:latin typeface="Constantia" panose="02030602050306030303" pitchFamily="18" charset="0"/>
-                        <a:ea typeface="Constantia" panose="02030602050306030303" pitchFamily="18" charset="0"/>
+                        <a:latin typeface="Calibri" panose="020F0502020204030204" pitchFamily="34" charset="0"/>
+                        <a:ea typeface="Calibri" panose="020F0502020204030204" pitchFamily="34" charset="0"/>
                         <a:cs typeface="Times New Roman" panose="02020603050405020304" pitchFamily="18" charset="0"/>
                       </a:endParaRPr>
                     </a:p>
@@ -6838,27 +6373,24 @@
                     <a:bodyPr/>
                     <a:lstStyle/>
                     <a:p>
-                      <a:pPr marL="0" marR="0" algn="l">
+                      <a:pPr>
                         <a:lnSpc>
                           <a:spcPct val="107000"/>
                         </a:lnSpc>
-                        <a:spcBef>
-                          <a:spcPts val="0"/>
-                        </a:spcBef>
                         <a:spcAft>
                           <a:spcPts val="0"/>
                         </a:spcAft>
                       </a:pPr>
                       <a:r>
-                        <a:rPr lang="en-US" sz="1200">
+                        <a:rPr lang="en-PH" sz="1200">
                           <a:effectLst/>
                         </a:rPr>
-                        <a:t>The system will save the confirmed link to the database.</a:t>
+                        <a:t>The system will save the classified link to the database.</a:t>
                       </a:r>
-                      <a:endParaRPr lang="en-US" sz="1100">
+                      <a:endParaRPr lang="en-PH" sz="1100">
                         <a:effectLst/>
-                        <a:latin typeface="Constantia" panose="02030602050306030303" pitchFamily="18" charset="0"/>
-                        <a:ea typeface="Constantia" panose="02030602050306030303" pitchFamily="18" charset="0"/>
+                        <a:latin typeface="Calibri" panose="020F0502020204030204" pitchFamily="34" charset="0"/>
+                        <a:ea typeface="Calibri" panose="020F0502020204030204" pitchFamily="34" charset="0"/>
                         <a:cs typeface="Times New Roman" panose="02020603050405020304" pitchFamily="18" charset="0"/>
                       </a:endParaRPr>
                     </a:p>
@@ -6867,37 +6399,34 @@
                 </a:tc>
                 <a:extLst>
                   <a:ext uri="{0D108BD9-81ED-4DB2-BD59-A6C34878D82A}">
-                    <a16:rowId xmlns:a16="http://schemas.microsoft.com/office/drawing/2014/main" val="3159635352"/>
+                    <a16:rowId xmlns:a16="http://schemas.microsoft.com/office/drawing/2014/main" val="1938318149"/>
                   </a:ext>
                 </a:extLst>
               </a:tr>
-              <a:tr h="1789380">
+              <a:tr h="694007">
                 <a:tc>
                   <a:txBody>
                     <a:bodyPr/>
                     <a:lstStyle/>
                     <a:p>
-                      <a:pPr marL="0" marR="0" algn="l">
+                      <a:pPr>
                         <a:lnSpc>
                           <a:spcPct val="107000"/>
                         </a:lnSpc>
-                        <a:spcBef>
-                          <a:spcPts val="0"/>
-                        </a:spcBef>
                         <a:spcAft>
                           <a:spcPts val="0"/>
                         </a:spcAft>
                       </a:pPr>
                       <a:r>
-                        <a:rPr lang="en-US" sz="1200">
+                        <a:rPr lang="en-PH" sz="1200">
                           <a:effectLst/>
                         </a:rPr>
                         <a:t>Flow of Events:</a:t>
                       </a:r>
-                      <a:endParaRPr lang="en-US" sz="1100">
+                      <a:endParaRPr lang="en-PH" sz="1100">
                         <a:effectLst/>
-                        <a:latin typeface="Constantia" panose="02030602050306030303" pitchFamily="18" charset="0"/>
-                        <a:ea typeface="Constantia" panose="02030602050306030303" pitchFamily="18" charset="0"/>
+                        <a:latin typeface="Calibri" panose="020F0502020204030204" pitchFamily="34" charset="0"/>
+                        <a:ea typeface="Calibri" panose="020F0502020204030204" pitchFamily="34" charset="0"/>
                         <a:cs typeface="Times New Roman" panose="02020603050405020304" pitchFamily="18" charset="0"/>
                       </a:endParaRPr>
                     </a:p>
@@ -6909,13 +6438,10 @@
                     <a:bodyPr/>
                     <a:lstStyle/>
                     <a:p>
-                      <a:pPr marL="342900" marR="0" lvl="0" indent="-342900" algn="l">
+                      <a:pPr marL="342900" lvl="0" indent="-342900">
                         <a:lnSpc>
                           <a:spcPct val="107000"/>
                         </a:lnSpc>
-                        <a:spcBef>
-                          <a:spcPts val="0"/>
-                        </a:spcBef>
                         <a:spcAft>
                           <a:spcPts val="0"/>
                         </a:spcAft>
@@ -6926,116 +6452,17 @@
                         <a:rPr lang="en-US" sz="1200">
                           <a:effectLst/>
                         </a:rPr>
-                        <a:t> User clicks the link</a:t>
+                        <a:t> The system will save the classified link in database</a:t>
                       </a:r>
-                      <a:endParaRPr lang="en-US" sz="1100">
+                      <a:endParaRPr lang="en-PH" sz="1100">
                         <a:effectLst/>
                       </a:endParaRPr>
                     </a:p>
                     <a:p>
-                      <a:pPr marL="342900" marR="0" lvl="0" indent="-342900" algn="l">
+                      <a:pPr marL="342900" lvl="0" indent="-342900">
                         <a:lnSpc>
                           <a:spcPct val="107000"/>
                         </a:lnSpc>
-                        <a:spcBef>
-                          <a:spcPts val="0"/>
-                        </a:spcBef>
-                        <a:spcAft>
-                          <a:spcPts val="0"/>
-                        </a:spcAft>
-                        <a:buFont typeface="+mj-lt"/>
-                        <a:buAutoNum type="arabicPeriod"/>
-                      </a:pPr>
-                      <a:r>
-                        <a:rPr lang="en-US" sz="1200">
-                          <a:effectLst/>
-                        </a:rPr>
-                        <a:t>The system detected the links. </a:t>
-                      </a:r>
-                      <a:endParaRPr lang="en-US" sz="1100">
-                        <a:effectLst/>
-                      </a:endParaRPr>
-                    </a:p>
-                    <a:p>
-                      <a:pPr marL="342900" marR="0" lvl="0" indent="-342900" algn="l">
-                        <a:lnSpc>
-                          <a:spcPct val="107000"/>
-                        </a:lnSpc>
-                        <a:spcBef>
-                          <a:spcPts val="0"/>
-                        </a:spcBef>
-                        <a:spcAft>
-                          <a:spcPts val="0"/>
-                        </a:spcAft>
-                        <a:buFont typeface="+mj-lt"/>
-                        <a:buAutoNum type="arabicPeriod"/>
-                      </a:pPr>
-                      <a:r>
-                        <a:rPr lang="en-US" sz="1200">
-                          <a:effectLst/>
-                        </a:rPr>
-                        <a:t>The system will now compare the detected links to the list of fake news in database.</a:t>
-                      </a:r>
-                      <a:endParaRPr lang="en-US" sz="1100">
-                        <a:effectLst/>
-                      </a:endParaRPr>
-                    </a:p>
-                    <a:p>
-                      <a:pPr marL="342900" marR="0" lvl="0" indent="-342900" algn="l">
-                        <a:lnSpc>
-                          <a:spcPct val="107000"/>
-                        </a:lnSpc>
-                        <a:spcBef>
-                          <a:spcPts val="0"/>
-                        </a:spcBef>
-                        <a:spcAft>
-                          <a:spcPts val="0"/>
-                        </a:spcAft>
-                        <a:buFont typeface="+mj-lt"/>
-                        <a:buAutoNum type="arabicPeriod"/>
-                      </a:pPr>
-                      <a:r>
-                        <a:rPr lang="en-US" sz="1200">
-                          <a:effectLst/>
-                        </a:rPr>
-                        <a:t>The system confirms the detected links.</a:t>
-                      </a:r>
-                      <a:endParaRPr lang="en-US" sz="1100">
-                        <a:effectLst/>
-                      </a:endParaRPr>
-                    </a:p>
-                    <a:p>
-                      <a:pPr marL="342900" marR="0" lvl="0" indent="-342900" algn="l">
-                        <a:lnSpc>
-                          <a:spcPct val="107000"/>
-                        </a:lnSpc>
-                        <a:spcBef>
-                          <a:spcPts val="0"/>
-                        </a:spcBef>
-                        <a:spcAft>
-                          <a:spcPts val="0"/>
-                        </a:spcAft>
-                        <a:buFont typeface="+mj-lt"/>
-                        <a:buAutoNum type="arabicPeriod"/>
-                      </a:pPr>
-                      <a:r>
-                        <a:rPr lang="en-US" sz="1200">
-                          <a:effectLst/>
-                        </a:rPr>
-                        <a:t>The system will now save the confirmed link to the database.</a:t>
-                      </a:r>
-                      <a:endParaRPr lang="en-US" sz="1100">
-                        <a:effectLst/>
-                      </a:endParaRPr>
-                    </a:p>
-                    <a:p>
-                      <a:pPr marL="342900" marR="0" lvl="0" indent="-342900" algn="l">
-                        <a:lnSpc>
-                          <a:spcPct val="107000"/>
-                        </a:lnSpc>
-                        <a:spcBef>
-                          <a:spcPts val="0"/>
-                        </a:spcBef>
                         <a:spcAft>
                           <a:spcPts val="0"/>
                         </a:spcAft>
@@ -7048,10 +6475,10 @@
                         </a:rPr>
                         <a:t>Use case ends.</a:t>
                       </a:r>
-                      <a:endParaRPr lang="en-US" sz="1100">
+                      <a:endParaRPr lang="en-PH" sz="1100">
                         <a:effectLst/>
-                        <a:latin typeface="Constantia" panose="02030602050306030303" pitchFamily="18" charset="0"/>
-                        <a:ea typeface="Constantia" panose="02030602050306030303" pitchFamily="18" charset="0"/>
+                        <a:latin typeface="Calibri" panose="020F0502020204030204" pitchFamily="34" charset="0"/>
+                        <a:ea typeface="Calibri" panose="020F0502020204030204" pitchFamily="34" charset="0"/>
                         <a:cs typeface="Times New Roman" panose="02020603050405020304" pitchFamily="18" charset="0"/>
                       </a:endParaRPr>
                     </a:p>
@@ -7060,37 +6487,34 @@
                 </a:tc>
                 <a:extLst>
                   <a:ext uri="{0D108BD9-81ED-4DB2-BD59-A6C34878D82A}">
-                    <a16:rowId xmlns:a16="http://schemas.microsoft.com/office/drawing/2014/main" val="1551883383"/>
+                    <a16:rowId xmlns:a16="http://schemas.microsoft.com/office/drawing/2014/main" val="3658830297"/>
                   </a:ext>
                 </a:extLst>
               </a:tr>
-              <a:tr h="244599">
+              <a:tr h="655899">
                 <a:tc>
                   <a:txBody>
                     <a:bodyPr/>
                     <a:lstStyle/>
                     <a:p>
-                      <a:pPr marL="0" marR="0" algn="l">
+                      <a:pPr>
                         <a:lnSpc>
                           <a:spcPct val="107000"/>
                         </a:lnSpc>
-                        <a:spcBef>
-                          <a:spcPts val="0"/>
-                        </a:spcBef>
                         <a:spcAft>
                           <a:spcPts val="0"/>
                         </a:spcAft>
                       </a:pPr>
                       <a:r>
-                        <a:rPr lang="en-US" sz="1200">
+                        <a:rPr lang="en-PH" sz="1200">
                           <a:effectLst/>
                         </a:rPr>
                         <a:t>Pre-Condition:</a:t>
                       </a:r>
-                      <a:endParaRPr lang="en-US" sz="1100">
+                      <a:endParaRPr lang="en-PH" sz="1100">
                         <a:effectLst/>
-                        <a:latin typeface="Constantia" panose="02030602050306030303" pitchFamily="18" charset="0"/>
-                        <a:ea typeface="Constantia" panose="02030602050306030303" pitchFamily="18" charset="0"/>
+                        <a:latin typeface="Calibri" panose="020F0502020204030204" pitchFamily="34" charset="0"/>
+                        <a:ea typeface="Calibri" panose="020F0502020204030204" pitchFamily="34" charset="0"/>
                         <a:cs typeface="Times New Roman" panose="02020603050405020304" pitchFamily="18" charset="0"/>
                       </a:endParaRPr>
                     </a:p>
@@ -7102,27 +6526,24 @@
                     <a:bodyPr/>
                     <a:lstStyle/>
                     <a:p>
-                      <a:pPr marL="0" marR="0" algn="l">
+                      <a:pPr>
                         <a:lnSpc>
                           <a:spcPct val="107000"/>
                         </a:lnSpc>
-                        <a:spcBef>
-                          <a:spcPts val="0"/>
-                        </a:spcBef>
                         <a:spcAft>
                           <a:spcPts val="0"/>
                         </a:spcAft>
                       </a:pPr>
                       <a:r>
-                        <a:rPr lang="en-US" sz="1200">
+                        <a:rPr lang="en-PH" sz="1200">
                           <a:effectLst/>
                         </a:rPr>
-                        <a:t>The system must confirm the link</a:t>
+                        <a:t>The system must classify the link</a:t>
                       </a:r>
-                      <a:endParaRPr lang="en-US" sz="1100">
+                      <a:endParaRPr lang="en-PH" sz="1100">
                         <a:effectLst/>
-                        <a:latin typeface="Constantia" panose="02030602050306030303" pitchFamily="18" charset="0"/>
-                        <a:ea typeface="Constantia" panose="02030602050306030303" pitchFamily="18" charset="0"/>
+                        <a:latin typeface="Calibri" panose="020F0502020204030204" pitchFamily="34" charset="0"/>
+                        <a:ea typeface="Calibri" panose="020F0502020204030204" pitchFamily="34" charset="0"/>
                         <a:cs typeface="Times New Roman" panose="02020603050405020304" pitchFamily="18" charset="0"/>
                       </a:endParaRPr>
                     </a:p>
@@ -7131,37 +6552,34 @@
                 </a:tc>
                 <a:extLst>
                   <a:ext uri="{0D108BD9-81ED-4DB2-BD59-A6C34878D82A}">
-                    <a16:rowId xmlns:a16="http://schemas.microsoft.com/office/drawing/2014/main" val="2671480965"/>
+                    <a16:rowId xmlns:a16="http://schemas.microsoft.com/office/drawing/2014/main" val="1688432607"/>
                   </a:ext>
                 </a:extLst>
               </a:tr>
-              <a:tr h="244599">
+              <a:tr h="960754">
                 <a:tc>
                   <a:txBody>
                     <a:bodyPr/>
                     <a:lstStyle/>
                     <a:p>
-                      <a:pPr marL="0" marR="0" algn="l">
+                      <a:pPr>
                         <a:lnSpc>
                           <a:spcPct val="107000"/>
                         </a:lnSpc>
-                        <a:spcBef>
-                          <a:spcPts val="0"/>
-                        </a:spcBef>
                         <a:spcAft>
                           <a:spcPts val="0"/>
                         </a:spcAft>
                       </a:pPr>
                       <a:r>
-                        <a:rPr lang="en-US" sz="1200">
+                        <a:rPr lang="en-PH" sz="1200">
                           <a:effectLst/>
                         </a:rPr>
                         <a:t>Post-Condition:</a:t>
                       </a:r>
-                      <a:endParaRPr lang="en-US" sz="1100">
+                      <a:endParaRPr lang="en-PH" sz="1100">
                         <a:effectLst/>
-                        <a:latin typeface="Constantia" panose="02030602050306030303" pitchFamily="18" charset="0"/>
-                        <a:ea typeface="Constantia" panose="02030602050306030303" pitchFamily="18" charset="0"/>
+                        <a:latin typeface="Calibri" panose="020F0502020204030204" pitchFamily="34" charset="0"/>
+                        <a:ea typeface="Calibri" panose="020F0502020204030204" pitchFamily="34" charset="0"/>
                         <a:cs typeface="Times New Roman" panose="02020603050405020304" pitchFamily="18" charset="0"/>
                       </a:endParaRPr>
                     </a:p>
@@ -7173,27 +6591,24 @@
                     <a:bodyPr/>
                     <a:lstStyle/>
                     <a:p>
-                      <a:pPr marL="0" marR="0" algn="l">
+                      <a:pPr>
                         <a:lnSpc>
                           <a:spcPct val="107000"/>
                         </a:lnSpc>
-                        <a:spcBef>
-                          <a:spcPts val="0"/>
-                        </a:spcBef>
                         <a:spcAft>
                           <a:spcPts val="0"/>
                         </a:spcAft>
                       </a:pPr>
                       <a:r>
-                        <a:rPr lang="en-US" sz="1200">
+                        <a:rPr lang="en-PH" sz="1200" dirty="0">
                           <a:effectLst/>
                         </a:rPr>
-                        <a:t>The system saves the confirmed link to the database.</a:t>
+                        <a:t>The system saves the classified link to the database.</a:t>
                       </a:r>
-                      <a:endParaRPr lang="en-US" sz="1100">
+                      <a:endParaRPr lang="en-PH" sz="1100" dirty="0">
                         <a:effectLst/>
-                        <a:latin typeface="Constantia" panose="02030602050306030303" pitchFamily="18" charset="0"/>
-                        <a:ea typeface="Constantia" panose="02030602050306030303" pitchFamily="18" charset="0"/>
+                        <a:latin typeface="Calibri" panose="020F0502020204030204" pitchFamily="34" charset="0"/>
+                        <a:ea typeface="Calibri" panose="020F0502020204030204" pitchFamily="34" charset="0"/>
                         <a:cs typeface="Times New Roman" panose="02020603050405020304" pitchFamily="18" charset="0"/>
                       </a:endParaRPr>
                     </a:p>
@@ -7202,78 +6617,7 @@
                 </a:tc>
                 <a:extLst>
                   <a:ext uri="{0D108BD9-81ED-4DB2-BD59-A6C34878D82A}">
-                    <a16:rowId xmlns:a16="http://schemas.microsoft.com/office/drawing/2014/main" val="378483383"/>
-                  </a:ext>
-                </a:extLst>
-              </a:tr>
-              <a:tr h="244599">
-                <a:tc>
-                  <a:txBody>
-                    <a:bodyPr/>
-                    <a:lstStyle/>
-                    <a:p>
-                      <a:pPr marL="0" marR="0" algn="l">
-                        <a:lnSpc>
-                          <a:spcPct val="107000"/>
-                        </a:lnSpc>
-                        <a:spcBef>
-                          <a:spcPts val="0"/>
-                        </a:spcBef>
-                        <a:spcAft>
-                          <a:spcPts val="0"/>
-                        </a:spcAft>
-                      </a:pPr>
-                      <a:r>
-                        <a:rPr lang="en-US" sz="1200">
-                          <a:effectLst/>
-                        </a:rPr>
-                        <a:t> </a:t>
-                      </a:r>
-                      <a:endParaRPr lang="en-US" sz="1100">
-                        <a:effectLst/>
-                        <a:latin typeface="Constantia" panose="02030602050306030303" pitchFamily="18" charset="0"/>
-                        <a:ea typeface="Constantia" panose="02030602050306030303" pitchFamily="18" charset="0"/>
-                        <a:cs typeface="Times New Roman" panose="02020603050405020304" pitchFamily="18" charset="0"/>
-                      </a:endParaRPr>
-                    </a:p>
-                  </a:txBody>
-                  <a:tcPr marL="68580" marR="68580" marT="0" marB="0"/>
-                </a:tc>
-                <a:tc>
-                  <a:txBody>
-                    <a:bodyPr/>
-                    <a:lstStyle/>
-                    <a:p>
-                      <a:pPr marL="0" marR="0" algn="l">
-                        <a:lnSpc>
-                          <a:spcPct val="107000"/>
-                        </a:lnSpc>
-                        <a:spcBef>
-                          <a:spcPts val="0"/>
-                        </a:spcBef>
-                        <a:spcAft>
-                          <a:spcPts val="0"/>
-                        </a:spcAft>
-                      </a:pPr>
-                      <a:r>
-                        <a:rPr lang="en-US" sz="1200" dirty="0">
-                          <a:effectLst/>
-                        </a:rPr>
-                        <a:t> </a:t>
-                      </a:r>
-                      <a:endParaRPr lang="en-US" sz="1100" dirty="0">
-                        <a:effectLst/>
-                        <a:latin typeface="Constantia" panose="02030602050306030303" pitchFamily="18" charset="0"/>
-                        <a:ea typeface="Constantia" panose="02030602050306030303" pitchFamily="18" charset="0"/>
-                        <a:cs typeface="Times New Roman" panose="02020603050405020304" pitchFamily="18" charset="0"/>
-                      </a:endParaRPr>
-                    </a:p>
-                  </a:txBody>
-                  <a:tcPr marL="68580" marR="68580" marT="0" marB="0"/>
-                </a:tc>
-                <a:extLst>
-                  <a:ext uri="{0D108BD9-81ED-4DB2-BD59-A6C34878D82A}">
-                    <a16:rowId xmlns:a16="http://schemas.microsoft.com/office/drawing/2014/main" val="3515123609"/>
+                    <a16:rowId xmlns:a16="http://schemas.microsoft.com/office/drawing/2014/main" val="1407949108"/>
                   </a:ext>
                 </a:extLst>
               </a:tr>
@@ -7284,7 +6628,7 @@
     </p:spTree>
     <p:extLst>
       <p:ext uri="{BB962C8B-B14F-4D97-AF65-F5344CB8AC3E}">
-        <p14:creationId xmlns:p14="http://schemas.microsoft.com/office/powerpoint/2010/main" val="3014582590"/>
+        <p14:creationId xmlns:p14="http://schemas.microsoft.com/office/powerpoint/2010/main" val="2246224569"/>
       </p:ext>
     </p:extLst>
   </p:cSld>
@@ -7327,46 +6671,994 @@
           <a:lstStyle/>
           <a:p>
             <a:r>
-              <a:rPr lang="en-US" dirty="0" smtClean="0"/>
-              <a:t>Activity Diagram</a:t>
-            </a:r>
-            <a:endParaRPr lang="en-US" dirty="0"/>
-          </a:p>
-        </p:txBody>
-      </p:sp>
-      <p:pic>
-        <p:nvPicPr>
-          <p:cNvPr id="4" name="Content Placeholder 3"/>
-          <p:cNvPicPr>
-            <a:picLocks noGrp="1" noChangeAspect="1"/>
-          </p:cNvPicPr>
+              <a:rPr lang="en-US" dirty="0"/>
+              <a:t>Event Table</a:t>
+            </a:r>
+          </a:p>
+        </p:txBody>
+      </p:sp>
+      <p:graphicFrame>
+        <p:nvGraphicFramePr>
+          <p:cNvPr id="5" name="Content Placeholder 4"/>
+          <p:cNvGraphicFramePr>
+            <a:graphicFrameLocks noGrp="1"/>
+          </p:cNvGraphicFramePr>
           <p:nvPr>
             <p:ph idx="1"/>
-          </p:nvPr>
-        </p:nvPicPr>
-        <p:blipFill>
-          <a:blip r:embed="rId2" cstate="print">
-            <a:extLst>
-              <a:ext uri="{28A0092B-C50C-407E-A947-70E740481C1C}">
-                <a14:useLocalDpi xmlns:a14="http://schemas.microsoft.com/office/drawing/2010/main" val="0"/>
-              </a:ext>
-            </a:extLst>
-          </a:blip>
-          <a:stretch>
-            <a:fillRect/>
-          </a:stretch>
-        </p:blipFill>
-        <p:spPr>
-          <a:xfrm>
-            <a:off x="2246813" y="1428750"/>
-            <a:ext cx="7498078" cy="5333446"/>
-          </a:xfrm>
-        </p:spPr>
-      </p:pic>
+            <p:extLst>
+              <p:ext uri="{D42A27DB-BD31-4B8C-83A1-F6EECF244321}">
+                <p14:modId xmlns:p14="http://schemas.microsoft.com/office/powerpoint/2010/main" val="3905457172"/>
+              </p:ext>
+            </p:extLst>
+          </p:nvPr>
+        </p:nvGraphicFramePr>
+        <p:xfrm>
+          <a:off x="1205946" y="1921566"/>
+          <a:ext cx="10349949" cy="4200937"/>
+        </p:xfrm>
+        <a:graphic>
+          <a:graphicData uri="http://schemas.openxmlformats.org/drawingml/2006/table">
+            <a:tbl>
+              <a:tblPr firstRow="1" firstCol="1" bandRow="1">
+                <a:tableStyleId>{5C22544A-7EE6-4342-B048-85BDC9FD1C3A}</a:tableStyleId>
+              </a:tblPr>
+              <a:tblGrid>
+                <a:gridCol w="2159482">
+                  <a:extLst>
+                    <a:ext uri="{9D8B030D-6E8A-4147-A177-3AD203B41FA5}">
+                      <a16:colId xmlns:a16="http://schemas.microsoft.com/office/drawing/2014/main" val="3695488221"/>
+                    </a:ext>
+                  </a:extLst>
+                </a:gridCol>
+                <a:gridCol w="1386694">
+                  <a:extLst>
+                    <a:ext uri="{9D8B030D-6E8A-4147-A177-3AD203B41FA5}">
+                      <a16:colId xmlns:a16="http://schemas.microsoft.com/office/drawing/2014/main" val="3847934268"/>
+                    </a:ext>
+                  </a:extLst>
+                </a:gridCol>
+                <a:gridCol w="1696890">
+                  <a:extLst>
+                    <a:ext uri="{9D8B030D-6E8A-4147-A177-3AD203B41FA5}">
+                      <a16:colId xmlns:a16="http://schemas.microsoft.com/office/drawing/2014/main" val="4251175791"/>
+                    </a:ext>
+                  </a:extLst>
+                </a:gridCol>
+                <a:gridCol w="1689325">
+                  <a:extLst>
+                    <a:ext uri="{9D8B030D-6E8A-4147-A177-3AD203B41FA5}">
+                      <a16:colId xmlns:a16="http://schemas.microsoft.com/office/drawing/2014/main" val="3373542548"/>
+                    </a:ext>
+                  </a:extLst>
+                </a:gridCol>
+                <a:gridCol w="1705537">
+                  <a:extLst>
+                    <a:ext uri="{9D8B030D-6E8A-4147-A177-3AD203B41FA5}">
+                      <a16:colId xmlns:a16="http://schemas.microsoft.com/office/drawing/2014/main" val="1357168245"/>
+                    </a:ext>
+                  </a:extLst>
+                </a:gridCol>
+                <a:gridCol w="1712021">
+                  <a:extLst>
+                    <a:ext uri="{9D8B030D-6E8A-4147-A177-3AD203B41FA5}">
+                      <a16:colId xmlns:a16="http://schemas.microsoft.com/office/drawing/2014/main" val="3236918046"/>
+                    </a:ext>
+                  </a:extLst>
+                </a:gridCol>
+              </a:tblGrid>
+              <a:tr h="285856">
+                <a:tc>
+                  <a:txBody>
+                    <a:bodyPr/>
+                    <a:lstStyle/>
+                    <a:p>
+                      <a:pPr algn="ctr">
+                        <a:lnSpc>
+                          <a:spcPct val="115000"/>
+                        </a:lnSpc>
+                        <a:spcAft>
+                          <a:spcPts val="0"/>
+                        </a:spcAft>
+                      </a:pPr>
+                      <a:r>
+                        <a:rPr lang="en-US" sz="1100">
+                          <a:effectLst/>
+                        </a:rPr>
+                        <a:t>Event</a:t>
+                      </a:r>
+                      <a:endParaRPr lang="en-PH" sz="1100">
+                        <a:effectLst/>
+                        <a:latin typeface="Calibri" panose="020F0502020204030204" pitchFamily="34" charset="0"/>
+                        <a:ea typeface="Calibri" panose="020F0502020204030204" pitchFamily="34" charset="0"/>
+                        <a:cs typeface="Times New Roman" panose="02020603050405020304" pitchFamily="18" charset="0"/>
+                      </a:endParaRPr>
+                    </a:p>
+                  </a:txBody>
+                  <a:tcPr marL="68580" marR="68580" marT="0" marB="0"/>
+                </a:tc>
+                <a:tc>
+                  <a:txBody>
+                    <a:bodyPr/>
+                    <a:lstStyle/>
+                    <a:p>
+                      <a:pPr algn="ctr">
+                        <a:lnSpc>
+                          <a:spcPct val="115000"/>
+                        </a:lnSpc>
+                        <a:spcAft>
+                          <a:spcPts val="0"/>
+                        </a:spcAft>
+                      </a:pPr>
+                      <a:r>
+                        <a:rPr lang="en-US" sz="1100">
+                          <a:effectLst/>
+                        </a:rPr>
+                        <a:t>Trigger</a:t>
+                      </a:r>
+                      <a:endParaRPr lang="en-PH" sz="1100">
+                        <a:effectLst/>
+                        <a:latin typeface="Calibri" panose="020F0502020204030204" pitchFamily="34" charset="0"/>
+                        <a:ea typeface="Calibri" panose="020F0502020204030204" pitchFamily="34" charset="0"/>
+                        <a:cs typeface="Times New Roman" panose="02020603050405020304" pitchFamily="18" charset="0"/>
+                      </a:endParaRPr>
+                    </a:p>
+                  </a:txBody>
+                  <a:tcPr marL="68580" marR="68580" marT="0" marB="0"/>
+                </a:tc>
+                <a:tc>
+                  <a:txBody>
+                    <a:bodyPr/>
+                    <a:lstStyle/>
+                    <a:p>
+                      <a:pPr algn="ctr">
+                        <a:lnSpc>
+                          <a:spcPct val="115000"/>
+                        </a:lnSpc>
+                        <a:spcAft>
+                          <a:spcPts val="0"/>
+                        </a:spcAft>
+                      </a:pPr>
+                      <a:r>
+                        <a:rPr lang="en-US" sz="1100">
+                          <a:effectLst/>
+                        </a:rPr>
+                        <a:t>Source</a:t>
+                      </a:r>
+                      <a:endParaRPr lang="en-PH" sz="1100">
+                        <a:effectLst/>
+                        <a:latin typeface="Calibri" panose="020F0502020204030204" pitchFamily="34" charset="0"/>
+                        <a:ea typeface="Calibri" panose="020F0502020204030204" pitchFamily="34" charset="0"/>
+                        <a:cs typeface="Times New Roman" panose="02020603050405020304" pitchFamily="18" charset="0"/>
+                      </a:endParaRPr>
+                    </a:p>
+                  </a:txBody>
+                  <a:tcPr marL="68580" marR="68580" marT="0" marB="0"/>
+                </a:tc>
+                <a:tc>
+                  <a:txBody>
+                    <a:bodyPr/>
+                    <a:lstStyle/>
+                    <a:p>
+                      <a:pPr algn="ctr">
+                        <a:lnSpc>
+                          <a:spcPct val="115000"/>
+                        </a:lnSpc>
+                        <a:spcAft>
+                          <a:spcPts val="0"/>
+                        </a:spcAft>
+                      </a:pPr>
+                      <a:r>
+                        <a:rPr lang="en-US" sz="1100">
+                          <a:effectLst/>
+                        </a:rPr>
+                        <a:t>Use Case</a:t>
+                      </a:r>
+                      <a:endParaRPr lang="en-PH" sz="1100">
+                        <a:effectLst/>
+                        <a:latin typeface="Calibri" panose="020F0502020204030204" pitchFamily="34" charset="0"/>
+                        <a:ea typeface="Calibri" panose="020F0502020204030204" pitchFamily="34" charset="0"/>
+                        <a:cs typeface="Times New Roman" panose="02020603050405020304" pitchFamily="18" charset="0"/>
+                      </a:endParaRPr>
+                    </a:p>
+                  </a:txBody>
+                  <a:tcPr marL="68580" marR="68580" marT="0" marB="0"/>
+                </a:tc>
+                <a:tc>
+                  <a:txBody>
+                    <a:bodyPr/>
+                    <a:lstStyle/>
+                    <a:p>
+                      <a:pPr algn="ctr">
+                        <a:lnSpc>
+                          <a:spcPct val="115000"/>
+                        </a:lnSpc>
+                        <a:spcAft>
+                          <a:spcPts val="0"/>
+                        </a:spcAft>
+                      </a:pPr>
+                      <a:r>
+                        <a:rPr lang="en-US" sz="1100">
+                          <a:effectLst/>
+                        </a:rPr>
+                        <a:t>Response</a:t>
+                      </a:r>
+                      <a:endParaRPr lang="en-PH" sz="1100">
+                        <a:effectLst/>
+                        <a:latin typeface="Calibri" panose="020F0502020204030204" pitchFamily="34" charset="0"/>
+                        <a:ea typeface="Calibri" panose="020F0502020204030204" pitchFamily="34" charset="0"/>
+                        <a:cs typeface="Times New Roman" panose="02020603050405020304" pitchFamily="18" charset="0"/>
+                      </a:endParaRPr>
+                    </a:p>
+                  </a:txBody>
+                  <a:tcPr marL="68580" marR="68580" marT="0" marB="0"/>
+                </a:tc>
+                <a:tc>
+                  <a:txBody>
+                    <a:bodyPr/>
+                    <a:lstStyle/>
+                    <a:p>
+                      <a:pPr algn="ctr">
+                        <a:lnSpc>
+                          <a:spcPct val="115000"/>
+                        </a:lnSpc>
+                        <a:spcAft>
+                          <a:spcPts val="0"/>
+                        </a:spcAft>
+                      </a:pPr>
+                      <a:r>
+                        <a:rPr lang="en-US" sz="1100">
+                          <a:effectLst/>
+                        </a:rPr>
+                        <a:t>Destination</a:t>
+                      </a:r>
+                      <a:endParaRPr lang="en-PH" sz="1100">
+                        <a:effectLst/>
+                        <a:latin typeface="Calibri" panose="020F0502020204030204" pitchFamily="34" charset="0"/>
+                        <a:ea typeface="Calibri" panose="020F0502020204030204" pitchFamily="34" charset="0"/>
+                        <a:cs typeface="Times New Roman" panose="02020603050405020304" pitchFamily="18" charset="0"/>
+                      </a:endParaRPr>
+                    </a:p>
+                  </a:txBody>
+                  <a:tcPr marL="68580" marR="68580" marT="0" marB="0"/>
+                </a:tc>
+                <a:extLst>
+                  <a:ext uri="{0D108BD9-81ED-4DB2-BD59-A6C34878D82A}">
+                    <a16:rowId xmlns:a16="http://schemas.microsoft.com/office/drawing/2014/main" val="2130627251"/>
+                  </a:ext>
+                </a:extLst>
+              </a:tr>
+              <a:tr h="614560">
+                <a:tc>
+                  <a:txBody>
+                    <a:bodyPr/>
+                    <a:lstStyle/>
+                    <a:p>
+                      <a:pPr>
+                        <a:lnSpc>
+                          <a:spcPct val="115000"/>
+                        </a:lnSpc>
+                        <a:spcAft>
+                          <a:spcPts val="0"/>
+                        </a:spcAft>
+                      </a:pPr>
+                      <a:r>
+                        <a:rPr lang="en-US" sz="1100">
+                          <a:effectLst/>
+                        </a:rPr>
+                        <a:t>User clicks the link</a:t>
+                      </a:r>
+                      <a:endParaRPr lang="en-PH" sz="1100">
+                        <a:effectLst/>
+                        <a:latin typeface="Calibri" panose="020F0502020204030204" pitchFamily="34" charset="0"/>
+                        <a:ea typeface="Calibri" panose="020F0502020204030204" pitchFamily="34" charset="0"/>
+                        <a:cs typeface="Times New Roman" panose="02020603050405020304" pitchFamily="18" charset="0"/>
+                      </a:endParaRPr>
+                    </a:p>
+                  </a:txBody>
+                  <a:tcPr marL="68580" marR="68580" marT="0" marB="0"/>
+                </a:tc>
+                <a:tc>
+                  <a:txBody>
+                    <a:bodyPr/>
+                    <a:lstStyle/>
+                    <a:p>
+                      <a:pPr>
+                        <a:lnSpc>
+                          <a:spcPct val="115000"/>
+                        </a:lnSpc>
+                        <a:spcAft>
+                          <a:spcPts val="0"/>
+                        </a:spcAft>
+                      </a:pPr>
+                      <a:r>
+                        <a:rPr lang="en-US" sz="1100">
+                          <a:effectLst/>
+                        </a:rPr>
+                        <a:t>link was clicked</a:t>
+                      </a:r>
+                      <a:endParaRPr lang="en-PH" sz="1100">
+                        <a:effectLst/>
+                        <a:latin typeface="Calibri" panose="020F0502020204030204" pitchFamily="34" charset="0"/>
+                        <a:ea typeface="Calibri" panose="020F0502020204030204" pitchFamily="34" charset="0"/>
+                        <a:cs typeface="Times New Roman" panose="02020603050405020304" pitchFamily="18" charset="0"/>
+                      </a:endParaRPr>
+                    </a:p>
+                  </a:txBody>
+                  <a:tcPr marL="68580" marR="68580" marT="0" marB="0"/>
+                </a:tc>
+                <a:tc>
+                  <a:txBody>
+                    <a:bodyPr/>
+                    <a:lstStyle/>
+                    <a:p>
+                      <a:pPr>
+                        <a:lnSpc>
+                          <a:spcPct val="115000"/>
+                        </a:lnSpc>
+                        <a:spcAft>
+                          <a:spcPts val="0"/>
+                        </a:spcAft>
+                      </a:pPr>
+                      <a:r>
+                        <a:rPr lang="en-US" sz="1100">
+                          <a:effectLst/>
+                        </a:rPr>
+                        <a:t>User</a:t>
+                      </a:r>
+                      <a:endParaRPr lang="en-PH" sz="1100">
+                        <a:effectLst/>
+                        <a:latin typeface="Calibri" panose="020F0502020204030204" pitchFamily="34" charset="0"/>
+                        <a:ea typeface="Calibri" panose="020F0502020204030204" pitchFamily="34" charset="0"/>
+                        <a:cs typeface="Times New Roman" panose="02020603050405020304" pitchFamily="18" charset="0"/>
+                      </a:endParaRPr>
+                    </a:p>
+                  </a:txBody>
+                  <a:tcPr marL="68580" marR="68580" marT="0" marB="0"/>
+                </a:tc>
+                <a:tc>
+                  <a:txBody>
+                    <a:bodyPr/>
+                    <a:lstStyle/>
+                    <a:p>
+                      <a:pPr>
+                        <a:lnSpc>
+                          <a:spcPct val="115000"/>
+                        </a:lnSpc>
+                        <a:spcAft>
+                          <a:spcPts val="0"/>
+                        </a:spcAft>
+                      </a:pPr>
+                      <a:r>
+                        <a:rPr lang="en-US" sz="1100">
+                          <a:effectLst/>
+                        </a:rPr>
+                        <a:t>Clicks link</a:t>
+                      </a:r>
+                      <a:endParaRPr lang="en-PH" sz="1100">
+                        <a:effectLst/>
+                        <a:latin typeface="Calibri" panose="020F0502020204030204" pitchFamily="34" charset="0"/>
+                        <a:ea typeface="Calibri" panose="020F0502020204030204" pitchFamily="34" charset="0"/>
+                        <a:cs typeface="Times New Roman" panose="02020603050405020304" pitchFamily="18" charset="0"/>
+                      </a:endParaRPr>
+                    </a:p>
+                  </a:txBody>
+                  <a:tcPr marL="68580" marR="68580" marT="0" marB="0"/>
+                </a:tc>
+                <a:tc>
+                  <a:txBody>
+                    <a:bodyPr/>
+                    <a:lstStyle/>
+                    <a:p>
+                      <a:pPr>
+                        <a:lnSpc>
+                          <a:spcPct val="115000"/>
+                        </a:lnSpc>
+                        <a:spcAft>
+                          <a:spcPts val="0"/>
+                        </a:spcAft>
+                      </a:pPr>
+                      <a:r>
+                        <a:rPr lang="en-US" sz="1100">
+                          <a:effectLst/>
+                        </a:rPr>
+                        <a:t>System runs</a:t>
+                      </a:r>
+                      <a:endParaRPr lang="en-PH" sz="1100">
+                        <a:effectLst/>
+                        <a:latin typeface="Calibri" panose="020F0502020204030204" pitchFamily="34" charset="0"/>
+                        <a:ea typeface="Calibri" panose="020F0502020204030204" pitchFamily="34" charset="0"/>
+                        <a:cs typeface="Times New Roman" panose="02020603050405020304" pitchFamily="18" charset="0"/>
+                      </a:endParaRPr>
+                    </a:p>
+                  </a:txBody>
+                  <a:tcPr marL="68580" marR="68580" marT="0" marB="0"/>
+                </a:tc>
+                <a:tc>
+                  <a:txBody>
+                    <a:bodyPr/>
+                    <a:lstStyle/>
+                    <a:p>
+                      <a:pPr>
+                        <a:lnSpc>
+                          <a:spcPct val="115000"/>
+                        </a:lnSpc>
+                        <a:spcAft>
+                          <a:spcPts val="0"/>
+                        </a:spcAft>
+                      </a:pPr>
+                      <a:r>
+                        <a:rPr lang="en-US" sz="1100">
+                          <a:effectLst/>
+                        </a:rPr>
+                        <a:t>System</a:t>
+                      </a:r>
+                      <a:endParaRPr lang="en-PH" sz="1100">
+                        <a:effectLst/>
+                        <a:latin typeface="Calibri" panose="020F0502020204030204" pitchFamily="34" charset="0"/>
+                        <a:ea typeface="Calibri" panose="020F0502020204030204" pitchFamily="34" charset="0"/>
+                        <a:cs typeface="Times New Roman" panose="02020603050405020304" pitchFamily="18" charset="0"/>
+                      </a:endParaRPr>
+                    </a:p>
+                  </a:txBody>
+                  <a:tcPr marL="68580" marR="68580" marT="0" marB="0"/>
+                </a:tc>
+                <a:extLst>
+                  <a:ext uri="{0D108BD9-81ED-4DB2-BD59-A6C34878D82A}">
+                    <a16:rowId xmlns:a16="http://schemas.microsoft.com/office/drawing/2014/main" val="2087561087"/>
+                  </a:ext>
+                </a:extLst>
+              </a:tr>
+              <a:tr h="1507333">
+                <a:tc>
+                  <a:txBody>
+                    <a:bodyPr/>
+                    <a:lstStyle/>
+                    <a:p>
+                      <a:pPr>
+                        <a:lnSpc>
+                          <a:spcPct val="115000"/>
+                        </a:lnSpc>
+                        <a:spcAft>
+                          <a:spcPts val="0"/>
+                        </a:spcAft>
+                      </a:pPr>
+                      <a:r>
+                        <a:rPr lang="en-US" sz="1100">
+                          <a:effectLst/>
+                        </a:rPr>
+                        <a:t>System compares link</a:t>
+                      </a:r>
+                      <a:endParaRPr lang="en-PH" sz="1100">
+                        <a:effectLst/>
+                        <a:latin typeface="Calibri" panose="020F0502020204030204" pitchFamily="34" charset="0"/>
+                        <a:ea typeface="Calibri" panose="020F0502020204030204" pitchFamily="34" charset="0"/>
+                        <a:cs typeface="Times New Roman" panose="02020603050405020304" pitchFamily="18" charset="0"/>
+                      </a:endParaRPr>
+                    </a:p>
+                  </a:txBody>
+                  <a:tcPr marL="68580" marR="68580" marT="0" marB="0"/>
+                </a:tc>
+                <a:tc>
+                  <a:txBody>
+                    <a:bodyPr/>
+                    <a:lstStyle/>
+                    <a:p>
+                      <a:pPr>
+                        <a:lnSpc>
+                          <a:spcPct val="115000"/>
+                        </a:lnSpc>
+                        <a:spcAft>
+                          <a:spcPts val="0"/>
+                        </a:spcAft>
+                      </a:pPr>
+                      <a:r>
+                        <a:rPr lang="en-US" sz="1100">
+                          <a:effectLst/>
+                        </a:rPr>
+                        <a:t>System compares the link</a:t>
+                      </a:r>
+                      <a:endParaRPr lang="en-PH" sz="1100">
+                        <a:effectLst/>
+                        <a:latin typeface="Calibri" panose="020F0502020204030204" pitchFamily="34" charset="0"/>
+                        <a:ea typeface="Calibri" panose="020F0502020204030204" pitchFamily="34" charset="0"/>
+                        <a:cs typeface="Times New Roman" panose="02020603050405020304" pitchFamily="18" charset="0"/>
+                      </a:endParaRPr>
+                    </a:p>
+                  </a:txBody>
+                  <a:tcPr marL="68580" marR="68580" marT="0" marB="0"/>
+                </a:tc>
+                <a:tc>
+                  <a:txBody>
+                    <a:bodyPr/>
+                    <a:lstStyle/>
+                    <a:p>
+                      <a:pPr>
+                        <a:lnSpc>
+                          <a:spcPct val="115000"/>
+                        </a:lnSpc>
+                        <a:spcAft>
+                          <a:spcPts val="0"/>
+                        </a:spcAft>
+                      </a:pPr>
+                      <a:r>
+                        <a:rPr lang="en-US" sz="1100">
+                          <a:effectLst/>
+                        </a:rPr>
+                        <a:t>System </a:t>
+                      </a:r>
+                      <a:endParaRPr lang="en-PH" sz="1100">
+                        <a:effectLst/>
+                        <a:latin typeface="Calibri" panose="020F0502020204030204" pitchFamily="34" charset="0"/>
+                        <a:ea typeface="Calibri" panose="020F0502020204030204" pitchFamily="34" charset="0"/>
+                        <a:cs typeface="Times New Roman" panose="02020603050405020304" pitchFamily="18" charset="0"/>
+                      </a:endParaRPr>
+                    </a:p>
+                  </a:txBody>
+                  <a:tcPr marL="68580" marR="68580" marT="0" marB="0"/>
+                </a:tc>
+                <a:tc>
+                  <a:txBody>
+                    <a:bodyPr/>
+                    <a:lstStyle/>
+                    <a:p>
+                      <a:pPr>
+                        <a:lnSpc>
+                          <a:spcPct val="115000"/>
+                        </a:lnSpc>
+                        <a:spcAft>
+                          <a:spcPts val="0"/>
+                        </a:spcAft>
+                      </a:pPr>
+                      <a:r>
+                        <a:rPr lang="en-US" sz="1100">
+                          <a:effectLst/>
+                        </a:rPr>
+                        <a:t>Compares link</a:t>
+                      </a:r>
+                      <a:endParaRPr lang="en-PH" sz="1100">
+                        <a:effectLst/>
+                        <a:latin typeface="Calibri" panose="020F0502020204030204" pitchFamily="34" charset="0"/>
+                        <a:ea typeface="Calibri" panose="020F0502020204030204" pitchFamily="34" charset="0"/>
+                        <a:cs typeface="Times New Roman" panose="02020603050405020304" pitchFamily="18" charset="0"/>
+                      </a:endParaRPr>
+                    </a:p>
+                  </a:txBody>
+                  <a:tcPr marL="68580" marR="68580" marT="0" marB="0"/>
+                </a:tc>
+                <a:tc>
+                  <a:txBody>
+                    <a:bodyPr/>
+                    <a:lstStyle/>
+                    <a:p>
+                      <a:pPr>
+                        <a:lnSpc>
+                          <a:spcPct val="115000"/>
+                        </a:lnSpc>
+                        <a:spcAft>
+                          <a:spcPts val="0"/>
+                        </a:spcAft>
+                      </a:pPr>
+                      <a:r>
+                        <a:rPr lang="en-US" sz="1100">
+                          <a:effectLst/>
+                        </a:rPr>
+                        <a:t>System compares the link to the list of fake news links</a:t>
+                      </a:r>
+                      <a:endParaRPr lang="en-PH" sz="1100">
+                        <a:effectLst/>
+                        <a:latin typeface="Calibri" panose="020F0502020204030204" pitchFamily="34" charset="0"/>
+                        <a:ea typeface="Calibri" panose="020F0502020204030204" pitchFamily="34" charset="0"/>
+                        <a:cs typeface="Times New Roman" panose="02020603050405020304" pitchFamily="18" charset="0"/>
+                      </a:endParaRPr>
+                    </a:p>
+                  </a:txBody>
+                  <a:tcPr marL="68580" marR="68580" marT="0" marB="0"/>
+                </a:tc>
+                <a:tc>
+                  <a:txBody>
+                    <a:bodyPr/>
+                    <a:lstStyle/>
+                    <a:p>
+                      <a:pPr>
+                        <a:lnSpc>
+                          <a:spcPct val="115000"/>
+                        </a:lnSpc>
+                        <a:spcAft>
+                          <a:spcPts val="0"/>
+                        </a:spcAft>
+                      </a:pPr>
+                      <a:r>
+                        <a:rPr lang="en-US" sz="1100" dirty="0">
+                          <a:effectLst/>
+                        </a:rPr>
+                        <a:t>System</a:t>
+                      </a:r>
+                      <a:endParaRPr lang="en-PH" sz="1100" dirty="0">
+                        <a:effectLst/>
+                        <a:latin typeface="Calibri" panose="020F0502020204030204" pitchFamily="34" charset="0"/>
+                        <a:ea typeface="Calibri" panose="020F0502020204030204" pitchFamily="34" charset="0"/>
+                        <a:cs typeface="Times New Roman" panose="02020603050405020304" pitchFamily="18" charset="0"/>
+                      </a:endParaRPr>
+                    </a:p>
+                  </a:txBody>
+                  <a:tcPr marL="68580" marR="68580" marT="0" marB="0"/>
+                </a:tc>
+                <a:extLst>
+                  <a:ext uri="{0D108BD9-81ED-4DB2-BD59-A6C34878D82A}">
+                    <a16:rowId xmlns:a16="http://schemas.microsoft.com/office/drawing/2014/main" val="3289574299"/>
+                  </a:ext>
+                </a:extLst>
+              </a:tr>
+              <a:tr h="896594">
+                <a:tc>
+                  <a:txBody>
+                    <a:bodyPr/>
+                    <a:lstStyle/>
+                    <a:p>
+                      <a:pPr>
+                        <a:lnSpc>
+                          <a:spcPct val="115000"/>
+                        </a:lnSpc>
+                        <a:spcAft>
+                          <a:spcPts val="0"/>
+                        </a:spcAft>
+                      </a:pPr>
+                      <a:r>
+                        <a:rPr lang="en-US" sz="1100">
+                          <a:effectLst/>
+                        </a:rPr>
+                        <a:t>System classifies the link</a:t>
+                      </a:r>
+                      <a:endParaRPr lang="en-PH" sz="1100">
+                        <a:effectLst/>
+                        <a:latin typeface="Calibri" panose="020F0502020204030204" pitchFamily="34" charset="0"/>
+                        <a:ea typeface="Calibri" panose="020F0502020204030204" pitchFamily="34" charset="0"/>
+                        <a:cs typeface="Times New Roman" panose="02020603050405020304" pitchFamily="18" charset="0"/>
+                      </a:endParaRPr>
+                    </a:p>
+                  </a:txBody>
+                  <a:tcPr marL="68580" marR="68580" marT="0" marB="0"/>
+                </a:tc>
+                <a:tc>
+                  <a:txBody>
+                    <a:bodyPr/>
+                    <a:lstStyle/>
+                    <a:p>
+                      <a:pPr>
+                        <a:lnSpc>
+                          <a:spcPct val="115000"/>
+                        </a:lnSpc>
+                        <a:spcAft>
+                          <a:spcPts val="0"/>
+                        </a:spcAft>
+                      </a:pPr>
+                      <a:r>
+                        <a:rPr lang="en-US" sz="1100">
+                          <a:effectLst/>
+                        </a:rPr>
+                        <a:t>System classifies the link</a:t>
+                      </a:r>
+                      <a:endParaRPr lang="en-PH" sz="1100">
+                        <a:effectLst/>
+                        <a:latin typeface="Calibri" panose="020F0502020204030204" pitchFamily="34" charset="0"/>
+                        <a:ea typeface="Calibri" panose="020F0502020204030204" pitchFamily="34" charset="0"/>
+                        <a:cs typeface="Times New Roman" panose="02020603050405020304" pitchFamily="18" charset="0"/>
+                      </a:endParaRPr>
+                    </a:p>
+                  </a:txBody>
+                  <a:tcPr marL="68580" marR="68580" marT="0" marB="0"/>
+                </a:tc>
+                <a:tc>
+                  <a:txBody>
+                    <a:bodyPr/>
+                    <a:lstStyle/>
+                    <a:p>
+                      <a:pPr>
+                        <a:lnSpc>
+                          <a:spcPct val="115000"/>
+                        </a:lnSpc>
+                        <a:spcAft>
+                          <a:spcPts val="0"/>
+                        </a:spcAft>
+                      </a:pPr>
+                      <a:r>
+                        <a:rPr lang="en-US" sz="1100">
+                          <a:effectLst/>
+                        </a:rPr>
+                        <a:t>System</a:t>
+                      </a:r>
+                      <a:endParaRPr lang="en-PH" sz="1100">
+                        <a:effectLst/>
+                        <a:latin typeface="Calibri" panose="020F0502020204030204" pitchFamily="34" charset="0"/>
+                        <a:ea typeface="Calibri" panose="020F0502020204030204" pitchFamily="34" charset="0"/>
+                        <a:cs typeface="Times New Roman" panose="02020603050405020304" pitchFamily="18" charset="0"/>
+                      </a:endParaRPr>
+                    </a:p>
+                  </a:txBody>
+                  <a:tcPr marL="68580" marR="68580" marT="0" marB="0"/>
+                </a:tc>
+                <a:tc>
+                  <a:txBody>
+                    <a:bodyPr/>
+                    <a:lstStyle/>
+                    <a:p>
+                      <a:pPr>
+                        <a:lnSpc>
+                          <a:spcPct val="115000"/>
+                        </a:lnSpc>
+                        <a:spcAft>
+                          <a:spcPts val="0"/>
+                        </a:spcAft>
+                      </a:pPr>
+                      <a:r>
+                        <a:rPr lang="en-US" sz="1100">
+                          <a:effectLst/>
+                        </a:rPr>
+                        <a:t>Classifies link</a:t>
+                      </a:r>
+                      <a:endParaRPr lang="en-PH" sz="1100">
+                        <a:effectLst/>
+                        <a:latin typeface="Calibri" panose="020F0502020204030204" pitchFamily="34" charset="0"/>
+                        <a:ea typeface="Calibri" panose="020F0502020204030204" pitchFamily="34" charset="0"/>
+                        <a:cs typeface="Times New Roman" panose="02020603050405020304" pitchFamily="18" charset="0"/>
+                      </a:endParaRPr>
+                    </a:p>
+                  </a:txBody>
+                  <a:tcPr marL="68580" marR="68580" marT="0" marB="0"/>
+                </a:tc>
+                <a:tc>
+                  <a:txBody>
+                    <a:bodyPr/>
+                    <a:lstStyle/>
+                    <a:p>
+                      <a:pPr>
+                        <a:lnSpc>
+                          <a:spcPct val="115000"/>
+                        </a:lnSpc>
+                        <a:spcAft>
+                          <a:spcPts val="0"/>
+                        </a:spcAft>
+                      </a:pPr>
+                      <a:r>
+                        <a:rPr lang="en-US" sz="1100">
+                          <a:effectLst/>
+                        </a:rPr>
+                        <a:t>System classifies the link</a:t>
+                      </a:r>
+                      <a:endParaRPr lang="en-PH" sz="1100">
+                        <a:effectLst/>
+                        <a:latin typeface="Calibri" panose="020F0502020204030204" pitchFamily="34" charset="0"/>
+                        <a:ea typeface="Calibri" panose="020F0502020204030204" pitchFamily="34" charset="0"/>
+                        <a:cs typeface="Times New Roman" panose="02020603050405020304" pitchFamily="18" charset="0"/>
+                      </a:endParaRPr>
+                    </a:p>
+                  </a:txBody>
+                  <a:tcPr marL="68580" marR="68580" marT="0" marB="0"/>
+                </a:tc>
+                <a:tc>
+                  <a:txBody>
+                    <a:bodyPr/>
+                    <a:lstStyle/>
+                    <a:p>
+                      <a:pPr>
+                        <a:lnSpc>
+                          <a:spcPct val="115000"/>
+                        </a:lnSpc>
+                        <a:spcAft>
+                          <a:spcPts val="0"/>
+                        </a:spcAft>
+                      </a:pPr>
+                      <a:r>
+                        <a:rPr lang="en-US" sz="1100">
+                          <a:effectLst/>
+                        </a:rPr>
+                        <a:t>System</a:t>
+                      </a:r>
+                      <a:endParaRPr lang="en-PH" sz="1100">
+                        <a:effectLst/>
+                        <a:latin typeface="Calibri" panose="020F0502020204030204" pitchFamily="34" charset="0"/>
+                        <a:ea typeface="Calibri" panose="020F0502020204030204" pitchFamily="34" charset="0"/>
+                        <a:cs typeface="Times New Roman" panose="02020603050405020304" pitchFamily="18" charset="0"/>
+                      </a:endParaRPr>
+                    </a:p>
+                  </a:txBody>
+                  <a:tcPr marL="68580" marR="68580" marT="0" marB="0"/>
+                </a:tc>
+                <a:extLst>
+                  <a:ext uri="{0D108BD9-81ED-4DB2-BD59-A6C34878D82A}">
+                    <a16:rowId xmlns:a16="http://schemas.microsoft.com/office/drawing/2014/main" val="1862533336"/>
+                  </a:ext>
+                </a:extLst>
+              </a:tr>
+              <a:tr h="896594">
+                <a:tc>
+                  <a:txBody>
+                    <a:bodyPr/>
+                    <a:lstStyle/>
+                    <a:p>
+                      <a:pPr>
+                        <a:lnSpc>
+                          <a:spcPct val="115000"/>
+                        </a:lnSpc>
+                        <a:spcAft>
+                          <a:spcPts val="0"/>
+                        </a:spcAft>
+                      </a:pPr>
+                      <a:r>
+                        <a:rPr lang="en-US" sz="1100">
+                          <a:effectLst/>
+                        </a:rPr>
+                        <a:t>System saves to database</a:t>
+                      </a:r>
+                      <a:endParaRPr lang="en-PH" sz="1100">
+                        <a:effectLst/>
+                        <a:latin typeface="Calibri" panose="020F0502020204030204" pitchFamily="34" charset="0"/>
+                        <a:ea typeface="Calibri" panose="020F0502020204030204" pitchFamily="34" charset="0"/>
+                        <a:cs typeface="Times New Roman" panose="02020603050405020304" pitchFamily="18" charset="0"/>
+                      </a:endParaRPr>
+                    </a:p>
+                  </a:txBody>
+                  <a:tcPr marL="68580" marR="68580" marT="0" marB="0"/>
+                </a:tc>
+                <a:tc>
+                  <a:txBody>
+                    <a:bodyPr/>
+                    <a:lstStyle/>
+                    <a:p>
+                      <a:pPr>
+                        <a:lnSpc>
+                          <a:spcPct val="115000"/>
+                        </a:lnSpc>
+                        <a:spcAft>
+                          <a:spcPts val="0"/>
+                        </a:spcAft>
+                      </a:pPr>
+                      <a:r>
+                        <a:rPr lang="en-US" sz="1100">
+                          <a:effectLst/>
+                        </a:rPr>
+                        <a:t>System saves to database</a:t>
+                      </a:r>
+                      <a:endParaRPr lang="en-PH" sz="1100">
+                        <a:effectLst/>
+                        <a:latin typeface="Calibri" panose="020F0502020204030204" pitchFamily="34" charset="0"/>
+                        <a:ea typeface="Calibri" panose="020F0502020204030204" pitchFamily="34" charset="0"/>
+                        <a:cs typeface="Times New Roman" panose="02020603050405020304" pitchFamily="18" charset="0"/>
+                      </a:endParaRPr>
+                    </a:p>
+                  </a:txBody>
+                  <a:tcPr marL="68580" marR="68580" marT="0" marB="0"/>
+                </a:tc>
+                <a:tc>
+                  <a:txBody>
+                    <a:bodyPr/>
+                    <a:lstStyle/>
+                    <a:p>
+                      <a:pPr>
+                        <a:lnSpc>
+                          <a:spcPct val="115000"/>
+                        </a:lnSpc>
+                        <a:spcAft>
+                          <a:spcPts val="0"/>
+                        </a:spcAft>
+                      </a:pPr>
+                      <a:r>
+                        <a:rPr lang="en-US" sz="1100">
+                          <a:effectLst/>
+                        </a:rPr>
+                        <a:t>System</a:t>
+                      </a:r>
+                      <a:endParaRPr lang="en-PH" sz="1100">
+                        <a:effectLst/>
+                        <a:latin typeface="Calibri" panose="020F0502020204030204" pitchFamily="34" charset="0"/>
+                        <a:ea typeface="Calibri" panose="020F0502020204030204" pitchFamily="34" charset="0"/>
+                        <a:cs typeface="Times New Roman" panose="02020603050405020304" pitchFamily="18" charset="0"/>
+                      </a:endParaRPr>
+                    </a:p>
+                  </a:txBody>
+                  <a:tcPr marL="68580" marR="68580" marT="0" marB="0"/>
+                </a:tc>
+                <a:tc>
+                  <a:txBody>
+                    <a:bodyPr/>
+                    <a:lstStyle/>
+                    <a:p>
+                      <a:pPr>
+                        <a:lnSpc>
+                          <a:spcPct val="115000"/>
+                        </a:lnSpc>
+                        <a:spcAft>
+                          <a:spcPts val="0"/>
+                        </a:spcAft>
+                      </a:pPr>
+                      <a:r>
+                        <a:rPr lang="en-US" sz="1100">
+                          <a:effectLst/>
+                        </a:rPr>
+                        <a:t>Saves to database</a:t>
+                      </a:r>
+                      <a:endParaRPr lang="en-PH" sz="1100">
+                        <a:effectLst/>
+                        <a:latin typeface="Calibri" panose="020F0502020204030204" pitchFamily="34" charset="0"/>
+                        <a:ea typeface="Calibri" panose="020F0502020204030204" pitchFamily="34" charset="0"/>
+                        <a:cs typeface="Times New Roman" panose="02020603050405020304" pitchFamily="18" charset="0"/>
+                      </a:endParaRPr>
+                    </a:p>
+                  </a:txBody>
+                  <a:tcPr marL="68580" marR="68580" marT="0" marB="0"/>
+                </a:tc>
+                <a:tc>
+                  <a:txBody>
+                    <a:bodyPr/>
+                    <a:lstStyle/>
+                    <a:p>
+                      <a:pPr>
+                        <a:lnSpc>
+                          <a:spcPct val="115000"/>
+                        </a:lnSpc>
+                        <a:spcAft>
+                          <a:spcPts val="0"/>
+                        </a:spcAft>
+                      </a:pPr>
+                      <a:r>
+                        <a:rPr lang="en-US" sz="1100">
+                          <a:effectLst/>
+                        </a:rPr>
+                        <a:t>The classified link is saved to database</a:t>
+                      </a:r>
+                      <a:endParaRPr lang="en-PH" sz="1100">
+                        <a:effectLst/>
+                        <a:latin typeface="Calibri" panose="020F0502020204030204" pitchFamily="34" charset="0"/>
+                        <a:ea typeface="Calibri" panose="020F0502020204030204" pitchFamily="34" charset="0"/>
+                        <a:cs typeface="Times New Roman" panose="02020603050405020304" pitchFamily="18" charset="0"/>
+                      </a:endParaRPr>
+                    </a:p>
+                  </a:txBody>
+                  <a:tcPr marL="68580" marR="68580" marT="0" marB="0"/>
+                </a:tc>
+                <a:tc>
+                  <a:txBody>
+                    <a:bodyPr/>
+                    <a:lstStyle/>
+                    <a:p>
+                      <a:pPr>
+                        <a:lnSpc>
+                          <a:spcPct val="115000"/>
+                        </a:lnSpc>
+                        <a:spcAft>
+                          <a:spcPts val="0"/>
+                        </a:spcAft>
+                      </a:pPr>
+                      <a:r>
+                        <a:rPr lang="en-US" sz="1100" dirty="0">
+                          <a:effectLst/>
+                        </a:rPr>
+                        <a:t>Database</a:t>
+                      </a:r>
+                      <a:endParaRPr lang="en-PH" sz="1100" dirty="0">
+                        <a:effectLst/>
+                        <a:latin typeface="Calibri" panose="020F0502020204030204" pitchFamily="34" charset="0"/>
+                        <a:ea typeface="Calibri" panose="020F0502020204030204" pitchFamily="34" charset="0"/>
+                        <a:cs typeface="Times New Roman" panose="02020603050405020304" pitchFamily="18" charset="0"/>
+                      </a:endParaRPr>
+                    </a:p>
+                  </a:txBody>
+                  <a:tcPr marL="68580" marR="68580" marT="0" marB="0"/>
+                </a:tc>
+                <a:extLst>
+                  <a:ext uri="{0D108BD9-81ED-4DB2-BD59-A6C34878D82A}">
+                    <a16:rowId xmlns:a16="http://schemas.microsoft.com/office/drawing/2014/main" val="812595562"/>
+                  </a:ext>
+                </a:extLst>
+              </a:tr>
+            </a:tbl>
+          </a:graphicData>
+        </a:graphic>
+      </p:graphicFrame>
     </p:spTree>
     <p:extLst>
       <p:ext uri="{BB962C8B-B14F-4D97-AF65-F5344CB8AC3E}">
-        <p14:creationId xmlns:p14="http://schemas.microsoft.com/office/powerpoint/2010/main" val="4076835596"/>
+        <p14:creationId xmlns:p14="http://schemas.microsoft.com/office/powerpoint/2010/main" val="218513879"/>
       </p:ext>
     </p:extLst>
   </p:cSld>
@@ -7409,10 +7701,9 @@
           <a:lstStyle/>
           <a:p>
             <a:r>
-              <a:rPr lang="en-US" dirty="0" smtClean="0"/>
+              <a:rPr lang="en-US" dirty="0"/>
               <a:t>Our Project</a:t>
             </a:r>
-            <a:endParaRPr lang="en-US" dirty="0"/>
           </a:p>
         </p:txBody>
       </p:sp>
@@ -7433,30 +7724,9 @@
           <a:p>
             <a:pPr algn="just"/>
             <a:r>
-              <a:rPr lang="en-US" dirty="0" smtClean="0"/>
-              <a:t>In </a:t>
-            </a:r>
-            <a:r>
               <a:rPr lang="en-US" dirty="0"/>
-              <a:t>this </a:t>
-            </a:r>
-            <a:r>
-              <a:rPr lang="en-US" dirty="0" smtClean="0"/>
-              <a:t>project we will </a:t>
-            </a:r>
-            <a:r>
-              <a:rPr lang="en-US" dirty="0"/>
-              <a:t>create a model that identifies if a link posted on Facebook leads to an article that is fake or not. </a:t>
-            </a:r>
-            <a:r>
-              <a:rPr lang="en-US" dirty="0" smtClean="0"/>
-              <a:t>We will </a:t>
-            </a:r>
-            <a:r>
-              <a:rPr lang="en-US" dirty="0"/>
-              <a:t>use SVM algorithm for classifying the link and it will be implemented through a web extension that will only run on Facebook. </a:t>
-            </a:r>
-            <a:endParaRPr lang="en-US" dirty="0"/>
+              <a:t>In this project we will create a model that identifies if a link posted on Facebook leads to an article that is fake or not. We will use SVM algorithm for classifying the link and it will be implemented through a web extension that will only run on Facebook. </a:t>
+            </a:r>
           </a:p>
         </p:txBody>
       </p:sp>
@@ -7500,27 +7770,21 @@
             <p:ph type="title"/>
           </p:nvPr>
         </p:nvSpPr>
-        <p:spPr>
-          <a:xfrm>
-            <a:off x="666206" y="-62084"/>
-            <a:ext cx="9601200" cy="1485900"/>
-          </a:xfrm>
-        </p:spPr>
+        <p:spPr/>
         <p:txBody>
           <a:bodyPr/>
           <a:lstStyle/>
           <a:p>
             <a:r>
-              <a:rPr lang="en-US" dirty="0" smtClean="0"/>
-              <a:t>Sequence Diagram</a:t>
-            </a:r>
-            <a:endParaRPr lang="en-US" dirty="0"/>
+              <a:rPr lang="en-US" dirty="0"/>
+              <a:t>Activity Diagram</a:t>
+            </a:r>
           </a:p>
         </p:txBody>
       </p:sp>
       <p:pic>
         <p:nvPicPr>
-          <p:cNvPr id="4" name="Content Placeholder 3"/>
+          <p:cNvPr id="6" name="Content Placeholder 5"/>
           <p:cNvPicPr>
             <a:picLocks noGrp="1" noChangeAspect="1"/>
           </p:cNvPicPr>
@@ -7529,7 +7793,7 @@
           </p:nvPr>
         </p:nvPicPr>
         <p:blipFill>
-          <a:blip r:embed="rId2" cstate="print">
+          <a:blip r:embed="rId2">
             <a:extLst>
               <a:ext uri="{28A0092B-C50C-407E-A947-70E740481C1C}">
                 <a14:useLocalDpi xmlns:a14="http://schemas.microsoft.com/office/drawing/2010/main" val="0"/>
@@ -7542,15 +7806,15 @@
         </p:blipFill>
         <p:spPr>
           <a:xfrm>
-            <a:off x="3461657" y="577996"/>
-            <a:ext cx="5081041" cy="6138490"/>
+            <a:off x="1593166" y="1428750"/>
+            <a:ext cx="9158068" cy="5181600"/>
           </a:xfrm>
         </p:spPr>
       </p:pic>
     </p:spTree>
     <p:extLst>
       <p:ext uri="{BB962C8B-B14F-4D97-AF65-F5344CB8AC3E}">
-        <p14:creationId xmlns:p14="http://schemas.microsoft.com/office/powerpoint/2010/main" val="3647324103"/>
+        <p14:creationId xmlns:p14="http://schemas.microsoft.com/office/powerpoint/2010/main" val="4076835596"/>
       </p:ext>
     </p:extLst>
   </p:cSld>
@@ -7587,22 +7851,26 @@
             <p:ph type="title"/>
           </p:nvPr>
         </p:nvSpPr>
-        <p:spPr/>
+        <p:spPr>
+          <a:xfrm>
+            <a:off x="666206" y="-62084"/>
+            <a:ext cx="9601200" cy="1485900"/>
+          </a:xfrm>
+        </p:spPr>
         <p:txBody>
           <a:bodyPr/>
           <a:lstStyle/>
           <a:p>
             <a:r>
-              <a:rPr lang="en-US" dirty="0" smtClean="0"/>
-              <a:t>State Diagram</a:t>
-            </a:r>
-            <a:endParaRPr lang="en-US" dirty="0"/>
+              <a:rPr lang="en-US" dirty="0"/>
+              <a:t>Sequence Diagram</a:t>
+            </a:r>
           </a:p>
         </p:txBody>
       </p:sp>
       <p:pic>
         <p:nvPicPr>
-          <p:cNvPr id="4" name="Content Placeholder 3"/>
+          <p:cNvPr id="6" name="Content Placeholder 5"/>
           <p:cNvPicPr>
             <a:picLocks noGrp="1" noChangeAspect="1"/>
           </p:cNvPicPr>
@@ -7624,15 +7892,15 @@
         </p:blipFill>
         <p:spPr>
           <a:xfrm>
-            <a:off x="2508068" y="3282392"/>
-            <a:ext cx="7009447" cy="2838237"/>
+            <a:off x="1889964" y="680866"/>
+            <a:ext cx="8592505" cy="6045704"/>
           </a:xfrm>
         </p:spPr>
       </p:pic>
     </p:spTree>
     <p:extLst>
       <p:ext uri="{BB962C8B-B14F-4D97-AF65-F5344CB8AC3E}">
-        <p14:creationId xmlns:p14="http://schemas.microsoft.com/office/powerpoint/2010/main" val="1294212610"/>
+        <p14:creationId xmlns:p14="http://schemas.microsoft.com/office/powerpoint/2010/main" val="3647324103"/>
       </p:ext>
     </p:extLst>
   </p:cSld>
@@ -7675,16 +7943,15 @@
           <a:lstStyle/>
           <a:p>
             <a:r>
-              <a:rPr lang="en-US" dirty="0" smtClean="0"/>
-              <a:t>Timing Diagram</a:t>
-            </a:r>
-            <a:endParaRPr lang="en-US" dirty="0"/>
+              <a:rPr lang="en-US" dirty="0"/>
+              <a:t>State Diagram</a:t>
+            </a:r>
           </a:p>
         </p:txBody>
       </p:sp>
       <p:pic>
         <p:nvPicPr>
-          <p:cNvPr id="4" name="Content Placeholder 3"/>
+          <p:cNvPr id="6" name="Content Placeholder 5"/>
           <p:cNvPicPr>
             <a:picLocks noGrp="1" noChangeAspect="1"/>
           </p:cNvPicPr>
@@ -7706,15 +7973,15 @@
         </p:blipFill>
         <p:spPr>
           <a:xfrm>
-            <a:off x="2477044" y="2631248"/>
-            <a:ext cx="7390311" cy="2893796"/>
+            <a:off x="2089102" y="2279375"/>
+            <a:ext cx="8166195" cy="3309606"/>
           </a:xfrm>
         </p:spPr>
       </p:pic>
     </p:spTree>
     <p:extLst>
       <p:ext uri="{BB962C8B-B14F-4D97-AF65-F5344CB8AC3E}">
-        <p14:creationId xmlns:p14="http://schemas.microsoft.com/office/powerpoint/2010/main" val="3786345592"/>
+        <p14:creationId xmlns:p14="http://schemas.microsoft.com/office/powerpoint/2010/main" val="1294212610"/>
       </p:ext>
     </p:extLst>
   </p:cSld>
@@ -7757,1085 +8024,45 @@
           <a:lstStyle/>
           <a:p>
             <a:r>
-              <a:rPr lang="en-US" dirty="0" smtClean="0"/>
-              <a:t>Event Table</a:t>
-            </a:r>
-            <a:endParaRPr lang="en-US" dirty="0"/>
-          </a:p>
-        </p:txBody>
-      </p:sp>
-      <p:graphicFrame>
-        <p:nvGraphicFramePr>
-          <p:cNvPr id="4" name="Content Placeholder 3"/>
-          <p:cNvGraphicFramePr>
-            <a:graphicFrameLocks noGrp="1"/>
-          </p:cNvGraphicFramePr>
+              <a:rPr lang="en-US" dirty="0"/>
+              <a:t>Timing Diagram</a:t>
+            </a:r>
+          </a:p>
+        </p:txBody>
+      </p:sp>
+      <p:pic>
+        <p:nvPicPr>
+          <p:cNvPr id="6" name="Content Placeholder 5"/>
+          <p:cNvPicPr>
+            <a:picLocks noGrp="1" noChangeAspect="1"/>
+          </p:cNvPicPr>
           <p:nvPr>
             <p:ph idx="1"/>
-            <p:extLst>
-              <p:ext uri="{D42A27DB-BD31-4B8C-83A1-F6EECF244321}">
-                <p14:modId xmlns:p14="http://schemas.microsoft.com/office/powerpoint/2010/main" val="700935683"/>
-              </p:ext>
-            </p:extLst>
-          </p:nvPr>
-        </p:nvGraphicFramePr>
-        <p:xfrm>
-          <a:off x="1371601" y="2171698"/>
-          <a:ext cx="9601200" cy="4020095"/>
-        </p:xfrm>
-        <a:graphic>
-          <a:graphicData uri="http://schemas.openxmlformats.org/drawingml/2006/table">
-            <a:tbl>
-              <a:tblPr firstRow="1" firstCol="1" bandRow="1">
-                <a:tableStyleId>{5C22544A-7EE6-4342-B048-85BDC9FD1C3A}</a:tableStyleId>
-              </a:tblPr>
-              <a:tblGrid>
-                <a:gridCol w="2003258">
-                  <a:extLst>
-                    <a:ext uri="{9D8B030D-6E8A-4147-A177-3AD203B41FA5}">
-                      <a16:colId xmlns:a16="http://schemas.microsoft.com/office/drawing/2014/main" val="518146794"/>
-                    </a:ext>
-                  </a:extLst>
-                </a:gridCol>
-                <a:gridCol w="1286377">
-                  <a:extLst>
-                    <a:ext uri="{9D8B030D-6E8A-4147-A177-3AD203B41FA5}">
-                      <a16:colId xmlns:a16="http://schemas.microsoft.com/office/drawing/2014/main" val="678386449"/>
-                    </a:ext>
-                  </a:extLst>
-                </a:gridCol>
-                <a:gridCol w="1574132">
-                  <a:extLst>
-                    <a:ext uri="{9D8B030D-6E8A-4147-A177-3AD203B41FA5}">
-                      <a16:colId xmlns:a16="http://schemas.microsoft.com/office/drawing/2014/main" val="817802151"/>
-                    </a:ext>
-                  </a:extLst>
-                </a:gridCol>
-                <a:gridCol w="1567113">
-                  <a:extLst>
-                    <a:ext uri="{9D8B030D-6E8A-4147-A177-3AD203B41FA5}">
-                      <a16:colId xmlns:a16="http://schemas.microsoft.com/office/drawing/2014/main" val="3179993775"/>
-                    </a:ext>
-                  </a:extLst>
-                </a:gridCol>
-                <a:gridCol w="1582152">
-                  <a:extLst>
-                    <a:ext uri="{9D8B030D-6E8A-4147-A177-3AD203B41FA5}">
-                      <a16:colId xmlns:a16="http://schemas.microsoft.com/office/drawing/2014/main" val="1959331596"/>
-                    </a:ext>
-                  </a:extLst>
-                </a:gridCol>
-                <a:gridCol w="1588168">
-                  <a:extLst>
-                    <a:ext uri="{9D8B030D-6E8A-4147-A177-3AD203B41FA5}">
-                      <a16:colId xmlns:a16="http://schemas.microsoft.com/office/drawing/2014/main" val="3151985687"/>
-                    </a:ext>
-                  </a:extLst>
-                </a:gridCol>
-              </a:tblGrid>
-              <a:tr h="273550">
-                <a:tc>
-                  <a:txBody>
-                    <a:bodyPr/>
-                    <a:lstStyle/>
-                    <a:p>
-                      <a:pPr marL="0" marR="0" algn="ctr">
-                        <a:lnSpc>
-                          <a:spcPct val="115000"/>
-                        </a:lnSpc>
-                        <a:spcBef>
-                          <a:spcPts val="0"/>
-                        </a:spcBef>
-                        <a:spcAft>
-                          <a:spcPts val="0"/>
-                        </a:spcAft>
-                      </a:pPr>
-                      <a:r>
-                        <a:rPr lang="en-US" sz="1100">
-                          <a:effectLst/>
-                        </a:rPr>
-                        <a:t>Event</a:t>
-                      </a:r>
-                      <a:endParaRPr lang="en-US" sz="1100">
-                        <a:effectLst/>
-                        <a:latin typeface="Calibri" panose="020F0502020204030204" pitchFamily="34" charset="0"/>
-                        <a:ea typeface="Calibri" panose="020F0502020204030204" pitchFamily="34" charset="0"/>
-                        <a:cs typeface="Times New Roman" panose="02020603050405020304" pitchFamily="18" charset="0"/>
-                      </a:endParaRPr>
-                    </a:p>
-                  </a:txBody>
-                  <a:tcPr marL="68580" marR="68580" marT="0" marB="0"/>
-                </a:tc>
-                <a:tc>
-                  <a:txBody>
-                    <a:bodyPr/>
-                    <a:lstStyle/>
-                    <a:p>
-                      <a:pPr marL="0" marR="0" algn="ctr">
-                        <a:lnSpc>
-                          <a:spcPct val="115000"/>
-                        </a:lnSpc>
-                        <a:spcBef>
-                          <a:spcPts val="0"/>
-                        </a:spcBef>
-                        <a:spcAft>
-                          <a:spcPts val="0"/>
-                        </a:spcAft>
-                      </a:pPr>
-                      <a:r>
-                        <a:rPr lang="en-US" sz="1100">
-                          <a:effectLst/>
-                        </a:rPr>
-                        <a:t>Trigger</a:t>
-                      </a:r>
-                      <a:endParaRPr lang="en-US" sz="1100">
-                        <a:effectLst/>
-                        <a:latin typeface="Calibri" panose="020F0502020204030204" pitchFamily="34" charset="0"/>
-                        <a:ea typeface="Calibri" panose="020F0502020204030204" pitchFamily="34" charset="0"/>
-                        <a:cs typeface="Times New Roman" panose="02020603050405020304" pitchFamily="18" charset="0"/>
-                      </a:endParaRPr>
-                    </a:p>
-                  </a:txBody>
-                  <a:tcPr marL="68580" marR="68580" marT="0" marB="0"/>
-                </a:tc>
-                <a:tc>
-                  <a:txBody>
-                    <a:bodyPr/>
-                    <a:lstStyle/>
-                    <a:p>
-                      <a:pPr marL="0" marR="0" algn="ctr">
-                        <a:lnSpc>
-                          <a:spcPct val="115000"/>
-                        </a:lnSpc>
-                        <a:spcBef>
-                          <a:spcPts val="0"/>
-                        </a:spcBef>
-                        <a:spcAft>
-                          <a:spcPts val="0"/>
-                        </a:spcAft>
-                      </a:pPr>
-                      <a:r>
-                        <a:rPr lang="en-US" sz="1100">
-                          <a:effectLst/>
-                        </a:rPr>
-                        <a:t>Source</a:t>
-                      </a:r>
-                      <a:endParaRPr lang="en-US" sz="1100">
-                        <a:effectLst/>
-                        <a:latin typeface="Calibri" panose="020F0502020204030204" pitchFamily="34" charset="0"/>
-                        <a:ea typeface="Calibri" panose="020F0502020204030204" pitchFamily="34" charset="0"/>
-                        <a:cs typeface="Times New Roman" panose="02020603050405020304" pitchFamily="18" charset="0"/>
-                      </a:endParaRPr>
-                    </a:p>
-                  </a:txBody>
-                  <a:tcPr marL="68580" marR="68580" marT="0" marB="0"/>
-                </a:tc>
-                <a:tc>
-                  <a:txBody>
-                    <a:bodyPr/>
-                    <a:lstStyle/>
-                    <a:p>
-                      <a:pPr marL="0" marR="0" algn="ctr">
-                        <a:lnSpc>
-                          <a:spcPct val="115000"/>
-                        </a:lnSpc>
-                        <a:spcBef>
-                          <a:spcPts val="0"/>
-                        </a:spcBef>
-                        <a:spcAft>
-                          <a:spcPts val="0"/>
-                        </a:spcAft>
-                      </a:pPr>
-                      <a:r>
-                        <a:rPr lang="en-US" sz="1100">
-                          <a:effectLst/>
-                        </a:rPr>
-                        <a:t>Use Case</a:t>
-                      </a:r>
-                      <a:endParaRPr lang="en-US" sz="1100">
-                        <a:effectLst/>
-                        <a:latin typeface="Calibri" panose="020F0502020204030204" pitchFamily="34" charset="0"/>
-                        <a:ea typeface="Calibri" panose="020F0502020204030204" pitchFamily="34" charset="0"/>
-                        <a:cs typeface="Times New Roman" panose="02020603050405020304" pitchFamily="18" charset="0"/>
-                      </a:endParaRPr>
-                    </a:p>
-                  </a:txBody>
-                  <a:tcPr marL="68580" marR="68580" marT="0" marB="0"/>
-                </a:tc>
-                <a:tc>
-                  <a:txBody>
-                    <a:bodyPr/>
-                    <a:lstStyle/>
-                    <a:p>
-                      <a:pPr marL="0" marR="0" algn="ctr">
-                        <a:lnSpc>
-                          <a:spcPct val="115000"/>
-                        </a:lnSpc>
-                        <a:spcBef>
-                          <a:spcPts val="0"/>
-                        </a:spcBef>
-                        <a:spcAft>
-                          <a:spcPts val="0"/>
-                        </a:spcAft>
-                      </a:pPr>
-                      <a:r>
-                        <a:rPr lang="en-US" sz="1100">
-                          <a:effectLst/>
-                        </a:rPr>
-                        <a:t>Response</a:t>
-                      </a:r>
-                      <a:endParaRPr lang="en-US" sz="1100">
-                        <a:effectLst/>
-                        <a:latin typeface="Calibri" panose="020F0502020204030204" pitchFamily="34" charset="0"/>
-                        <a:ea typeface="Calibri" panose="020F0502020204030204" pitchFamily="34" charset="0"/>
-                        <a:cs typeface="Times New Roman" panose="02020603050405020304" pitchFamily="18" charset="0"/>
-                      </a:endParaRPr>
-                    </a:p>
-                  </a:txBody>
-                  <a:tcPr marL="68580" marR="68580" marT="0" marB="0"/>
-                </a:tc>
-                <a:tc>
-                  <a:txBody>
-                    <a:bodyPr/>
-                    <a:lstStyle/>
-                    <a:p>
-                      <a:pPr marL="0" marR="0" algn="ctr">
-                        <a:lnSpc>
-                          <a:spcPct val="115000"/>
-                        </a:lnSpc>
-                        <a:spcBef>
-                          <a:spcPts val="0"/>
-                        </a:spcBef>
-                        <a:spcAft>
-                          <a:spcPts val="0"/>
-                        </a:spcAft>
-                      </a:pPr>
-                      <a:r>
-                        <a:rPr lang="en-US" sz="1100">
-                          <a:effectLst/>
-                        </a:rPr>
-                        <a:t>Destination</a:t>
-                      </a:r>
-                      <a:endParaRPr lang="en-US" sz="1100">
-                        <a:effectLst/>
-                        <a:latin typeface="Calibri" panose="020F0502020204030204" pitchFamily="34" charset="0"/>
-                        <a:ea typeface="Calibri" panose="020F0502020204030204" pitchFamily="34" charset="0"/>
-                        <a:cs typeface="Times New Roman" panose="02020603050405020304" pitchFamily="18" charset="0"/>
-                      </a:endParaRPr>
-                    </a:p>
-                  </a:txBody>
-                  <a:tcPr marL="68580" marR="68580" marT="0" marB="0"/>
-                </a:tc>
-                <a:extLst>
-                  <a:ext uri="{0D108BD9-81ED-4DB2-BD59-A6C34878D82A}">
-                    <a16:rowId xmlns:a16="http://schemas.microsoft.com/office/drawing/2014/main" val="2130066647"/>
-                  </a:ext>
-                </a:extLst>
-              </a:tr>
-              <a:tr h="588105">
-                <a:tc>
-                  <a:txBody>
-                    <a:bodyPr/>
-                    <a:lstStyle/>
-                    <a:p>
-                      <a:pPr marL="0" marR="0">
-                        <a:lnSpc>
-                          <a:spcPct val="115000"/>
-                        </a:lnSpc>
-                        <a:spcBef>
-                          <a:spcPts val="0"/>
-                        </a:spcBef>
-                        <a:spcAft>
-                          <a:spcPts val="0"/>
-                        </a:spcAft>
-                      </a:pPr>
-                      <a:r>
-                        <a:rPr lang="en-US" sz="1100">
-                          <a:effectLst/>
-                        </a:rPr>
-                        <a:t>User clicks the link</a:t>
-                      </a:r>
-                      <a:endParaRPr lang="en-US" sz="1100">
-                        <a:effectLst/>
-                        <a:latin typeface="Calibri" panose="020F0502020204030204" pitchFamily="34" charset="0"/>
-                        <a:ea typeface="Calibri" panose="020F0502020204030204" pitchFamily="34" charset="0"/>
-                        <a:cs typeface="Times New Roman" panose="02020603050405020304" pitchFamily="18" charset="0"/>
-                      </a:endParaRPr>
-                    </a:p>
-                  </a:txBody>
-                  <a:tcPr marL="68580" marR="68580" marT="0" marB="0"/>
-                </a:tc>
-                <a:tc>
-                  <a:txBody>
-                    <a:bodyPr/>
-                    <a:lstStyle/>
-                    <a:p>
-                      <a:pPr marL="0" marR="0">
-                        <a:lnSpc>
-                          <a:spcPct val="115000"/>
-                        </a:lnSpc>
-                        <a:spcBef>
-                          <a:spcPts val="0"/>
-                        </a:spcBef>
-                        <a:spcAft>
-                          <a:spcPts val="0"/>
-                        </a:spcAft>
-                      </a:pPr>
-                      <a:r>
-                        <a:rPr lang="en-US" sz="1100">
-                          <a:effectLst/>
-                        </a:rPr>
-                        <a:t>link was clicked</a:t>
-                      </a:r>
-                      <a:endParaRPr lang="en-US" sz="1100">
-                        <a:effectLst/>
-                        <a:latin typeface="Calibri" panose="020F0502020204030204" pitchFamily="34" charset="0"/>
-                        <a:ea typeface="Calibri" panose="020F0502020204030204" pitchFamily="34" charset="0"/>
-                        <a:cs typeface="Times New Roman" panose="02020603050405020304" pitchFamily="18" charset="0"/>
-                      </a:endParaRPr>
-                    </a:p>
-                  </a:txBody>
-                  <a:tcPr marL="68580" marR="68580" marT="0" marB="0"/>
-                </a:tc>
-                <a:tc>
-                  <a:txBody>
-                    <a:bodyPr/>
-                    <a:lstStyle/>
-                    <a:p>
-                      <a:pPr marL="0" marR="0">
-                        <a:lnSpc>
-                          <a:spcPct val="115000"/>
-                        </a:lnSpc>
-                        <a:spcBef>
-                          <a:spcPts val="0"/>
-                        </a:spcBef>
-                        <a:spcAft>
-                          <a:spcPts val="0"/>
-                        </a:spcAft>
-                      </a:pPr>
-                      <a:r>
-                        <a:rPr lang="en-US" sz="1100">
-                          <a:effectLst/>
-                        </a:rPr>
-                        <a:t>User</a:t>
-                      </a:r>
-                      <a:endParaRPr lang="en-US" sz="1100">
-                        <a:effectLst/>
-                        <a:latin typeface="Calibri" panose="020F0502020204030204" pitchFamily="34" charset="0"/>
-                        <a:ea typeface="Calibri" panose="020F0502020204030204" pitchFamily="34" charset="0"/>
-                        <a:cs typeface="Times New Roman" panose="02020603050405020304" pitchFamily="18" charset="0"/>
-                      </a:endParaRPr>
-                    </a:p>
-                  </a:txBody>
-                  <a:tcPr marL="68580" marR="68580" marT="0" marB="0"/>
-                </a:tc>
-                <a:tc>
-                  <a:txBody>
-                    <a:bodyPr/>
-                    <a:lstStyle/>
-                    <a:p>
-                      <a:pPr marL="0" marR="0">
-                        <a:lnSpc>
-                          <a:spcPct val="115000"/>
-                        </a:lnSpc>
-                        <a:spcBef>
-                          <a:spcPts val="0"/>
-                        </a:spcBef>
-                        <a:spcAft>
-                          <a:spcPts val="0"/>
-                        </a:spcAft>
-                      </a:pPr>
-                      <a:r>
-                        <a:rPr lang="en-US" sz="1100">
-                          <a:effectLst/>
-                        </a:rPr>
-                        <a:t>Clicks the link</a:t>
-                      </a:r>
-                      <a:endParaRPr lang="en-US" sz="1100">
-                        <a:effectLst/>
-                        <a:latin typeface="Calibri" panose="020F0502020204030204" pitchFamily="34" charset="0"/>
-                        <a:ea typeface="Calibri" panose="020F0502020204030204" pitchFamily="34" charset="0"/>
-                        <a:cs typeface="Times New Roman" panose="02020603050405020304" pitchFamily="18" charset="0"/>
-                      </a:endParaRPr>
-                    </a:p>
-                  </a:txBody>
-                  <a:tcPr marL="68580" marR="68580" marT="0" marB="0"/>
-                </a:tc>
-                <a:tc>
-                  <a:txBody>
-                    <a:bodyPr/>
-                    <a:lstStyle/>
-                    <a:p>
-                      <a:pPr marL="0" marR="0">
-                        <a:lnSpc>
-                          <a:spcPct val="115000"/>
-                        </a:lnSpc>
-                        <a:spcBef>
-                          <a:spcPts val="0"/>
-                        </a:spcBef>
-                        <a:spcAft>
-                          <a:spcPts val="0"/>
-                        </a:spcAft>
-                      </a:pPr>
-                      <a:r>
-                        <a:rPr lang="en-US" sz="1100">
-                          <a:effectLst/>
-                        </a:rPr>
-                        <a:t>System runs</a:t>
-                      </a:r>
-                      <a:endParaRPr lang="en-US" sz="1100">
-                        <a:effectLst/>
-                        <a:latin typeface="Calibri" panose="020F0502020204030204" pitchFamily="34" charset="0"/>
-                        <a:ea typeface="Calibri" panose="020F0502020204030204" pitchFamily="34" charset="0"/>
-                        <a:cs typeface="Times New Roman" panose="02020603050405020304" pitchFamily="18" charset="0"/>
-                      </a:endParaRPr>
-                    </a:p>
-                  </a:txBody>
-                  <a:tcPr marL="68580" marR="68580" marT="0" marB="0"/>
-                </a:tc>
-                <a:tc>
-                  <a:txBody>
-                    <a:bodyPr/>
-                    <a:lstStyle/>
-                    <a:p>
-                      <a:pPr marL="0" marR="0">
-                        <a:lnSpc>
-                          <a:spcPct val="115000"/>
-                        </a:lnSpc>
-                        <a:spcBef>
-                          <a:spcPts val="0"/>
-                        </a:spcBef>
-                        <a:spcAft>
-                          <a:spcPts val="0"/>
-                        </a:spcAft>
-                      </a:pPr>
-                      <a:r>
-                        <a:rPr lang="en-US" sz="1100">
-                          <a:effectLst/>
-                        </a:rPr>
-                        <a:t>System</a:t>
-                      </a:r>
-                      <a:endParaRPr lang="en-US" sz="1100">
-                        <a:effectLst/>
-                        <a:latin typeface="Calibri" panose="020F0502020204030204" pitchFamily="34" charset="0"/>
-                        <a:ea typeface="Calibri" panose="020F0502020204030204" pitchFamily="34" charset="0"/>
-                        <a:cs typeface="Times New Roman" panose="02020603050405020304" pitchFamily="18" charset="0"/>
-                      </a:endParaRPr>
-                    </a:p>
-                  </a:txBody>
-                  <a:tcPr marL="68580" marR="68580" marT="0" marB="0"/>
-                </a:tc>
-                <a:extLst>
-                  <a:ext uri="{0D108BD9-81ED-4DB2-BD59-A6C34878D82A}">
-                    <a16:rowId xmlns:a16="http://schemas.microsoft.com/office/drawing/2014/main" val="25308479"/>
-                  </a:ext>
-                </a:extLst>
-              </a:tr>
-              <a:tr h="1442444">
-                <a:tc>
-                  <a:txBody>
-                    <a:bodyPr/>
-                    <a:lstStyle/>
-                    <a:p>
-                      <a:pPr marL="0" marR="0">
-                        <a:lnSpc>
-                          <a:spcPct val="115000"/>
-                        </a:lnSpc>
-                        <a:spcBef>
-                          <a:spcPts val="0"/>
-                        </a:spcBef>
-                        <a:spcAft>
-                          <a:spcPts val="0"/>
-                        </a:spcAft>
-                      </a:pPr>
-                      <a:r>
-                        <a:rPr lang="en-US" sz="1100">
-                          <a:effectLst/>
-                        </a:rPr>
-                        <a:t>System compares link</a:t>
-                      </a:r>
-                      <a:endParaRPr lang="en-US" sz="1100">
-                        <a:effectLst/>
-                        <a:latin typeface="Calibri" panose="020F0502020204030204" pitchFamily="34" charset="0"/>
-                        <a:ea typeface="Calibri" panose="020F0502020204030204" pitchFamily="34" charset="0"/>
-                        <a:cs typeface="Times New Roman" panose="02020603050405020304" pitchFamily="18" charset="0"/>
-                      </a:endParaRPr>
-                    </a:p>
-                  </a:txBody>
-                  <a:tcPr marL="68580" marR="68580" marT="0" marB="0"/>
-                </a:tc>
-                <a:tc>
-                  <a:txBody>
-                    <a:bodyPr/>
-                    <a:lstStyle/>
-                    <a:p>
-                      <a:pPr marL="0" marR="0">
-                        <a:lnSpc>
-                          <a:spcPct val="115000"/>
-                        </a:lnSpc>
-                        <a:spcBef>
-                          <a:spcPts val="0"/>
-                        </a:spcBef>
-                        <a:spcAft>
-                          <a:spcPts val="0"/>
-                        </a:spcAft>
-                      </a:pPr>
-                      <a:r>
-                        <a:rPr lang="en-US" sz="1100">
-                          <a:effectLst/>
-                        </a:rPr>
-                        <a:t>System compared the link</a:t>
-                      </a:r>
-                      <a:endParaRPr lang="en-US" sz="1100">
-                        <a:effectLst/>
-                        <a:latin typeface="Calibri" panose="020F0502020204030204" pitchFamily="34" charset="0"/>
-                        <a:ea typeface="Calibri" panose="020F0502020204030204" pitchFamily="34" charset="0"/>
-                        <a:cs typeface="Times New Roman" panose="02020603050405020304" pitchFamily="18" charset="0"/>
-                      </a:endParaRPr>
-                    </a:p>
-                  </a:txBody>
-                  <a:tcPr marL="68580" marR="68580" marT="0" marB="0"/>
-                </a:tc>
-                <a:tc>
-                  <a:txBody>
-                    <a:bodyPr/>
-                    <a:lstStyle/>
-                    <a:p>
-                      <a:pPr marL="0" marR="0">
-                        <a:lnSpc>
-                          <a:spcPct val="115000"/>
-                        </a:lnSpc>
-                        <a:spcBef>
-                          <a:spcPts val="0"/>
-                        </a:spcBef>
-                        <a:spcAft>
-                          <a:spcPts val="0"/>
-                        </a:spcAft>
-                      </a:pPr>
-                      <a:r>
-                        <a:rPr lang="en-US" sz="1100">
-                          <a:effectLst/>
-                        </a:rPr>
-                        <a:t>System </a:t>
-                      </a:r>
-                      <a:endParaRPr lang="en-US" sz="1100">
-                        <a:effectLst/>
-                        <a:latin typeface="Calibri" panose="020F0502020204030204" pitchFamily="34" charset="0"/>
-                        <a:ea typeface="Calibri" panose="020F0502020204030204" pitchFamily="34" charset="0"/>
-                        <a:cs typeface="Times New Roman" panose="02020603050405020304" pitchFamily="18" charset="0"/>
-                      </a:endParaRPr>
-                    </a:p>
-                  </a:txBody>
-                  <a:tcPr marL="68580" marR="68580" marT="0" marB="0"/>
-                </a:tc>
-                <a:tc>
-                  <a:txBody>
-                    <a:bodyPr/>
-                    <a:lstStyle/>
-                    <a:p>
-                      <a:pPr marL="0" marR="0">
-                        <a:lnSpc>
-                          <a:spcPct val="115000"/>
-                        </a:lnSpc>
-                        <a:spcBef>
-                          <a:spcPts val="0"/>
-                        </a:spcBef>
-                        <a:spcAft>
-                          <a:spcPts val="0"/>
-                        </a:spcAft>
-                      </a:pPr>
-                      <a:r>
-                        <a:rPr lang="en-US" sz="1100">
-                          <a:effectLst/>
-                        </a:rPr>
-                        <a:t>Comparing link</a:t>
-                      </a:r>
-                      <a:endParaRPr lang="en-US" sz="1100">
-                        <a:effectLst/>
-                        <a:latin typeface="Calibri" panose="020F0502020204030204" pitchFamily="34" charset="0"/>
-                        <a:ea typeface="Calibri" panose="020F0502020204030204" pitchFamily="34" charset="0"/>
-                        <a:cs typeface="Times New Roman" panose="02020603050405020304" pitchFamily="18" charset="0"/>
-                      </a:endParaRPr>
-                    </a:p>
-                  </a:txBody>
-                  <a:tcPr marL="68580" marR="68580" marT="0" marB="0"/>
-                </a:tc>
-                <a:tc>
-                  <a:txBody>
-                    <a:bodyPr/>
-                    <a:lstStyle/>
-                    <a:p>
-                      <a:pPr marL="0" marR="0">
-                        <a:lnSpc>
-                          <a:spcPct val="115000"/>
-                        </a:lnSpc>
-                        <a:spcBef>
-                          <a:spcPts val="0"/>
-                        </a:spcBef>
-                        <a:spcAft>
-                          <a:spcPts val="0"/>
-                        </a:spcAft>
-                      </a:pPr>
-                      <a:r>
-                        <a:rPr lang="en-US" sz="1100">
-                          <a:effectLst/>
-                        </a:rPr>
-                        <a:t>System compares the link to the list of fake news links</a:t>
-                      </a:r>
-                      <a:endParaRPr lang="en-US" sz="1100">
-                        <a:effectLst/>
-                        <a:latin typeface="Calibri" panose="020F0502020204030204" pitchFamily="34" charset="0"/>
-                        <a:ea typeface="Calibri" panose="020F0502020204030204" pitchFamily="34" charset="0"/>
-                        <a:cs typeface="Times New Roman" panose="02020603050405020304" pitchFamily="18" charset="0"/>
-                      </a:endParaRPr>
-                    </a:p>
-                  </a:txBody>
-                  <a:tcPr marL="68580" marR="68580" marT="0" marB="0"/>
-                </a:tc>
-                <a:tc>
-                  <a:txBody>
-                    <a:bodyPr/>
-                    <a:lstStyle/>
-                    <a:p>
-                      <a:pPr marL="0" marR="0">
-                        <a:lnSpc>
-                          <a:spcPct val="115000"/>
-                        </a:lnSpc>
-                        <a:spcBef>
-                          <a:spcPts val="0"/>
-                        </a:spcBef>
-                        <a:spcAft>
-                          <a:spcPts val="0"/>
-                        </a:spcAft>
-                      </a:pPr>
-                      <a:r>
-                        <a:rPr lang="en-US" sz="1100">
-                          <a:effectLst/>
-                        </a:rPr>
-                        <a:t>System</a:t>
-                      </a:r>
-                      <a:endParaRPr lang="en-US" sz="1100">
-                        <a:effectLst/>
-                        <a:latin typeface="Calibri" panose="020F0502020204030204" pitchFamily="34" charset="0"/>
-                        <a:ea typeface="Calibri" panose="020F0502020204030204" pitchFamily="34" charset="0"/>
-                        <a:cs typeface="Times New Roman" panose="02020603050405020304" pitchFamily="18" charset="0"/>
-                      </a:endParaRPr>
-                    </a:p>
-                  </a:txBody>
-                  <a:tcPr marL="68580" marR="68580" marT="0" marB="0"/>
-                </a:tc>
-                <a:extLst>
-                  <a:ext uri="{0D108BD9-81ED-4DB2-BD59-A6C34878D82A}">
-                    <a16:rowId xmlns:a16="http://schemas.microsoft.com/office/drawing/2014/main" val="1115037333"/>
-                  </a:ext>
-                </a:extLst>
-              </a:tr>
-              <a:tr h="857998">
-                <a:tc>
-                  <a:txBody>
-                    <a:bodyPr/>
-                    <a:lstStyle/>
-                    <a:p>
-                      <a:pPr marL="0" marR="0">
-                        <a:lnSpc>
-                          <a:spcPct val="115000"/>
-                        </a:lnSpc>
-                        <a:spcBef>
-                          <a:spcPts val="0"/>
-                        </a:spcBef>
-                        <a:spcAft>
-                          <a:spcPts val="0"/>
-                        </a:spcAft>
-                      </a:pPr>
-                      <a:r>
-                        <a:rPr lang="en-US" sz="1100">
-                          <a:effectLst/>
-                        </a:rPr>
-                        <a:t>System confirms the link</a:t>
-                      </a:r>
-                      <a:endParaRPr lang="en-US" sz="1100">
-                        <a:effectLst/>
-                        <a:latin typeface="Calibri" panose="020F0502020204030204" pitchFamily="34" charset="0"/>
-                        <a:ea typeface="Calibri" panose="020F0502020204030204" pitchFamily="34" charset="0"/>
-                        <a:cs typeface="Times New Roman" panose="02020603050405020304" pitchFamily="18" charset="0"/>
-                      </a:endParaRPr>
-                    </a:p>
-                  </a:txBody>
-                  <a:tcPr marL="68580" marR="68580" marT="0" marB="0"/>
-                </a:tc>
-                <a:tc>
-                  <a:txBody>
-                    <a:bodyPr/>
-                    <a:lstStyle/>
-                    <a:p>
-                      <a:pPr marL="0" marR="0">
-                        <a:lnSpc>
-                          <a:spcPct val="115000"/>
-                        </a:lnSpc>
-                        <a:spcBef>
-                          <a:spcPts val="0"/>
-                        </a:spcBef>
-                        <a:spcAft>
-                          <a:spcPts val="0"/>
-                        </a:spcAft>
-                      </a:pPr>
-                      <a:r>
-                        <a:rPr lang="en-US" sz="1100">
-                          <a:effectLst/>
-                        </a:rPr>
-                        <a:t>System confirmed the link</a:t>
-                      </a:r>
-                      <a:endParaRPr lang="en-US" sz="1100">
-                        <a:effectLst/>
-                        <a:latin typeface="Calibri" panose="020F0502020204030204" pitchFamily="34" charset="0"/>
-                        <a:ea typeface="Calibri" panose="020F0502020204030204" pitchFamily="34" charset="0"/>
-                        <a:cs typeface="Times New Roman" panose="02020603050405020304" pitchFamily="18" charset="0"/>
-                      </a:endParaRPr>
-                    </a:p>
-                  </a:txBody>
-                  <a:tcPr marL="68580" marR="68580" marT="0" marB="0"/>
-                </a:tc>
-                <a:tc>
-                  <a:txBody>
-                    <a:bodyPr/>
-                    <a:lstStyle/>
-                    <a:p>
-                      <a:pPr marL="0" marR="0">
-                        <a:lnSpc>
-                          <a:spcPct val="115000"/>
-                        </a:lnSpc>
-                        <a:spcBef>
-                          <a:spcPts val="0"/>
-                        </a:spcBef>
-                        <a:spcAft>
-                          <a:spcPts val="0"/>
-                        </a:spcAft>
-                      </a:pPr>
-                      <a:r>
-                        <a:rPr lang="en-US" sz="1100">
-                          <a:effectLst/>
-                        </a:rPr>
-                        <a:t>System</a:t>
-                      </a:r>
-                      <a:endParaRPr lang="en-US" sz="1100">
-                        <a:effectLst/>
-                        <a:latin typeface="Calibri" panose="020F0502020204030204" pitchFamily="34" charset="0"/>
-                        <a:ea typeface="Calibri" panose="020F0502020204030204" pitchFamily="34" charset="0"/>
-                        <a:cs typeface="Times New Roman" panose="02020603050405020304" pitchFamily="18" charset="0"/>
-                      </a:endParaRPr>
-                    </a:p>
-                  </a:txBody>
-                  <a:tcPr marL="68580" marR="68580" marT="0" marB="0"/>
-                </a:tc>
-                <a:tc>
-                  <a:txBody>
-                    <a:bodyPr/>
-                    <a:lstStyle/>
-                    <a:p>
-                      <a:pPr marL="0" marR="0">
-                        <a:lnSpc>
-                          <a:spcPct val="115000"/>
-                        </a:lnSpc>
-                        <a:spcBef>
-                          <a:spcPts val="0"/>
-                        </a:spcBef>
-                        <a:spcAft>
-                          <a:spcPts val="0"/>
-                        </a:spcAft>
-                      </a:pPr>
-                      <a:r>
-                        <a:rPr lang="en-US" sz="1100">
-                          <a:effectLst/>
-                        </a:rPr>
-                        <a:t>Confirming link</a:t>
-                      </a:r>
-                      <a:endParaRPr lang="en-US" sz="1100">
-                        <a:effectLst/>
-                        <a:latin typeface="Calibri" panose="020F0502020204030204" pitchFamily="34" charset="0"/>
-                        <a:ea typeface="Calibri" panose="020F0502020204030204" pitchFamily="34" charset="0"/>
-                        <a:cs typeface="Times New Roman" panose="02020603050405020304" pitchFamily="18" charset="0"/>
-                      </a:endParaRPr>
-                    </a:p>
-                  </a:txBody>
-                  <a:tcPr marL="68580" marR="68580" marT="0" marB="0"/>
-                </a:tc>
-                <a:tc>
-                  <a:txBody>
-                    <a:bodyPr/>
-                    <a:lstStyle/>
-                    <a:p>
-                      <a:pPr marL="0" marR="0">
-                        <a:lnSpc>
-                          <a:spcPct val="115000"/>
-                        </a:lnSpc>
-                        <a:spcBef>
-                          <a:spcPts val="0"/>
-                        </a:spcBef>
-                        <a:spcAft>
-                          <a:spcPts val="0"/>
-                        </a:spcAft>
-                      </a:pPr>
-                      <a:r>
-                        <a:rPr lang="en-US" sz="1100">
-                          <a:effectLst/>
-                        </a:rPr>
-                        <a:t>System confirming the link</a:t>
-                      </a:r>
-                      <a:endParaRPr lang="en-US" sz="1100">
-                        <a:effectLst/>
-                        <a:latin typeface="Calibri" panose="020F0502020204030204" pitchFamily="34" charset="0"/>
-                        <a:ea typeface="Calibri" panose="020F0502020204030204" pitchFamily="34" charset="0"/>
-                        <a:cs typeface="Times New Roman" panose="02020603050405020304" pitchFamily="18" charset="0"/>
-                      </a:endParaRPr>
-                    </a:p>
-                  </a:txBody>
-                  <a:tcPr marL="68580" marR="68580" marT="0" marB="0"/>
-                </a:tc>
-                <a:tc>
-                  <a:txBody>
-                    <a:bodyPr/>
-                    <a:lstStyle/>
-                    <a:p>
-                      <a:pPr marL="0" marR="0">
-                        <a:lnSpc>
-                          <a:spcPct val="115000"/>
-                        </a:lnSpc>
-                        <a:spcBef>
-                          <a:spcPts val="0"/>
-                        </a:spcBef>
-                        <a:spcAft>
-                          <a:spcPts val="0"/>
-                        </a:spcAft>
-                      </a:pPr>
-                      <a:r>
-                        <a:rPr lang="en-US" sz="1100">
-                          <a:effectLst/>
-                        </a:rPr>
-                        <a:t>System</a:t>
-                      </a:r>
-                      <a:endParaRPr lang="en-US" sz="1100">
-                        <a:effectLst/>
-                        <a:latin typeface="Calibri" panose="020F0502020204030204" pitchFamily="34" charset="0"/>
-                        <a:ea typeface="Calibri" panose="020F0502020204030204" pitchFamily="34" charset="0"/>
-                        <a:cs typeface="Times New Roman" panose="02020603050405020304" pitchFamily="18" charset="0"/>
-                      </a:endParaRPr>
-                    </a:p>
-                  </a:txBody>
-                  <a:tcPr marL="68580" marR="68580" marT="0" marB="0"/>
-                </a:tc>
-                <a:extLst>
-                  <a:ext uri="{0D108BD9-81ED-4DB2-BD59-A6C34878D82A}">
-                    <a16:rowId xmlns:a16="http://schemas.microsoft.com/office/drawing/2014/main" val="2792161454"/>
-                  </a:ext>
-                </a:extLst>
-              </a:tr>
-              <a:tr h="857998">
-                <a:tc>
-                  <a:txBody>
-                    <a:bodyPr/>
-                    <a:lstStyle/>
-                    <a:p>
-                      <a:pPr marL="0" marR="0">
-                        <a:lnSpc>
-                          <a:spcPct val="115000"/>
-                        </a:lnSpc>
-                        <a:spcBef>
-                          <a:spcPts val="0"/>
-                        </a:spcBef>
-                        <a:spcAft>
-                          <a:spcPts val="0"/>
-                        </a:spcAft>
-                      </a:pPr>
-                      <a:r>
-                        <a:rPr lang="en-US" sz="1100">
-                          <a:effectLst/>
-                        </a:rPr>
-                        <a:t>System saves to database</a:t>
-                      </a:r>
-                      <a:endParaRPr lang="en-US" sz="1100">
-                        <a:effectLst/>
-                        <a:latin typeface="Calibri" panose="020F0502020204030204" pitchFamily="34" charset="0"/>
-                        <a:ea typeface="Calibri" panose="020F0502020204030204" pitchFamily="34" charset="0"/>
-                        <a:cs typeface="Times New Roman" panose="02020603050405020304" pitchFamily="18" charset="0"/>
-                      </a:endParaRPr>
-                    </a:p>
-                  </a:txBody>
-                  <a:tcPr marL="68580" marR="68580" marT="0" marB="0"/>
-                </a:tc>
-                <a:tc>
-                  <a:txBody>
-                    <a:bodyPr/>
-                    <a:lstStyle/>
-                    <a:p>
-                      <a:pPr marL="0" marR="0">
-                        <a:lnSpc>
-                          <a:spcPct val="115000"/>
-                        </a:lnSpc>
-                        <a:spcBef>
-                          <a:spcPts val="0"/>
-                        </a:spcBef>
-                        <a:spcAft>
-                          <a:spcPts val="0"/>
-                        </a:spcAft>
-                      </a:pPr>
-                      <a:r>
-                        <a:rPr lang="en-US" sz="1100">
-                          <a:effectLst/>
-                        </a:rPr>
-                        <a:t>System saved it to database</a:t>
-                      </a:r>
-                      <a:endParaRPr lang="en-US" sz="1100">
-                        <a:effectLst/>
-                        <a:latin typeface="Calibri" panose="020F0502020204030204" pitchFamily="34" charset="0"/>
-                        <a:ea typeface="Calibri" panose="020F0502020204030204" pitchFamily="34" charset="0"/>
-                        <a:cs typeface="Times New Roman" panose="02020603050405020304" pitchFamily="18" charset="0"/>
-                      </a:endParaRPr>
-                    </a:p>
-                  </a:txBody>
-                  <a:tcPr marL="68580" marR="68580" marT="0" marB="0"/>
-                </a:tc>
-                <a:tc>
-                  <a:txBody>
-                    <a:bodyPr/>
-                    <a:lstStyle/>
-                    <a:p>
-                      <a:pPr marL="0" marR="0">
-                        <a:lnSpc>
-                          <a:spcPct val="115000"/>
-                        </a:lnSpc>
-                        <a:spcBef>
-                          <a:spcPts val="0"/>
-                        </a:spcBef>
-                        <a:spcAft>
-                          <a:spcPts val="0"/>
-                        </a:spcAft>
-                      </a:pPr>
-                      <a:r>
-                        <a:rPr lang="en-US" sz="1100">
-                          <a:effectLst/>
-                        </a:rPr>
-                        <a:t>System</a:t>
-                      </a:r>
-                      <a:endParaRPr lang="en-US" sz="1100">
-                        <a:effectLst/>
-                        <a:latin typeface="Calibri" panose="020F0502020204030204" pitchFamily="34" charset="0"/>
-                        <a:ea typeface="Calibri" panose="020F0502020204030204" pitchFamily="34" charset="0"/>
-                        <a:cs typeface="Times New Roman" panose="02020603050405020304" pitchFamily="18" charset="0"/>
-                      </a:endParaRPr>
-                    </a:p>
-                  </a:txBody>
-                  <a:tcPr marL="68580" marR="68580" marT="0" marB="0"/>
-                </a:tc>
-                <a:tc>
-                  <a:txBody>
-                    <a:bodyPr/>
-                    <a:lstStyle/>
-                    <a:p>
-                      <a:pPr marL="0" marR="0">
-                        <a:lnSpc>
-                          <a:spcPct val="115000"/>
-                        </a:lnSpc>
-                        <a:spcBef>
-                          <a:spcPts val="0"/>
-                        </a:spcBef>
-                        <a:spcAft>
-                          <a:spcPts val="0"/>
-                        </a:spcAft>
-                      </a:pPr>
-                      <a:r>
-                        <a:rPr lang="en-US" sz="1100">
-                          <a:effectLst/>
-                        </a:rPr>
-                        <a:t>Save to database</a:t>
-                      </a:r>
-                      <a:endParaRPr lang="en-US" sz="1100">
-                        <a:effectLst/>
-                        <a:latin typeface="Calibri" panose="020F0502020204030204" pitchFamily="34" charset="0"/>
-                        <a:ea typeface="Calibri" panose="020F0502020204030204" pitchFamily="34" charset="0"/>
-                        <a:cs typeface="Times New Roman" panose="02020603050405020304" pitchFamily="18" charset="0"/>
-                      </a:endParaRPr>
-                    </a:p>
-                  </a:txBody>
-                  <a:tcPr marL="68580" marR="68580" marT="0" marB="0"/>
-                </a:tc>
-                <a:tc>
-                  <a:txBody>
-                    <a:bodyPr/>
-                    <a:lstStyle/>
-                    <a:p>
-                      <a:pPr marL="0" marR="0">
-                        <a:lnSpc>
-                          <a:spcPct val="115000"/>
-                        </a:lnSpc>
-                        <a:spcBef>
-                          <a:spcPts val="0"/>
-                        </a:spcBef>
-                        <a:spcAft>
-                          <a:spcPts val="0"/>
-                        </a:spcAft>
-                      </a:pPr>
-                      <a:r>
-                        <a:rPr lang="en-US" sz="1100">
-                          <a:effectLst/>
-                        </a:rPr>
-                        <a:t>The verified link is saved to database</a:t>
-                      </a:r>
-                      <a:endParaRPr lang="en-US" sz="1100">
-                        <a:effectLst/>
-                        <a:latin typeface="Calibri" panose="020F0502020204030204" pitchFamily="34" charset="0"/>
-                        <a:ea typeface="Calibri" panose="020F0502020204030204" pitchFamily="34" charset="0"/>
-                        <a:cs typeface="Times New Roman" panose="02020603050405020304" pitchFamily="18" charset="0"/>
-                      </a:endParaRPr>
-                    </a:p>
-                  </a:txBody>
-                  <a:tcPr marL="68580" marR="68580" marT="0" marB="0"/>
-                </a:tc>
-                <a:tc>
-                  <a:txBody>
-                    <a:bodyPr/>
-                    <a:lstStyle/>
-                    <a:p>
-                      <a:pPr marL="0" marR="0">
-                        <a:lnSpc>
-                          <a:spcPct val="115000"/>
-                        </a:lnSpc>
-                        <a:spcBef>
-                          <a:spcPts val="0"/>
-                        </a:spcBef>
-                        <a:spcAft>
-                          <a:spcPts val="0"/>
-                        </a:spcAft>
-                      </a:pPr>
-                      <a:r>
-                        <a:rPr lang="en-US" sz="1100" dirty="0">
-                          <a:effectLst/>
-                        </a:rPr>
-                        <a:t>Database</a:t>
-                      </a:r>
-                      <a:endParaRPr lang="en-US" sz="1100" dirty="0">
-                        <a:effectLst/>
-                        <a:latin typeface="Calibri" panose="020F0502020204030204" pitchFamily="34" charset="0"/>
-                        <a:ea typeface="Calibri" panose="020F0502020204030204" pitchFamily="34" charset="0"/>
-                        <a:cs typeface="Times New Roman" panose="02020603050405020304" pitchFamily="18" charset="0"/>
-                      </a:endParaRPr>
-                    </a:p>
-                  </a:txBody>
-                  <a:tcPr marL="68580" marR="68580" marT="0" marB="0"/>
-                </a:tc>
-                <a:extLst>
-                  <a:ext uri="{0D108BD9-81ED-4DB2-BD59-A6C34878D82A}">
-                    <a16:rowId xmlns:a16="http://schemas.microsoft.com/office/drawing/2014/main" val="2754975984"/>
-                  </a:ext>
-                </a:extLst>
-              </a:tr>
-            </a:tbl>
-          </a:graphicData>
-        </a:graphic>
-      </p:graphicFrame>
+          </p:nvPr>
+        </p:nvPicPr>
+        <p:blipFill>
+          <a:blip r:embed="rId2">
+            <a:extLst>
+              <a:ext uri="{28A0092B-C50C-407E-A947-70E740481C1C}">
+                <a14:useLocalDpi xmlns:a14="http://schemas.microsoft.com/office/drawing/2010/main" val="0"/>
+              </a:ext>
+            </a:extLst>
+          </a:blip>
+          <a:stretch>
+            <a:fillRect/>
+          </a:stretch>
+        </p:blipFill>
+        <p:spPr>
+          <a:xfrm>
+            <a:off x="1371600" y="2834309"/>
+            <a:ext cx="9775875" cy="2553652"/>
+          </a:xfrm>
+        </p:spPr>
+      </p:pic>
     </p:spTree>
     <p:extLst>
       <p:ext uri="{BB962C8B-B14F-4D97-AF65-F5344CB8AC3E}">
-        <p14:creationId xmlns:p14="http://schemas.microsoft.com/office/powerpoint/2010/main" val="218513879"/>
+        <p14:creationId xmlns:p14="http://schemas.microsoft.com/office/powerpoint/2010/main" val="3786345592"/>
       </p:ext>
     </p:extLst>
   </p:cSld>
@@ -8878,46 +8105,450 @@
           <a:lstStyle/>
           <a:p>
             <a:r>
-              <a:rPr lang="en-US" dirty="0" smtClean="0"/>
-              <a:t>Conclusion and Recommendation</a:t>
-            </a:r>
-            <a:endParaRPr lang="en-US" dirty="0"/>
-          </a:p>
-        </p:txBody>
-      </p:sp>
-      <p:sp>
-        <p:nvSpPr>
-          <p:cNvPr id="3" name="Content Placeholder 2"/>
-          <p:cNvSpPr>
-            <a:spLocks noGrp="1"/>
-          </p:cNvSpPr>
+              <a:rPr lang="en-PH" dirty="0"/>
+              <a:t>Class Diagram</a:t>
+            </a:r>
+          </a:p>
+        </p:txBody>
+      </p:sp>
+      <p:pic>
+        <p:nvPicPr>
+          <p:cNvPr id="5" name="Content Placeholder 4"/>
+          <p:cNvPicPr>
+            <a:picLocks noGrp="1" noChangeAspect="1"/>
+          </p:cNvPicPr>
           <p:nvPr>
             <p:ph idx="1"/>
           </p:nvPr>
-        </p:nvSpPr>
-        <p:spPr/>
-        <p:txBody>
-          <a:bodyPr/>
-          <a:lstStyle/>
-          <a:p>
-            <a:r>
-              <a:rPr lang="en-US" dirty="0"/>
-              <a:t>Fake news can be lessened or better yet eliminated, since people keep falling prey for such posts; it needs to be stopped. This paper is meant to do just that; the program we are proposing is meant to detect if the news posted in your social media websites, which would literally get marked as a fake if it is one. To identify a fake news one must check the author, URL, title, number of likes, number of shares and number of comments. This program will be a plugin for the users’ internet browsers, but will only work for Facebook, and will not detect if posted news are fake from other websites. </a:t>
-            </a:r>
-            <a:r>
-              <a:rPr lang="en-US"/>
-              <a:t>If this program could be implemented, there will definitely be a big change in how news would be spread, since users will no longer fall for faulty news articles and posts. </a:t>
-            </a:r>
-          </a:p>
-          <a:p>
-            <a:endParaRPr lang="en-US" dirty="0"/>
-          </a:p>
-        </p:txBody>
-      </p:sp>
+        </p:nvPicPr>
+        <p:blipFill>
+          <a:blip r:embed="rId2">
+            <a:extLst>
+              <a:ext uri="{28A0092B-C50C-407E-A947-70E740481C1C}">
+                <a14:useLocalDpi xmlns:a14="http://schemas.microsoft.com/office/drawing/2010/main" val="0"/>
+              </a:ext>
+            </a:extLst>
+          </a:blip>
+          <a:stretch>
+            <a:fillRect/>
+          </a:stretch>
+        </p:blipFill>
+        <p:spPr>
+          <a:xfrm>
+            <a:off x="2239619" y="1720298"/>
+            <a:ext cx="7347692" cy="4645990"/>
+          </a:xfrm>
+        </p:spPr>
+      </p:pic>
     </p:spTree>
     <p:extLst>
       <p:ext uri="{BB962C8B-B14F-4D97-AF65-F5344CB8AC3E}">
-        <p14:creationId xmlns:p14="http://schemas.microsoft.com/office/powerpoint/2010/main" val="795938999"/>
+        <p14:creationId xmlns:p14="http://schemas.microsoft.com/office/powerpoint/2010/main" val="4107217497"/>
+      </p:ext>
+    </p:extLst>
+  </p:cSld>
+  <p:clrMapOvr>
+    <a:masterClrMapping/>
+  </p:clrMapOvr>
+</p:sld>
+</file>
+
+<file path=ppt/slides/slide25.xml><?xml version="1.0" encoding="utf-8"?>
+<p:sld xmlns:a="http://schemas.openxmlformats.org/drawingml/2006/main" xmlns:r="http://schemas.openxmlformats.org/officeDocument/2006/relationships" xmlns:p="http://schemas.openxmlformats.org/presentationml/2006/main">
+  <p:cSld>
+    <p:spTree>
+      <p:nvGrpSpPr>
+        <p:cNvPr id="1" name=""/>
+        <p:cNvGrpSpPr/>
+        <p:nvPr/>
+      </p:nvGrpSpPr>
+      <p:grpSpPr>
+        <a:xfrm>
+          <a:off x="0" y="0"/>
+          <a:ext cx="0" cy="0"/>
+          <a:chOff x="0" y="0"/>
+          <a:chExt cx="0" cy="0"/>
+        </a:xfrm>
+      </p:grpSpPr>
+      <p:sp>
+        <p:nvSpPr>
+          <p:cNvPr id="2" name="Title 1"/>
+          <p:cNvSpPr>
+            <a:spLocks noGrp="1"/>
+          </p:cNvSpPr>
+          <p:nvPr>
+            <p:ph type="title"/>
+          </p:nvPr>
+        </p:nvSpPr>
+        <p:spPr/>
+        <p:txBody>
+          <a:bodyPr/>
+          <a:lstStyle/>
+          <a:p>
+            <a:r>
+              <a:rPr lang="en-PH" dirty="0"/>
+              <a:t>Communication Diagram</a:t>
+            </a:r>
+          </a:p>
+        </p:txBody>
+      </p:sp>
+      <p:pic>
+        <p:nvPicPr>
+          <p:cNvPr id="5" name="Content Placeholder 4"/>
+          <p:cNvPicPr>
+            <a:picLocks noGrp="1" noChangeAspect="1"/>
+          </p:cNvPicPr>
+          <p:nvPr>
+            <p:ph idx="1"/>
+          </p:nvPr>
+        </p:nvPicPr>
+        <p:blipFill>
+          <a:blip r:embed="rId2">
+            <a:extLst>
+              <a:ext uri="{28A0092B-C50C-407E-A947-70E740481C1C}">
+                <a14:useLocalDpi xmlns:a14="http://schemas.microsoft.com/office/drawing/2010/main" val="0"/>
+              </a:ext>
+            </a:extLst>
+          </a:blip>
+          <a:stretch>
+            <a:fillRect/>
+          </a:stretch>
+        </p:blipFill>
+        <p:spPr>
+          <a:xfrm>
+            <a:off x="1371600" y="1821456"/>
+            <a:ext cx="9199172" cy="4774813"/>
+          </a:xfrm>
+        </p:spPr>
+      </p:pic>
+    </p:spTree>
+    <p:extLst>
+      <p:ext uri="{BB962C8B-B14F-4D97-AF65-F5344CB8AC3E}">
+        <p14:creationId xmlns:p14="http://schemas.microsoft.com/office/powerpoint/2010/main" val="2652646934"/>
+      </p:ext>
+    </p:extLst>
+  </p:cSld>
+  <p:clrMapOvr>
+    <a:masterClrMapping/>
+  </p:clrMapOvr>
+</p:sld>
+</file>
+
+<file path=ppt/slides/slide26.xml><?xml version="1.0" encoding="utf-8"?>
+<p:sld xmlns:a="http://schemas.openxmlformats.org/drawingml/2006/main" xmlns:r="http://schemas.openxmlformats.org/officeDocument/2006/relationships" xmlns:p="http://schemas.openxmlformats.org/presentationml/2006/main">
+  <p:cSld>
+    <p:spTree>
+      <p:nvGrpSpPr>
+        <p:cNvPr id="1" name=""/>
+        <p:cNvGrpSpPr/>
+        <p:nvPr/>
+      </p:nvGrpSpPr>
+      <p:grpSpPr>
+        <a:xfrm>
+          <a:off x="0" y="0"/>
+          <a:ext cx="0" cy="0"/>
+          <a:chOff x="0" y="0"/>
+          <a:chExt cx="0" cy="0"/>
+        </a:xfrm>
+      </p:grpSpPr>
+      <p:sp>
+        <p:nvSpPr>
+          <p:cNvPr id="2" name="Title 1"/>
+          <p:cNvSpPr>
+            <a:spLocks noGrp="1"/>
+          </p:cNvSpPr>
+          <p:nvPr>
+            <p:ph type="title"/>
+          </p:nvPr>
+        </p:nvSpPr>
+        <p:spPr/>
+        <p:txBody>
+          <a:bodyPr/>
+          <a:lstStyle/>
+          <a:p>
+            <a:r>
+              <a:rPr lang="en-PH" dirty="0"/>
+              <a:t>Component Diagram</a:t>
+            </a:r>
+          </a:p>
+        </p:txBody>
+      </p:sp>
+      <p:pic>
+        <p:nvPicPr>
+          <p:cNvPr id="5" name="Content Placeholder 4"/>
+          <p:cNvPicPr>
+            <a:picLocks noGrp="1" noChangeAspect="1"/>
+          </p:cNvPicPr>
+          <p:nvPr>
+            <p:ph idx="1"/>
+          </p:nvPr>
+        </p:nvPicPr>
+        <p:blipFill>
+          <a:blip r:embed="rId2">
+            <a:extLst>
+              <a:ext uri="{28A0092B-C50C-407E-A947-70E740481C1C}">
+                <a14:useLocalDpi xmlns:a14="http://schemas.microsoft.com/office/drawing/2010/main" val="0"/>
+              </a:ext>
+            </a:extLst>
+          </a:blip>
+          <a:stretch>
+            <a:fillRect/>
+          </a:stretch>
+        </p:blipFill>
+        <p:spPr>
+          <a:xfrm>
+            <a:off x="1285461" y="1428750"/>
+            <a:ext cx="9773478" cy="4945546"/>
+          </a:xfrm>
+        </p:spPr>
+      </p:pic>
+    </p:spTree>
+    <p:extLst>
+      <p:ext uri="{BB962C8B-B14F-4D97-AF65-F5344CB8AC3E}">
+        <p14:creationId xmlns:p14="http://schemas.microsoft.com/office/powerpoint/2010/main" val="3496343291"/>
+      </p:ext>
+    </p:extLst>
+  </p:cSld>
+  <p:clrMapOvr>
+    <a:masterClrMapping/>
+  </p:clrMapOvr>
+</p:sld>
+</file>
+
+<file path=ppt/slides/slide27.xml><?xml version="1.0" encoding="utf-8"?>
+<p:sld xmlns:a="http://schemas.openxmlformats.org/drawingml/2006/main" xmlns:r="http://schemas.openxmlformats.org/officeDocument/2006/relationships" xmlns:p="http://schemas.openxmlformats.org/presentationml/2006/main">
+  <p:cSld>
+    <p:spTree>
+      <p:nvGrpSpPr>
+        <p:cNvPr id="1" name=""/>
+        <p:cNvGrpSpPr/>
+        <p:nvPr/>
+      </p:nvGrpSpPr>
+      <p:grpSpPr>
+        <a:xfrm>
+          <a:off x="0" y="0"/>
+          <a:ext cx="0" cy="0"/>
+          <a:chOff x="0" y="0"/>
+          <a:chExt cx="0" cy="0"/>
+        </a:xfrm>
+      </p:grpSpPr>
+      <p:sp>
+        <p:nvSpPr>
+          <p:cNvPr id="2" name="Title 1"/>
+          <p:cNvSpPr>
+            <a:spLocks noGrp="1"/>
+          </p:cNvSpPr>
+          <p:nvPr>
+            <p:ph type="title"/>
+          </p:nvPr>
+        </p:nvSpPr>
+        <p:spPr/>
+        <p:txBody>
+          <a:bodyPr/>
+          <a:lstStyle/>
+          <a:p>
+            <a:r>
+              <a:rPr lang="en-PH" dirty="0"/>
+              <a:t>Composite Diagram</a:t>
+            </a:r>
+          </a:p>
+        </p:txBody>
+      </p:sp>
+      <p:pic>
+        <p:nvPicPr>
+          <p:cNvPr id="5" name="Content Placeholder 4"/>
+          <p:cNvPicPr>
+            <a:picLocks noGrp="1" noChangeAspect="1"/>
+          </p:cNvPicPr>
+          <p:nvPr>
+            <p:ph idx="1"/>
+          </p:nvPr>
+        </p:nvPicPr>
+        <p:blipFill>
+          <a:blip r:embed="rId2">
+            <a:extLst>
+              <a:ext uri="{28A0092B-C50C-407E-A947-70E740481C1C}">
+                <a14:useLocalDpi xmlns:a14="http://schemas.microsoft.com/office/drawing/2010/main" val="0"/>
+              </a:ext>
+            </a:extLst>
+          </a:blip>
+          <a:stretch>
+            <a:fillRect/>
+          </a:stretch>
+        </p:blipFill>
+        <p:spPr>
+          <a:xfrm>
+            <a:off x="1219200" y="1428750"/>
+            <a:ext cx="9501809" cy="5205391"/>
+          </a:xfrm>
+        </p:spPr>
+      </p:pic>
+    </p:spTree>
+    <p:extLst>
+      <p:ext uri="{BB962C8B-B14F-4D97-AF65-F5344CB8AC3E}">
+        <p14:creationId xmlns:p14="http://schemas.microsoft.com/office/powerpoint/2010/main" val="1321981688"/>
+      </p:ext>
+    </p:extLst>
+  </p:cSld>
+  <p:clrMapOvr>
+    <a:masterClrMapping/>
+  </p:clrMapOvr>
+</p:sld>
+</file>
+
+<file path=ppt/slides/slide28.xml><?xml version="1.0" encoding="utf-8"?>
+<p:sld xmlns:a="http://schemas.openxmlformats.org/drawingml/2006/main" xmlns:r="http://schemas.openxmlformats.org/officeDocument/2006/relationships" xmlns:p="http://schemas.openxmlformats.org/presentationml/2006/main">
+  <p:cSld>
+    <p:spTree>
+      <p:nvGrpSpPr>
+        <p:cNvPr id="1" name=""/>
+        <p:cNvGrpSpPr/>
+        <p:nvPr/>
+      </p:nvGrpSpPr>
+      <p:grpSpPr>
+        <a:xfrm>
+          <a:off x="0" y="0"/>
+          <a:ext cx="0" cy="0"/>
+          <a:chOff x="0" y="0"/>
+          <a:chExt cx="0" cy="0"/>
+        </a:xfrm>
+      </p:grpSpPr>
+      <p:sp>
+        <p:nvSpPr>
+          <p:cNvPr id="2" name="Title 1"/>
+          <p:cNvSpPr>
+            <a:spLocks noGrp="1"/>
+          </p:cNvSpPr>
+          <p:nvPr>
+            <p:ph type="title"/>
+          </p:nvPr>
+        </p:nvSpPr>
+        <p:spPr/>
+        <p:txBody>
+          <a:bodyPr/>
+          <a:lstStyle/>
+          <a:p>
+            <a:r>
+              <a:rPr lang="en-PH" dirty="0"/>
+              <a:t>Interaction Overview Diagram</a:t>
+            </a:r>
+          </a:p>
+        </p:txBody>
+      </p:sp>
+      <p:pic>
+        <p:nvPicPr>
+          <p:cNvPr id="5" name="Content Placeholder 4"/>
+          <p:cNvPicPr>
+            <a:picLocks noGrp="1" noChangeAspect="1"/>
+          </p:cNvPicPr>
+          <p:nvPr>
+            <p:ph idx="1"/>
+          </p:nvPr>
+        </p:nvPicPr>
+        <p:blipFill>
+          <a:blip r:embed="rId2">
+            <a:extLst>
+              <a:ext uri="{28A0092B-C50C-407E-A947-70E740481C1C}">
+                <a14:useLocalDpi xmlns:a14="http://schemas.microsoft.com/office/drawing/2010/main" val="0"/>
+              </a:ext>
+            </a:extLst>
+          </a:blip>
+          <a:stretch>
+            <a:fillRect/>
+          </a:stretch>
+        </p:blipFill>
+        <p:spPr>
+          <a:xfrm>
+            <a:off x="1908312" y="1428750"/>
+            <a:ext cx="9157253" cy="5251569"/>
+          </a:xfrm>
+        </p:spPr>
+      </p:pic>
+    </p:spTree>
+    <p:extLst>
+      <p:ext uri="{BB962C8B-B14F-4D97-AF65-F5344CB8AC3E}">
+        <p14:creationId xmlns:p14="http://schemas.microsoft.com/office/powerpoint/2010/main" val="966176812"/>
+      </p:ext>
+    </p:extLst>
+  </p:cSld>
+  <p:clrMapOvr>
+    <a:masterClrMapping/>
+  </p:clrMapOvr>
+</p:sld>
+</file>
+
+<file path=ppt/slides/slide29.xml><?xml version="1.0" encoding="utf-8"?>
+<p:sld xmlns:a="http://schemas.openxmlformats.org/drawingml/2006/main" xmlns:r="http://schemas.openxmlformats.org/officeDocument/2006/relationships" xmlns:p="http://schemas.openxmlformats.org/presentationml/2006/main">
+  <p:cSld>
+    <p:spTree>
+      <p:nvGrpSpPr>
+        <p:cNvPr id="1" name=""/>
+        <p:cNvGrpSpPr/>
+        <p:nvPr/>
+      </p:nvGrpSpPr>
+      <p:grpSpPr>
+        <a:xfrm>
+          <a:off x="0" y="0"/>
+          <a:ext cx="0" cy="0"/>
+          <a:chOff x="0" y="0"/>
+          <a:chExt cx="0" cy="0"/>
+        </a:xfrm>
+      </p:grpSpPr>
+      <p:sp>
+        <p:nvSpPr>
+          <p:cNvPr id="2" name="Title 1"/>
+          <p:cNvSpPr>
+            <a:spLocks noGrp="1"/>
+          </p:cNvSpPr>
+          <p:nvPr>
+            <p:ph type="title"/>
+          </p:nvPr>
+        </p:nvSpPr>
+        <p:spPr/>
+        <p:txBody>
+          <a:bodyPr/>
+          <a:lstStyle/>
+          <a:p>
+            <a:r>
+              <a:rPr lang="en-PH" dirty="0"/>
+              <a:t>Object Diagram</a:t>
+            </a:r>
+          </a:p>
+        </p:txBody>
+      </p:sp>
+      <p:pic>
+        <p:nvPicPr>
+          <p:cNvPr id="5" name="Content Placeholder 4"/>
+          <p:cNvPicPr>
+            <a:picLocks noGrp="1" noChangeAspect="1"/>
+          </p:cNvPicPr>
+          <p:nvPr>
+            <p:ph idx="1"/>
+          </p:nvPr>
+        </p:nvPicPr>
+        <p:blipFill>
+          <a:blip r:embed="rId2">
+            <a:extLst>
+              <a:ext uri="{28A0092B-C50C-407E-A947-70E740481C1C}">
+                <a14:useLocalDpi xmlns:a14="http://schemas.microsoft.com/office/drawing/2010/main" val="0"/>
+              </a:ext>
+            </a:extLst>
+          </a:blip>
+          <a:stretch>
+            <a:fillRect/>
+          </a:stretch>
+        </p:blipFill>
+        <p:spPr>
+          <a:xfrm>
+            <a:off x="1630017" y="1590260"/>
+            <a:ext cx="9568070" cy="4941523"/>
+          </a:xfrm>
+        </p:spPr>
+      </p:pic>
+    </p:spTree>
+    <p:extLst>
+      <p:ext uri="{BB962C8B-B14F-4D97-AF65-F5344CB8AC3E}">
+        <p14:creationId xmlns:p14="http://schemas.microsoft.com/office/powerpoint/2010/main" val="2364238674"/>
       </p:ext>
     </p:extLst>
   </p:cSld>
@@ -8960,10 +8591,9 @@
           <a:lstStyle/>
           <a:p>
             <a:r>
-              <a:rPr lang="en-US" dirty="0" smtClean="0"/>
+              <a:rPr lang="en-US" dirty="0"/>
               <a:t>Purpose of this project</a:t>
             </a:r>
-            <a:endParaRPr lang="en-US" dirty="0"/>
           </a:p>
         </p:txBody>
       </p:sp>
@@ -8983,14 +8613,9 @@
           <a:lstStyle/>
           <a:p>
             <a:r>
-              <a:rPr lang="en-US" dirty="0" smtClean="0"/>
-              <a:t>The purpose of this project is </a:t>
-            </a:r>
-            <a:r>
               <a:rPr lang="en-US" dirty="0"/>
-              <a:t>to prevent online users from being tricked by fake news</a:t>
-            </a:r>
-            <a:endParaRPr lang="en-US" dirty="0"/>
+              <a:t>The purpose of this project is to prevent online users from being tricked by fake news</a:t>
+            </a:r>
           </a:p>
         </p:txBody>
       </p:sp>
@@ -8998,6 +8623,239 @@
     <p:extLst>
       <p:ext uri="{BB962C8B-B14F-4D97-AF65-F5344CB8AC3E}">
         <p14:creationId xmlns:p14="http://schemas.microsoft.com/office/powerpoint/2010/main" val="3715602216"/>
+      </p:ext>
+    </p:extLst>
+  </p:cSld>
+  <p:clrMapOvr>
+    <a:masterClrMapping/>
+  </p:clrMapOvr>
+</p:sld>
+</file>
+
+<file path=ppt/slides/slide30.xml><?xml version="1.0" encoding="utf-8"?>
+<p:sld xmlns:a="http://schemas.openxmlformats.org/drawingml/2006/main" xmlns:r="http://schemas.openxmlformats.org/officeDocument/2006/relationships" xmlns:p="http://schemas.openxmlformats.org/presentationml/2006/main">
+  <p:cSld>
+    <p:spTree>
+      <p:nvGrpSpPr>
+        <p:cNvPr id="1" name=""/>
+        <p:cNvGrpSpPr/>
+        <p:nvPr/>
+      </p:nvGrpSpPr>
+      <p:grpSpPr>
+        <a:xfrm>
+          <a:off x="0" y="0"/>
+          <a:ext cx="0" cy="0"/>
+          <a:chOff x="0" y="0"/>
+          <a:chExt cx="0" cy="0"/>
+        </a:xfrm>
+      </p:grpSpPr>
+      <p:sp>
+        <p:nvSpPr>
+          <p:cNvPr id="2" name="Title 1"/>
+          <p:cNvSpPr>
+            <a:spLocks noGrp="1"/>
+          </p:cNvSpPr>
+          <p:nvPr>
+            <p:ph type="title"/>
+          </p:nvPr>
+        </p:nvSpPr>
+        <p:spPr/>
+        <p:txBody>
+          <a:bodyPr/>
+          <a:lstStyle/>
+          <a:p>
+            <a:r>
+              <a:rPr lang="en-PH" dirty="0"/>
+              <a:t>Package Diagram</a:t>
+            </a:r>
+          </a:p>
+        </p:txBody>
+      </p:sp>
+      <p:pic>
+        <p:nvPicPr>
+          <p:cNvPr id="5" name="Content Placeholder 4"/>
+          <p:cNvPicPr>
+            <a:picLocks noGrp="1" noChangeAspect="1"/>
+          </p:cNvPicPr>
+          <p:nvPr>
+            <p:ph idx="1"/>
+          </p:nvPr>
+        </p:nvPicPr>
+        <p:blipFill>
+          <a:blip r:embed="rId2">
+            <a:extLst>
+              <a:ext uri="{28A0092B-C50C-407E-A947-70E740481C1C}">
+                <a14:useLocalDpi xmlns:a14="http://schemas.microsoft.com/office/drawing/2010/main" val="0"/>
+              </a:ext>
+            </a:extLst>
+          </a:blip>
+          <a:stretch>
+            <a:fillRect/>
+          </a:stretch>
+        </p:blipFill>
+        <p:spPr>
+          <a:xfrm>
+            <a:off x="1689563" y="1928192"/>
+            <a:ext cx="8965273" cy="4369248"/>
+          </a:xfrm>
+        </p:spPr>
+      </p:pic>
+    </p:spTree>
+    <p:extLst>
+      <p:ext uri="{BB962C8B-B14F-4D97-AF65-F5344CB8AC3E}">
+        <p14:creationId xmlns:p14="http://schemas.microsoft.com/office/powerpoint/2010/main" val="2494861230"/>
+      </p:ext>
+    </p:extLst>
+  </p:cSld>
+  <p:clrMapOvr>
+    <a:masterClrMapping/>
+  </p:clrMapOvr>
+</p:sld>
+</file>
+
+<file path=ppt/slides/slide31.xml><?xml version="1.0" encoding="utf-8"?>
+<p:sld xmlns:a="http://schemas.openxmlformats.org/drawingml/2006/main" xmlns:r="http://schemas.openxmlformats.org/officeDocument/2006/relationships" xmlns:p="http://schemas.openxmlformats.org/presentationml/2006/main">
+  <p:cSld>
+    <p:spTree>
+      <p:nvGrpSpPr>
+        <p:cNvPr id="1" name=""/>
+        <p:cNvGrpSpPr/>
+        <p:nvPr/>
+      </p:nvGrpSpPr>
+      <p:grpSpPr>
+        <a:xfrm>
+          <a:off x="0" y="0"/>
+          <a:ext cx="0" cy="0"/>
+          <a:chOff x="0" y="0"/>
+          <a:chExt cx="0" cy="0"/>
+        </a:xfrm>
+      </p:grpSpPr>
+      <p:sp>
+        <p:nvSpPr>
+          <p:cNvPr id="2" name="Title 1"/>
+          <p:cNvSpPr>
+            <a:spLocks noGrp="1"/>
+          </p:cNvSpPr>
+          <p:nvPr>
+            <p:ph type="title"/>
+          </p:nvPr>
+        </p:nvSpPr>
+        <p:spPr/>
+        <p:txBody>
+          <a:bodyPr/>
+          <a:lstStyle/>
+          <a:p>
+            <a:r>
+              <a:rPr lang="en-PH" dirty="0"/>
+              <a:t>Deployment Diagram</a:t>
+            </a:r>
+          </a:p>
+        </p:txBody>
+      </p:sp>
+      <p:sp>
+        <p:nvSpPr>
+          <p:cNvPr id="3" name="Content Placeholder 2"/>
+          <p:cNvSpPr>
+            <a:spLocks noGrp="1"/>
+          </p:cNvSpPr>
+          <p:nvPr>
+            <p:ph idx="1"/>
+          </p:nvPr>
+        </p:nvSpPr>
+        <p:spPr/>
+        <p:txBody>
+          <a:bodyPr/>
+          <a:lstStyle/>
+          <a:p>
+            <a:endParaRPr lang="en-PH" dirty="0"/>
+          </a:p>
+        </p:txBody>
+      </p:sp>
+    </p:spTree>
+    <p:extLst>
+      <p:ext uri="{BB962C8B-B14F-4D97-AF65-F5344CB8AC3E}">
+        <p14:creationId xmlns:p14="http://schemas.microsoft.com/office/powerpoint/2010/main" val="597677982"/>
+      </p:ext>
+    </p:extLst>
+  </p:cSld>
+  <p:clrMapOvr>
+    <a:masterClrMapping/>
+  </p:clrMapOvr>
+</p:sld>
+</file>
+
+<file path=ppt/slides/slide32.xml><?xml version="1.0" encoding="utf-8"?>
+<p:sld xmlns:a="http://schemas.openxmlformats.org/drawingml/2006/main" xmlns:r="http://schemas.openxmlformats.org/officeDocument/2006/relationships" xmlns:p="http://schemas.openxmlformats.org/presentationml/2006/main">
+  <p:cSld>
+    <p:spTree>
+      <p:nvGrpSpPr>
+        <p:cNvPr id="1" name=""/>
+        <p:cNvGrpSpPr/>
+        <p:nvPr/>
+      </p:nvGrpSpPr>
+      <p:grpSpPr>
+        <a:xfrm>
+          <a:off x="0" y="0"/>
+          <a:ext cx="0" cy="0"/>
+          <a:chOff x="0" y="0"/>
+          <a:chExt cx="0" cy="0"/>
+        </a:xfrm>
+      </p:grpSpPr>
+      <p:sp>
+        <p:nvSpPr>
+          <p:cNvPr id="2" name="Title 1"/>
+          <p:cNvSpPr>
+            <a:spLocks noGrp="1"/>
+          </p:cNvSpPr>
+          <p:nvPr>
+            <p:ph type="title"/>
+          </p:nvPr>
+        </p:nvSpPr>
+        <p:spPr/>
+        <p:txBody>
+          <a:bodyPr/>
+          <a:lstStyle/>
+          <a:p>
+            <a:r>
+              <a:rPr lang="en-US" dirty="0"/>
+              <a:t>Conclusion and Recommendation</a:t>
+            </a:r>
+          </a:p>
+        </p:txBody>
+      </p:sp>
+      <p:sp>
+        <p:nvSpPr>
+          <p:cNvPr id="3" name="Content Placeholder 2"/>
+          <p:cNvSpPr>
+            <a:spLocks noGrp="1"/>
+          </p:cNvSpPr>
+          <p:nvPr>
+            <p:ph idx="1"/>
+          </p:nvPr>
+        </p:nvSpPr>
+        <p:spPr/>
+        <p:txBody>
+          <a:bodyPr/>
+          <a:lstStyle/>
+          <a:p>
+            <a:r>
+              <a:rPr lang="en-US" dirty="0"/>
+              <a:t>Fake news can be lessened or better yet eliminated, since people keep falling prey for such posts; it needs to be stopped. This paper is meant to do just that; the program we are proposing is meant to detect if the news posted in your social media websites, which would literally get marked as a fake if it is one. To identify a fake news one must check the author, URL, title, number of likes, number of shares and number of comments. This program will be a plugin for the users’ internet browsers, but will only work for Facebook, and will not detect if posted news are fake from other websites. </a:t>
+            </a:r>
+            <a:r>
+              <a:rPr lang="en-US"/>
+              <a:t>If this program could be implemented, there will definitely be a big change in how news would be spread, since users will no longer fall for faulty news articles and posts. </a:t>
+            </a:r>
+          </a:p>
+          <a:p>
+            <a:endParaRPr lang="en-US" dirty="0"/>
+          </a:p>
+        </p:txBody>
+      </p:sp>
+    </p:spTree>
+    <p:extLst>
+      <p:ext uri="{BB962C8B-B14F-4D97-AF65-F5344CB8AC3E}">
+        <p14:creationId xmlns:p14="http://schemas.microsoft.com/office/powerpoint/2010/main" val="795938999"/>
       </p:ext>
     </p:extLst>
   </p:cSld>
@@ -9040,10 +8898,9 @@
           <a:lstStyle/>
           <a:p>
             <a:r>
-              <a:rPr lang="en-US" dirty="0" smtClean="0"/>
+              <a:rPr lang="en-US" dirty="0"/>
               <a:t>The problem</a:t>
             </a:r>
-            <a:endParaRPr lang="en-US" dirty="0"/>
           </a:p>
         </p:txBody>
       </p:sp>
@@ -9063,30 +8920,14 @@
           <a:lstStyle/>
           <a:p>
             <a:r>
-              <a:rPr lang="en-US" dirty="0" smtClean="0"/>
-              <a:t>Fake news misleads </a:t>
-            </a:r>
-            <a:r>
               <a:rPr lang="en-US" dirty="0"/>
-              <a:t>people and make the world less informed</a:t>
-            </a:r>
-            <a:r>
-              <a:rPr lang="en-US" dirty="0" smtClean="0"/>
-              <a:t>.</a:t>
-            </a:r>
-          </a:p>
-          <a:p>
-            <a:r>
-              <a:rPr lang="en-US" dirty="0" smtClean="0"/>
-              <a:t>It </a:t>
-            </a:r>
+              <a:t>Fake news misleads people and make the world less informed.</a:t>
+            </a:r>
+          </a:p>
+          <a:p>
             <a:r>
               <a:rPr lang="en-US" dirty="0"/>
-              <a:t>harms the community and the industry in an alarming </a:t>
-            </a:r>
-            <a:r>
-              <a:rPr lang="en-US" dirty="0" smtClean="0"/>
-              <a:t>level.</a:t>
+              <a:t>It harms the community and the industry in an alarming level.</a:t>
             </a:r>
           </a:p>
           <a:p>
@@ -9099,11 +8940,6 @@
               </a:rPr>
               <a:t>Eric Trump, the son of Donald Trump, tweeted an article about paid protestors from the domain “abcnews.com.co” that reinforced right wing conspiracy theories. The article was completely fabricated, but it resembled the real ABC News enough to fool those who weren’t paying attention</a:t>
             </a:r>
-            <a:endParaRPr lang="en-US" dirty="0">
-              <a:solidFill>
-                <a:srgbClr val="FF0000"/>
-              </a:solidFill>
-            </a:endParaRPr>
           </a:p>
         </p:txBody>
       </p:sp>
@@ -9153,10 +8989,9 @@
           <a:lstStyle/>
           <a:p>
             <a:r>
-              <a:rPr lang="en-US" dirty="0" smtClean="0"/>
+              <a:rPr lang="en-US" dirty="0"/>
               <a:t>Our objectives</a:t>
             </a:r>
-            <a:endParaRPr lang="en-US" dirty="0"/>
           </a:p>
         </p:txBody>
       </p:sp>
@@ -9239,10 +9074,9 @@
           <a:lstStyle/>
           <a:p>
             <a:r>
-              <a:rPr lang="en-US" dirty="0" smtClean="0"/>
+              <a:rPr lang="en-US" dirty="0"/>
               <a:t>Scope and limitation</a:t>
             </a:r>
-            <a:endParaRPr lang="en-US" dirty="0"/>
           </a:p>
         </p:txBody>
       </p:sp>
@@ -9264,50 +9098,26 @@
           <a:lstStyle/>
           <a:p>
             <a:r>
-              <a:rPr lang="en-US" dirty="0" smtClean="0"/>
-              <a:t>We will </a:t>
-            </a:r>
-            <a:r>
               <a:rPr lang="en-US" dirty="0"/>
-              <a:t>use JavaScript and python programming languages to create a web extension for identifying fake news</a:t>
-            </a:r>
-            <a:r>
-              <a:rPr lang="en-US" dirty="0" smtClean="0"/>
-              <a:t>.</a:t>
+              <a:t>We will use JavaScript programming language to create a web extension for identifying fake news.</a:t>
             </a:r>
           </a:p>
           <a:p>
             <a:r>
               <a:rPr lang="en-US" dirty="0"/>
-              <a:t>The gathered datasets will come from three online websites (Kaggle.com, cbcpwebsite.com, Primer.com</a:t>
-            </a:r>
-            <a:r>
-              <a:rPr lang="en-US" dirty="0" smtClean="0"/>
-              <a:t>).</a:t>
-            </a:r>
-          </a:p>
-          <a:p>
-            <a:r>
-              <a:rPr lang="en-US" dirty="0" smtClean="0"/>
-              <a:t>The extension </a:t>
-            </a:r>
+              <a:t>The gathered datasets will come from three online websites (Kaggle.com, cbcpwebsite.com, Primer.com).</a:t>
+            </a:r>
+          </a:p>
+          <a:p>
             <a:r>
               <a:rPr lang="en-US" dirty="0"/>
-              <a:t>will only work on the latest and upcoming versions Google Chrome and it will not work on any other browsers</a:t>
-            </a:r>
-            <a:r>
-              <a:rPr lang="en-US" dirty="0" smtClean="0"/>
-              <a:t>.</a:t>
+              <a:t>The extension will only work on the latest and upcoming versions Google Chrome and it will not work on any other browsers.</a:t>
             </a:r>
           </a:p>
           <a:p>
             <a:r>
               <a:rPr lang="en-US" dirty="0"/>
-              <a:t>This study is only limited on identifying fake news in Facebook and will not cover any microblogging </a:t>
-            </a:r>
-            <a:r>
-              <a:rPr lang="en-US" dirty="0" smtClean="0"/>
-              <a:t>sites.</a:t>
+              <a:t>This study is only limited on identifying fake news in Facebook and will not cover any microblogging sites.</a:t>
             </a:r>
           </a:p>
           <a:p>
@@ -9315,12 +9125,8 @@
               <a:rPr lang="en-US" dirty="0"/>
               <a:t>The researchers will not use any classifier algorithm other than SVM. </a:t>
             </a:r>
-            <a:r>
-              <a:rPr lang="en-US" dirty="0" smtClean="0"/>
-              <a:t/>
-            </a:r>
             <a:br>
-              <a:rPr lang="en-US" dirty="0" smtClean="0"/>
+              <a:rPr lang="en-US" dirty="0"/>
             </a:br>
             <a:endParaRPr lang="en-US" dirty="0"/>
           </a:p>
@@ -9375,10 +9181,9 @@
           <a:lstStyle/>
           <a:p>
             <a:r>
-              <a:rPr lang="en-US" dirty="0" smtClean="0"/>
+              <a:rPr lang="en-US" dirty="0"/>
               <a:t>What is Support Vector Machine</a:t>
             </a:r>
-            <a:endParaRPr lang="en-US" dirty="0"/>
           </a:p>
         </p:txBody>
       </p:sp>
@@ -9401,7 +9206,6 @@
               <a:rPr lang="en-US" dirty="0"/>
               <a:t>A Support Vector Machine (SVM) is a supervised machine learning algorithm that can be employed for both classification and regression purposes. </a:t>
             </a:r>
-            <a:endParaRPr lang="en-US" dirty="0"/>
           </a:p>
         </p:txBody>
       </p:sp>
@@ -9451,10 +9255,9 @@
           <a:lstStyle/>
           <a:p>
             <a:r>
-              <a:rPr lang="en-US" dirty="0" smtClean="0"/>
+              <a:rPr lang="en-US" dirty="0"/>
               <a:t>How SVM works</a:t>
             </a:r>
-            <a:endParaRPr lang="en-US" dirty="0"/>
           </a:p>
         </p:txBody>
       </p:sp>
@@ -9477,7 +9280,6 @@
               <a:rPr lang="en-US" dirty="0"/>
               <a:t>SVMs are based on the idea of finding a hyperplane that best divides a dataset into two classes</a:t>
             </a:r>
-            <a:endParaRPr lang="en-US" dirty="0"/>
           </a:p>
         </p:txBody>
       </p:sp>
@@ -9579,14 +9381,9 @@
           <a:lstStyle/>
           <a:p>
             <a:r>
-              <a:rPr lang="en-US" dirty="0" smtClean="0"/>
-              <a:t>Hyperplane is a </a:t>
-            </a:r>
-            <a:r>
               <a:rPr lang="en-US" dirty="0"/>
-              <a:t>line that linearly separates and classifies a set of data.</a:t>
-            </a:r>
-            <a:endParaRPr lang="en-US" dirty="0"/>
+              <a:t>Hyperplane is a line that linearly separates and classifies a set of data.</a:t>
+            </a:r>
           </a:p>
         </p:txBody>
       </p:sp>

--- a/Identifying fake news in facebook.pptx
+++ b/Identifying fake news in facebook.pptx
@@ -28,14 +28,14 @@
     <p:sldId id="275" r:id="rId22"/>
     <p:sldId id="276" r:id="rId23"/>
     <p:sldId id="277" r:id="rId24"/>
-    <p:sldId id="281" r:id="rId25"/>
+    <p:sldId id="283" r:id="rId25"/>
     <p:sldId id="282" r:id="rId26"/>
-    <p:sldId id="283" r:id="rId27"/>
-    <p:sldId id="284" r:id="rId28"/>
-    <p:sldId id="285" r:id="rId29"/>
-    <p:sldId id="286" r:id="rId30"/>
-    <p:sldId id="287" r:id="rId31"/>
-    <p:sldId id="288" r:id="rId32"/>
+    <p:sldId id="284" r:id="rId27"/>
+    <p:sldId id="285" r:id="rId28"/>
+    <p:sldId id="288" r:id="rId29"/>
+    <p:sldId id="281" r:id="rId30"/>
+    <p:sldId id="286" r:id="rId31"/>
+    <p:sldId id="287" r:id="rId32"/>
     <p:sldId id="279" r:id="rId33"/>
   </p:sldIdLst>
   <p:sldSz cx="12192000" cy="6858000"/>
@@ -143,6 +143,10 @@
 </p:presentation>
 </file>
 
+<file path=ppt/revisionInfo.xml><?xml version="1.0" encoding="utf-8"?>
+<p1510:revInfo xmlns:a="http://schemas.openxmlformats.org/drawingml/2006/main" xmlns:r="http://schemas.openxmlformats.org/officeDocument/2006/relationships" xmlns:p1510="http://schemas.microsoft.com/office/powerpoint/2015/10/main"/>
+</file>
+
 <file path=ppt/slideLayouts/slideLayout1.xml><?xml version="1.0" encoding="utf-8"?>
 <p:sldLayout xmlns:a="http://schemas.openxmlformats.org/drawingml/2006/main" xmlns:r="http://schemas.openxmlformats.org/officeDocument/2006/relationships" xmlns:p="http://schemas.openxmlformats.org/presentationml/2006/main" showMasterSp="0" type="title" preserve="1">
   <p:cSld name="Title Slide">
@@ -312,7 +316,7 @@
           <a:p>
             <a:fld id="{59E96F55-476F-4FBF-A88F-42E87486F748}" type="datetimeFigureOut">
               <a:rPr lang="en-US" smtClean="0"/>
-              <a:t>8/16/2017</a:t>
+              <a:t>8/17/2017</a:t>
             </a:fld>
             <a:endParaRPr lang="en-US"/>
           </a:p>
@@ -642,7 +646,7 @@
           <a:p>
             <a:fld id="{59E96F55-476F-4FBF-A88F-42E87486F748}" type="datetimeFigureOut">
               <a:rPr lang="en-US" smtClean="0"/>
-              <a:t>8/16/2017</a:t>
+              <a:t>8/17/2017</a:t>
             </a:fld>
             <a:endParaRPr lang="en-US"/>
           </a:p>
@@ -822,7 +826,7 @@
           <a:p>
             <a:fld id="{59E96F55-476F-4FBF-A88F-42E87486F748}" type="datetimeFigureOut">
               <a:rPr lang="en-US" smtClean="0"/>
-              <a:t>8/16/2017</a:t>
+              <a:t>8/17/2017</a:t>
             </a:fld>
             <a:endParaRPr lang="en-US"/>
           </a:p>
@@ -992,7 +996,7 @@
           <a:p>
             <a:fld id="{59E96F55-476F-4FBF-A88F-42E87486F748}" type="datetimeFigureOut">
               <a:rPr lang="en-US" smtClean="0"/>
-              <a:t>8/16/2017</a:t>
+              <a:t>8/17/2017</a:t>
             </a:fld>
             <a:endParaRPr lang="en-US"/>
           </a:p>
@@ -1269,7 +1273,7 @@
           <a:p>
             <a:fld id="{59E96F55-476F-4FBF-A88F-42E87486F748}" type="datetimeFigureOut">
               <a:rPr lang="en-US" smtClean="0"/>
-              <a:t>8/16/2017</a:t>
+              <a:t>8/17/2017</a:t>
             </a:fld>
             <a:endParaRPr lang="en-US"/>
           </a:p>
@@ -1663,7 +1667,7 @@
           <a:p>
             <a:fld id="{59E96F55-476F-4FBF-A88F-42E87486F748}" type="datetimeFigureOut">
               <a:rPr lang="en-US" smtClean="0"/>
-              <a:t>8/16/2017</a:t>
+              <a:t>8/17/2017</a:t>
             </a:fld>
             <a:endParaRPr lang="en-US"/>
           </a:p>
@@ -2140,7 +2144,7 @@
           <a:p>
             <a:fld id="{59E96F55-476F-4FBF-A88F-42E87486F748}" type="datetimeFigureOut">
               <a:rPr lang="en-US" smtClean="0"/>
-              <a:t>8/16/2017</a:t>
+              <a:t>8/17/2017</a:t>
             </a:fld>
             <a:endParaRPr lang="en-US"/>
           </a:p>
@@ -2258,7 +2262,7 @@
           <a:p>
             <a:fld id="{59E96F55-476F-4FBF-A88F-42E87486F748}" type="datetimeFigureOut">
               <a:rPr lang="en-US" smtClean="0"/>
-              <a:t>8/16/2017</a:t>
+              <a:t>8/17/2017</a:t>
             </a:fld>
             <a:endParaRPr lang="en-US"/>
           </a:p>
@@ -2353,7 +2357,7 @@
           <a:p>
             <a:fld id="{59E96F55-476F-4FBF-A88F-42E87486F748}" type="datetimeFigureOut">
               <a:rPr lang="en-US" smtClean="0"/>
-              <a:t>8/16/2017</a:t>
+              <a:t>8/17/2017</a:t>
             </a:fld>
             <a:endParaRPr lang="en-US"/>
           </a:p>
@@ -2699,7 +2703,7 @@
           <a:p>
             <a:fld id="{59E96F55-476F-4FBF-A88F-42E87486F748}" type="datetimeFigureOut">
               <a:rPr lang="en-US" smtClean="0"/>
-              <a:t>8/16/2017</a:t>
+              <a:t>8/17/2017</a:t>
             </a:fld>
             <a:endParaRPr lang="en-US"/>
           </a:p>
@@ -3087,7 +3091,7 @@
           <a:p>
             <a:fld id="{59E96F55-476F-4FBF-A88F-42E87486F748}" type="datetimeFigureOut">
               <a:rPr lang="en-US" smtClean="0"/>
-              <a:t>8/16/2017</a:t>
+              <a:t>8/17/2017</a:t>
             </a:fld>
             <a:endParaRPr lang="en-US"/>
           </a:p>
@@ -3365,7 +3369,7 @@
           <a:p>
             <a:fld id="{59E96F55-476F-4FBF-A88F-42E87486F748}" type="datetimeFigureOut">
               <a:rPr lang="en-US" smtClean="0"/>
-              <a:t>8/16/2017</a:t>
+              <a:t>8/17/2017</a:t>
             </a:fld>
             <a:endParaRPr lang="en-US"/>
           </a:p>
@@ -5092,7 +5096,6 @@
               <a:rPr lang="en-US" dirty="0"/>
               <a:t>Use Case Full Description</a:t>
             </a:r>
-            <a:endParaRPr lang="en-US" dirty="0"/>
           </a:p>
         </p:txBody>
       </p:sp>
@@ -5627,7 +5630,6 @@
               <a:rPr lang="en-US" dirty="0"/>
               <a:t>Use Case Full Description</a:t>
             </a:r>
-            <a:endParaRPr lang="en-US" dirty="0"/>
           </a:p>
         </p:txBody>
       </p:sp>
@@ -8106,7 +8108,7 @@
           <a:p>
             <a:r>
               <a:rPr lang="en-PH" dirty="0"/>
-              <a:t>Class Diagram</a:t>
+              <a:t>Component Diagram</a:t>
             </a:r>
           </a:p>
         </p:txBody>
@@ -8135,15 +8137,15 @@
         </p:blipFill>
         <p:spPr>
           <a:xfrm>
-            <a:off x="2239619" y="1720298"/>
-            <a:ext cx="7347692" cy="4645990"/>
+            <a:off x="1285461" y="1428750"/>
+            <a:ext cx="9773478" cy="4945546"/>
           </a:xfrm>
         </p:spPr>
       </p:pic>
     </p:spTree>
     <p:extLst>
       <p:ext uri="{BB962C8B-B14F-4D97-AF65-F5344CB8AC3E}">
-        <p14:creationId xmlns:p14="http://schemas.microsoft.com/office/powerpoint/2010/main" val="4107217497"/>
+        <p14:creationId xmlns:p14="http://schemas.microsoft.com/office/powerpoint/2010/main" val="3496343291"/>
       </p:ext>
     </p:extLst>
   </p:cSld>
@@ -8268,87 +8270,6 @@
           <a:p>
             <a:r>
               <a:rPr lang="en-PH" dirty="0"/>
-              <a:t>Component Diagram</a:t>
-            </a:r>
-          </a:p>
-        </p:txBody>
-      </p:sp>
-      <p:pic>
-        <p:nvPicPr>
-          <p:cNvPr id="5" name="Content Placeholder 4"/>
-          <p:cNvPicPr>
-            <a:picLocks noGrp="1" noChangeAspect="1"/>
-          </p:cNvPicPr>
-          <p:nvPr>
-            <p:ph idx="1"/>
-          </p:nvPr>
-        </p:nvPicPr>
-        <p:blipFill>
-          <a:blip r:embed="rId2">
-            <a:extLst>
-              <a:ext uri="{28A0092B-C50C-407E-A947-70E740481C1C}">
-                <a14:useLocalDpi xmlns:a14="http://schemas.microsoft.com/office/drawing/2010/main" val="0"/>
-              </a:ext>
-            </a:extLst>
-          </a:blip>
-          <a:stretch>
-            <a:fillRect/>
-          </a:stretch>
-        </p:blipFill>
-        <p:spPr>
-          <a:xfrm>
-            <a:off x="1285461" y="1428750"/>
-            <a:ext cx="9773478" cy="4945546"/>
-          </a:xfrm>
-        </p:spPr>
-      </p:pic>
-    </p:spTree>
-    <p:extLst>
-      <p:ext uri="{BB962C8B-B14F-4D97-AF65-F5344CB8AC3E}">
-        <p14:creationId xmlns:p14="http://schemas.microsoft.com/office/powerpoint/2010/main" val="3496343291"/>
-      </p:ext>
-    </p:extLst>
-  </p:cSld>
-  <p:clrMapOvr>
-    <a:masterClrMapping/>
-  </p:clrMapOvr>
-</p:sld>
-</file>
-
-<file path=ppt/slides/slide27.xml><?xml version="1.0" encoding="utf-8"?>
-<p:sld xmlns:a="http://schemas.openxmlformats.org/drawingml/2006/main" xmlns:r="http://schemas.openxmlformats.org/officeDocument/2006/relationships" xmlns:p="http://schemas.openxmlformats.org/presentationml/2006/main">
-  <p:cSld>
-    <p:spTree>
-      <p:nvGrpSpPr>
-        <p:cNvPr id="1" name=""/>
-        <p:cNvGrpSpPr/>
-        <p:nvPr/>
-      </p:nvGrpSpPr>
-      <p:grpSpPr>
-        <a:xfrm>
-          <a:off x="0" y="0"/>
-          <a:ext cx="0" cy="0"/>
-          <a:chOff x="0" y="0"/>
-          <a:chExt cx="0" cy="0"/>
-        </a:xfrm>
-      </p:grpSpPr>
-      <p:sp>
-        <p:nvSpPr>
-          <p:cNvPr id="2" name="Title 1"/>
-          <p:cNvSpPr>
-            <a:spLocks noGrp="1"/>
-          </p:cNvSpPr>
-          <p:nvPr>
-            <p:ph type="title"/>
-          </p:nvPr>
-        </p:nvSpPr>
-        <p:spPr/>
-        <p:txBody>
-          <a:bodyPr/>
-          <a:lstStyle/>
-          <a:p>
-            <a:r>
-              <a:rPr lang="en-PH" dirty="0"/>
               <a:t>Composite Diagram</a:t>
             </a:r>
           </a:p>
@@ -8396,7 +8317,7 @@
 </p:sld>
 </file>
 
-<file path=ppt/slides/slide28.xml><?xml version="1.0" encoding="utf-8"?>
+<file path=ppt/slides/slide27.xml><?xml version="1.0" encoding="utf-8"?>
 <p:sld xmlns:a="http://schemas.openxmlformats.org/drawingml/2006/main" xmlns:r="http://schemas.openxmlformats.org/officeDocument/2006/relationships" xmlns:p="http://schemas.openxmlformats.org/presentationml/2006/main">
   <p:cSld>
     <p:spTree>
@@ -8477,7 +8398,249 @@
 </p:sld>
 </file>
 
+<file path=ppt/slides/slide28.xml><?xml version="1.0" encoding="utf-8"?>
+<p:sld xmlns:a="http://schemas.openxmlformats.org/drawingml/2006/main" xmlns:r="http://schemas.openxmlformats.org/officeDocument/2006/relationships" xmlns:p="http://schemas.openxmlformats.org/presentationml/2006/main">
+  <p:cSld>
+    <p:spTree>
+      <p:nvGrpSpPr>
+        <p:cNvPr id="1" name=""/>
+        <p:cNvGrpSpPr/>
+        <p:nvPr/>
+      </p:nvGrpSpPr>
+      <p:grpSpPr>
+        <a:xfrm>
+          <a:off x="0" y="0"/>
+          <a:ext cx="0" cy="0"/>
+          <a:chOff x="0" y="0"/>
+          <a:chExt cx="0" cy="0"/>
+        </a:xfrm>
+      </p:grpSpPr>
+      <p:sp>
+        <p:nvSpPr>
+          <p:cNvPr id="2" name="Title 1"/>
+          <p:cNvSpPr>
+            <a:spLocks noGrp="1"/>
+          </p:cNvSpPr>
+          <p:nvPr>
+            <p:ph type="title"/>
+          </p:nvPr>
+        </p:nvSpPr>
+        <p:spPr/>
+        <p:txBody>
+          <a:bodyPr/>
+          <a:lstStyle/>
+          <a:p>
+            <a:r>
+              <a:rPr lang="en-PH" dirty="0"/>
+              <a:t>Deployment Diagram</a:t>
+            </a:r>
+          </a:p>
+        </p:txBody>
+      </p:sp>
+      <p:pic>
+        <p:nvPicPr>
+          <p:cNvPr id="5" name="Content Placeholder 4">
+            <a:extLst>
+              <a:ext uri="{FF2B5EF4-FFF2-40B4-BE49-F238E27FC236}">
+                <a16:creationId xmlns:a16="http://schemas.microsoft.com/office/drawing/2014/main" id="{94B040A3-F8E5-4288-B062-AF67D7FF23D5}"/>
+              </a:ext>
+            </a:extLst>
+          </p:cNvPr>
+          <p:cNvPicPr>
+            <a:picLocks noGrp="1" noChangeAspect="1"/>
+          </p:cNvPicPr>
+          <p:nvPr>
+            <p:ph idx="1"/>
+          </p:nvPr>
+        </p:nvPicPr>
+        <p:blipFill>
+          <a:blip r:embed="rId2">
+            <a:extLst>
+              <a:ext uri="{28A0092B-C50C-407E-A947-70E740481C1C}">
+                <a14:useLocalDpi xmlns:a14="http://schemas.microsoft.com/office/drawing/2010/main" val="0"/>
+              </a:ext>
+            </a:extLst>
+          </a:blip>
+          <a:stretch>
+            <a:fillRect/>
+          </a:stretch>
+        </p:blipFill>
+        <p:spPr>
+          <a:xfrm>
+            <a:off x="2595418" y="1567431"/>
+            <a:ext cx="7361382" cy="4299969"/>
+          </a:xfrm>
+        </p:spPr>
+      </p:pic>
+    </p:spTree>
+    <p:extLst>
+      <p:ext uri="{BB962C8B-B14F-4D97-AF65-F5344CB8AC3E}">
+        <p14:creationId xmlns:p14="http://schemas.microsoft.com/office/powerpoint/2010/main" val="597677982"/>
+      </p:ext>
+    </p:extLst>
+  </p:cSld>
+  <p:clrMapOvr>
+    <a:masterClrMapping/>
+  </p:clrMapOvr>
+</p:sld>
+</file>
+
 <file path=ppt/slides/slide29.xml><?xml version="1.0" encoding="utf-8"?>
+<p:sld xmlns:a="http://schemas.openxmlformats.org/drawingml/2006/main" xmlns:r="http://schemas.openxmlformats.org/officeDocument/2006/relationships" xmlns:p="http://schemas.openxmlformats.org/presentationml/2006/main">
+  <p:cSld>
+    <p:spTree>
+      <p:nvGrpSpPr>
+        <p:cNvPr id="1" name=""/>
+        <p:cNvGrpSpPr/>
+        <p:nvPr/>
+      </p:nvGrpSpPr>
+      <p:grpSpPr>
+        <a:xfrm>
+          <a:off x="0" y="0"/>
+          <a:ext cx="0" cy="0"/>
+          <a:chOff x="0" y="0"/>
+          <a:chExt cx="0" cy="0"/>
+        </a:xfrm>
+      </p:grpSpPr>
+      <p:sp>
+        <p:nvSpPr>
+          <p:cNvPr id="2" name="Title 1"/>
+          <p:cNvSpPr>
+            <a:spLocks noGrp="1"/>
+          </p:cNvSpPr>
+          <p:nvPr>
+            <p:ph type="title"/>
+          </p:nvPr>
+        </p:nvSpPr>
+        <p:spPr/>
+        <p:txBody>
+          <a:bodyPr/>
+          <a:lstStyle/>
+          <a:p>
+            <a:r>
+              <a:rPr lang="en-PH" dirty="0"/>
+              <a:t>Class Diagram</a:t>
+            </a:r>
+          </a:p>
+        </p:txBody>
+      </p:sp>
+      <p:pic>
+        <p:nvPicPr>
+          <p:cNvPr id="5" name="Content Placeholder 4"/>
+          <p:cNvPicPr>
+            <a:picLocks noGrp="1" noChangeAspect="1"/>
+          </p:cNvPicPr>
+          <p:nvPr>
+            <p:ph idx="1"/>
+          </p:nvPr>
+        </p:nvPicPr>
+        <p:blipFill>
+          <a:blip r:embed="rId2">
+            <a:extLst>
+              <a:ext uri="{28A0092B-C50C-407E-A947-70E740481C1C}">
+                <a14:useLocalDpi xmlns:a14="http://schemas.microsoft.com/office/drawing/2010/main" val="0"/>
+              </a:ext>
+            </a:extLst>
+          </a:blip>
+          <a:stretch>
+            <a:fillRect/>
+          </a:stretch>
+        </p:blipFill>
+        <p:spPr>
+          <a:xfrm>
+            <a:off x="2239619" y="1720298"/>
+            <a:ext cx="7347692" cy="4645990"/>
+          </a:xfrm>
+        </p:spPr>
+      </p:pic>
+    </p:spTree>
+    <p:extLst>
+      <p:ext uri="{BB962C8B-B14F-4D97-AF65-F5344CB8AC3E}">
+        <p14:creationId xmlns:p14="http://schemas.microsoft.com/office/powerpoint/2010/main" val="4107217497"/>
+      </p:ext>
+    </p:extLst>
+  </p:cSld>
+  <p:clrMapOvr>
+    <a:masterClrMapping/>
+  </p:clrMapOvr>
+</p:sld>
+</file>
+
+<file path=ppt/slides/slide3.xml><?xml version="1.0" encoding="utf-8"?>
+<p:sld xmlns:a="http://schemas.openxmlformats.org/drawingml/2006/main" xmlns:r="http://schemas.openxmlformats.org/officeDocument/2006/relationships" xmlns:p="http://schemas.openxmlformats.org/presentationml/2006/main">
+  <p:cSld>
+    <p:spTree>
+      <p:nvGrpSpPr>
+        <p:cNvPr id="1" name=""/>
+        <p:cNvGrpSpPr/>
+        <p:nvPr/>
+      </p:nvGrpSpPr>
+      <p:grpSpPr>
+        <a:xfrm>
+          <a:off x="0" y="0"/>
+          <a:ext cx="0" cy="0"/>
+          <a:chOff x="0" y="0"/>
+          <a:chExt cx="0" cy="0"/>
+        </a:xfrm>
+      </p:grpSpPr>
+      <p:sp>
+        <p:nvSpPr>
+          <p:cNvPr id="2" name="Title 1"/>
+          <p:cNvSpPr>
+            <a:spLocks noGrp="1"/>
+          </p:cNvSpPr>
+          <p:nvPr>
+            <p:ph type="title"/>
+          </p:nvPr>
+        </p:nvSpPr>
+        <p:spPr/>
+        <p:txBody>
+          <a:bodyPr/>
+          <a:lstStyle/>
+          <a:p>
+            <a:r>
+              <a:rPr lang="en-US" dirty="0"/>
+              <a:t>Purpose of this project</a:t>
+            </a:r>
+          </a:p>
+        </p:txBody>
+      </p:sp>
+      <p:sp>
+        <p:nvSpPr>
+          <p:cNvPr id="3" name="Content Placeholder 2"/>
+          <p:cNvSpPr>
+            <a:spLocks noGrp="1"/>
+          </p:cNvSpPr>
+          <p:nvPr>
+            <p:ph idx="1"/>
+          </p:nvPr>
+        </p:nvSpPr>
+        <p:spPr/>
+        <p:txBody>
+          <a:bodyPr/>
+          <a:lstStyle/>
+          <a:p>
+            <a:r>
+              <a:rPr lang="en-US" dirty="0"/>
+              <a:t>The purpose of this project is to prevent online users from being tricked by fake news</a:t>
+            </a:r>
+          </a:p>
+        </p:txBody>
+      </p:sp>
+    </p:spTree>
+    <p:extLst>
+      <p:ext uri="{BB962C8B-B14F-4D97-AF65-F5344CB8AC3E}">
+        <p14:creationId xmlns:p14="http://schemas.microsoft.com/office/powerpoint/2010/main" val="3715602216"/>
+      </p:ext>
+    </p:extLst>
+  </p:cSld>
+  <p:clrMapOvr>
+    <a:masterClrMapping/>
+  </p:clrMapOvr>
+</p:sld>
+</file>
+
+<file path=ppt/slides/slide30.xml><?xml version="1.0" encoding="utf-8"?>
 <p:sld xmlns:a="http://schemas.openxmlformats.org/drawingml/2006/main" xmlns:r="http://schemas.openxmlformats.org/officeDocument/2006/relationships" xmlns:p="http://schemas.openxmlformats.org/presentationml/2006/main">
   <p:cSld>
     <p:spTree>
@@ -8558,81 +8721,7 @@
 </p:sld>
 </file>
 
-<file path=ppt/slides/slide3.xml><?xml version="1.0" encoding="utf-8"?>
-<p:sld xmlns:a="http://schemas.openxmlformats.org/drawingml/2006/main" xmlns:r="http://schemas.openxmlformats.org/officeDocument/2006/relationships" xmlns:p="http://schemas.openxmlformats.org/presentationml/2006/main">
-  <p:cSld>
-    <p:spTree>
-      <p:nvGrpSpPr>
-        <p:cNvPr id="1" name=""/>
-        <p:cNvGrpSpPr/>
-        <p:nvPr/>
-      </p:nvGrpSpPr>
-      <p:grpSpPr>
-        <a:xfrm>
-          <a:off x="0" y="0"/>
-          <a:ext cx="0" cy="0"/>
-          <a:chOff x="0" y="0"/>
-          <a:chExt cx="0" cy="0"/>
-        </a:xfrm>
-      </p:grpSpPr>
-      <p:sp>
-        <p:nvSpPr>
-          <p:cNvPr id="2" name="Title 1"/>
-          <p:cNvSpPr>
-            <a:spLocks noGrp="1"/>
-          </p:cNvSpPr>
-          <p:nvPr>
-            <p:ph type="title"/>
-          </p:nvPr>
-        </p:nvSpPr>
-        <p:spPr/>
-        <p:txBody>
-          <a:bodyPr/>
-          <a:lstStyle/>
-          <a:p>
-            <a:r>
-              <a:rPr lang="en-US" dirty="0"/>
-              <a:t>Purpose of this project</a:t>
-            </a:r>
-          </a:p>
-        </p:txBody>
-      </p:sp>
-      <p:sp>
-        <p:nvSpPr>
-          <p:cNvPr id="3" name="Content Placeholder 2"/>
-          <p:cNvSpPr>
-            <a:spLocks noGrp="1"/>
-          </p:cNvSpPr>
-          <p:nvPr>
-            <p:ph idx="1"/>
-          </p:nvPr>
-        </p:nvSpPr>
-        <p:spPr/>
-        <p:txBody>
-          <a:bodyPr/>
-          <a:lstStyle/>
-          <a:p>
-            <a:r>
-              <a:rPr lang="en-US" dirty="0"/>
-              <a:t>The purpose of this project is to prevent online users from being tricked by fake news</a:t>
-            </a:r>
-          </a:p>
-        </p:txBody>
-      </p:sp>
-    </p:spTree>
-    <p:extLst>
-      <p:ext uri="{BB962C8B-B14F-4D97-AF65-F5344CB8AC3E}">
-        <p14:creationId xmlns:p14="http://schemas.microsoft.com/office/powerpoint/2010/main" val="3715602216"/>
-      </p:ext>
-    </p:extLst>
-  </p:cSld>
-  <p:clrMapOvr>
-    <a:masterClrMapping/>
-  </p:clrMapOvr>
-</p:sld>
-</file>
-
-<file path=ppt/slides/slide30.xml><?xml version="1.0" encoding="utf-8"?>
+<file path=ppt/slides/slide31.xml><?xml version="1.0" encoding="utf-8"?>
 <p:sld xmlns:a="http://schemas.openxmlformats.org/drawingml/2006/main" xmlns:r="http://schemas.openxmlformats.org/officeDocument/2006/relationships" xmlns:p="http://schemas.openxmlformats.org/presentationml/2006/main">
   <p:cSld>
     <p:spTree>
@@ -8704,77 +8793,6 @@
     <p:extLst>
       <p:ext uri="{BB962C8B-B14F-4D97-AF65-F5344CB8AC3E}">
         <p14:creationId xmlns:p14="http://schemas.microsoft.com/office/powerpoint/2010/main" val="2494861230"/>
-      </p:ext>
-    </p:extLst>
-  </p:cSld>
-  <p:clrMapOvr>
-    <a:masterClrMapping/>
-  </p:clrMapOvr>
-</p:sld>
-</file>
-
-<file path=ppt/slides/slide31.xml><?xml version="1.0" encoding="utf-8"?>
-<p:sld xmlns:a="http://schemas.openxmlformats.org/drawingml/2006/main" xmlns:r="http://schemas.openxmlformats.org/officeDocument/2006/relationships" xmlns:p="http://schemas.openxmlformats.org/presentationml/2006/main">
-  <p:cSld>
-    <p:spTree>
-      <p:nvGrpSpPr>
-        <p:cNvPr id="1" name=""/>
-        <p:cNvGrpSpPr/>
-        <p:nvPr/>
-      </p:nvGrpSpPr>
-      <p:grpSpPr>
-        <a:xfrm>
-          <a:off x="0" y="0"/>
-          <a:ext cx="0" cy="0"/>
-          <a:chOff x="0" y="0"/>
-          <a:chExt cx="0" cy="0"/>
-        </a:xfrm>
-      </p:grpSpPr>
-      <p:sp>
-        <p:nvSpPr>
-          <p:cNvPr id="2" name="Title 1"/>
-          <p:cNvSpPr>
-            <a:spLocks noGrp="1"/>
-          </p:cNvSpPr>
-          <p:nvPr>
-            <p:ph type="title"/>
-          </p:nvPr>
-        </p:nvSpPr>
-        <p:spPr/>
-        <p:txBody>
-          <a:bodyPr/>
-          <a:lstStyle/>
-          <a:p>
-            <a:r>
-              <a:rPr lang="en-PH" dirty="0"/>
-              <a:t>Deployment Diagram</a:t>
-            </a:r>
-          </a:p>
-        </p:txBody>
-      </p:sp>
-      <p:sp>
-        <p:nvSpPr>
-          <p:cNvPr id="3" name="Content Placeholder 2"/>
-          <p:cNvSpPr>
-            <a:spLocks noGrp="1"/>
-          </p:cNvSpPr>
-          <p:nvPr>
-            <p:ph idx="1"/>
-          </p:nvPr>
-        </p:nvSpPr>
-        <p:spPr/>
-        <p:txBody>
-          <a:bodyPr/>
-          <a:lstStyle/>
-          <a:p>
-            <a:endParaRPr lang="en-PH" dirty="0"/>
-          </a:p>
-        </p:txBody>
-      </p:sp>
-    </p:spTree>
-    <p:extLst>
-      <p:ext uri="{BB962C8B-B14F-4D97-AF65-F5344CB8AC3E}">
-        <p14:creationId xmlns:p14="http://schemas.microsoft.com/office/powerpoint/2010/main" val="597677982"/>
       </p:ext>
     </p:extLst>
   </p:cSld>
